--- a/World Happiness Report Presentation.pptx
+++ b/World Happiness Report Presentation.pptx
@@ -5,7 +5,7 @@
     <p:sldMasterId id="2147483660" r:id="rId1"/>
   </p:sldMasterIdLst>
   <p:notesMasterIdLst>
-    <p:notesMasterId r:id="rId19"/>
+    <p:notesMasterId r:id="rId21"/>
   </p:notesMasterIdLst>
   <p:sldIdLst>
     <p:sldId id="268" r:id="rId2"/>
@@ -13,18 +13,20 @@
     <p:sldId id="269" r:id="rId4"/>
     <p:sldId id="270" r:id="rId5"/>
     <p:sldId id="273" r:id="rId6"/>
-    <p:sldId id="259" r:id="rId7"/>
+    <p:sldId id="277" r:id="rId7"/>
     <p:sldId id="274" r:id="rId8"/>
     <p:sldId id="261" r:id="rId9"/>
-    <p:sldId id="262" r:id="rId10"/>
-    <p:sldId id="260" r:id="rId11"/>
+    <p:sldId id="272" r:id="rId10"/>
+    <p:sldId id="276" r:id="rId11"/>
     <p:sldId id="256" r:id="rId12"/>
-    <p:sldId id="276" r:id="rId13"/>
-    <p:sldId id="272" r:id="rId14"/>
+    <p:sldId id="280" r:id="rId13"/>
+    <p:sldId id="260" r:id="rId14"/>
     <p:sldId id="275" r:id="rId15"/>
-    <p:sldId id="263" r:id="rId16"/>
-    <p:sldId id="264" r:id="rId17"/>
-    <p:sldId id="265" r:id="rId18"/>
+    <p:sldId id="279" r:id="rId16"/>
+    <p:sldId id="278" r:id="rId17"/>
+    <p:sldId id="263" r:id="rId18"/>
+    <p:sldId id="264" r:id="rId19"/>
+    <p:sldId id="265" r:id="rId20"/>
   </p:sldIdLst>
   <p:sldSz cx="12192000" cy="6858000"/>
   <p:notesSz cx="6858000" cy="9144000"/>
@@ -151,997 +153,6 @@
 </p1510:revInfo>
 </file>
 
-<file path=ppt/changesInfos/changesInfo1.xml><?xml version="1.0" encoding="utf-8"?>
-<pc:chgInfo xmlns:a="http://schemas.openxmlformats.org/drawingml/2006/main" xmlns:r="http://schemas.openxmlformats.org/officeDocument/2006/relationships" xmlns:ac="http://schemas.microsoft.com/office/drawing/2013/main/command" xmlns:pc="http://schemas.microsoft.com/office/powerpoint/2013/main/command">
-  <pc:docChgLst>
-    <pc:chgData name="Alysha Snowden" userId="6a790581ae0df517" providerId="LiveId" clId="{67CE7302-55AF-4E50-B843-30EA802A502F}"/>
-    <pc:docChg chg="undo custSel addSld delSld modSld sldOrd modMainMaster">
-      <pc:chgData name="Alysha Snowden" userId="6a790581ae0df517" providerId="LiveId" clId="{67CE7302-55AF-4E50-B843-30EA802A502F}" dt="2021-04-30T09:11:10.020" v="2257" actId="20577"/>
-      <pc:docMkLst>
-        <pc:docMk/>
-      </pc:docMkLst>
-      <pc:sldChg chg="addSp delSp modSp mod ord">
-        <pc:chgData name="Alysha Snowden" userId="6a790581ae0df517" providerId="LiveId" clId="{67CE7302-55AF-4E50-B843-30EA802A502F}" dt="2021-04-30T09:10:59.252" v="2249" actId="20577"/>
-        <pc:sldMkLst>
-          <pc:docMk/>
-          <pc:sldMk cId="2987209231" sldId="256"/>
-        </pc:sldMkLst>
-        <pc:spChg chg="add mod">
-          <ac:chgData name="Alysha Snowden" userId="6a790581ae0df517" providerId="LiveId" clId="{67CE7302-55AF-4E50-B843-30EA802A502F}" dt="2021-04-30T09:10:59.252" v="2249" actId="20577"/>
-          <ac:spMkLst>
-            <pc:docMk/>
-            <pc:sldMk cId="2987209231" sldId="256"/>
-            <ac:spMk id="8" creationId="{3DC70CA1-17F2-45F2-9E5B-4005631F3895}"/>
-          </ac:spMkLst>
-        </pc:spChg>
-        <pc:picChg chg="add del mod">
-          <ac:chgData name="Alysha Snowden" userId="6a790581ae0df517" providerId="LiveId" clId="{67CE7302-55AF-4E50-B843-30EA802A502F}" dt="2021-04-30T09:08:32.158" v="2213" actId="478"/>
-          <ac:picMkLst>
-            <pc:docMk/>
-            <pc:sldMk cId="2987209231" sldId="256"/>
-            <ac:picMk id="3" creationId="{F1BE9700-E389-4EB4-AA9E-450D9E5D06B6}"/>
-          </ac:picMkLst>
-        </pc:picChg>
-        <pc:picChg chg="del mod">
-          <ac:chgData name="Alysha Snowden" userId="6a790581ae0df517" providerId="LiveId" clId="{67CE7302-55AF-4E50-B843-30EA802A502F}" dt="2021-04-30T09:08:31.435" v="2212" actId="478"/>
-          <ac:picMkLst>
-            <pc:docMk/>
-            <pc:sldMk cId="2987209231" sldId="256"/>
-            <ac:picMk id="5" creationId="{11995FB7-DF49-41A9-9292-8F8EDF71EBC6}"/>
-          </ac:picMkLst>
-        </pc:picChg>
-        <pc:picChg chg="add mod">
-          <ac:chgData name="Alysha Snowden" userId="6a790581ae0df517" providerId="LiveId" clId="{67CE7302-55AF-4E50-B843-30EA802A502F}" dt="2021-04-30T09:08:49.936" v="2225" actId="1440"/>
-          <ac:picMkLst>
-            <pc:docMk/>
-            <pc:sldMk cId="2987209231" sldId="256"/>
-            <ac:picMk id="6" creationId="{BB76BEC4-CDCA-4219-9894-563E6FB726CC}"/>
-          </ac:picMkLst>
-        </pc:picChg>
-        <pc:picChg chg="mod">
-          <ac:chgData name="Alysha Snowden" userId="6a790581ae0df517" providerId="LiveId" clId="{67CE7302-55AF-4E50-B843-30EA802A502F}" dt="2021-04-30T09:08:51.655" v="2226" actId="1076"/>
-          <ac:picMkLst>
-            <pc:docMk/>
-            <pc:sldMk cId="2987209231" sldId="256"/>
-            <ac:picMk id="7" creationId="{9BED2E33-25B3-4F08-AF03-398FC0A1680F}"/>
-          </ac:picMkLst>
-        </pc:picChg>
-      </pc:sldChg>
-      <pc:sldChg chg="addSp delSp modSp del mod">
-        <pc:chgData name="Alysha Snowden" userId="6a790581ae0df517" providerId="LiveId" clId="{67CE7302-55AF-4E50-B843-30EA802A502F}" dt="2021-04-30T07:03:28.924" v="210" actId="2696"/>
-        <pc:sldMkLst>
-          <pc:docMk/>
-          <pc:sldMk cId="457393057" sldId="257"/>
-        </pc:sldMkLst>
-        <pc:spChg chg="add mod">
-          <ac:chgData name="Alysha Snowden" userId="6a790581ae0df517" providerId="LiveId" clId="{67CE7302-55AF-4E50-B843-30EA802A502F}" dt="2021-04-30T07:01:03.435" v="165" actId="255"/>
-          <ac:spMkLst>
-            <pc:docMk/>
-            <pc:sldMk cId="457393057" sldId="257"/>
-            <ac:spMk id="3" creationId="{C2398102-7A29-4575-B6F6-5FA659768D36}"/>
-          </ac:spMkLst>
-        </pc:spChg>
-        <pc:picChg chg="add mod">
-          <ac:chgData name="Alysha Snowden" userId="6a790581ae0df517" providerId="LiveId" clId="{67CE7302-55AF-4E50-B843-30EA802A502F}" dt="2021-04-30T06:48:07.437" v="5"/>
-          <ac:picMkLst>
-            <pc:docMk/>
-            <pc:sldMk cId="457393057" sldId="257"/>
-            <ac:picMk id="2" creationId="{A4CD21AF-F236-4072-84D6-654A34558E4A}"/>
-          </ac:picMkLst>
-        </pc:picChg>
-        <pc:picChg chg="add del mod">
-          <ac:chgData name="Alysha Snowden" userId="6a790581ae0df517" providerId="LiveId" clId="{67CE7302-55AF-4E50-B843-30EA802A502F}" dt="2021-04-30T06:54:35.780" v="101" actId="478"/>
-          <ac:picMkLst>
-            <pc:docMk/>
-            <pc:sldMk cId="457393057" sldId="257"/>
-            <ac:picMk id="4" creationId="{39299559-FC86-4566-BF71-DE6115AC2F05}"/>
-          </ac:picMkLst>
-        </pc:picChg>
-      </pc:sldChg>
-      <pc:sldChg chg="addSp delSp modSp mod modNotesTx">
-        <pc:chgData name="Alysha Snowden" userId="6a790581ae0df517" providerId="LiveId" clId="{67CE7302-55AF-4E50-B843-30EA802A502F}" dt="2021-04-30T08:56:45.721" v="2034" actId="1076"/>
-        <pc:sldMkLst>
-          <pc:docMk/>
-          <pc:sldMk cId="3452857715" sldId="259"/>
-        </pc:sldMkLst>
-        <pc:spChg chg="mod">
-          <ac:chgData name="Alysha Snowden" userId="6a790581ae0df517" providerId="LiveId" clId="{67CE7302-55AF-4E50-B843-30EA802A502F}" dt="2021-04-30T08:56:45.721" v="2034" actId="1076"/>
-          <ac:spMkLst>
-            <pc:docMk/>
-            <pc:sldMk cId="3452857715" sldId="259"/>
-            <ac:spMk id="2" creationId="{45AE6FB9-B139-45DF-A0A3-CE9AB28DF5FB}"/>
-          </ac:spMkLst>
-        </pc:spChg>
-        <pc:spChg chg="mod">
-          <ac:chgData name="Alysha Snowden" userId="6a790581ae0df517" providerId="LiveId" clId="{67CE7302-55AF-4E50-B843-30EA802A502F}" dt="2021-04-30T08:46:32.678" v="1597" actId="14100"/>
-          <ac:spMkLst>
-            <pc:docMk/>
-            <pc:sldMk cId="3452857715" sldId="259"/>
-            <ac:spMk id="3" creationId="{D4C8A1EF-05D4-4682-AFF4-8A336CCF4EC5}"/>
-          </ac:spMkLst>
-        </pc:spChg>
-        <pc:spChg chg="add del mod">
-          <ac:chgData name="Alysha Snowden" userId="6a790581ae0df517" providerId="LiveId" clId="{67CE7302-55AF-4E50-B843-30EA802A502F}" dt="2021-04-30T08:44:53.360" v="1575" actId="478"/>
-          <ac:spMkLst>
-            <pc:docMk/>
-            <pc:sldMk cId="3452857715" sldId="259"/>
-            <ac:spMk id="6" creationId="{511321AC-2A39-4566-8B7E-E6D81CC6F63F}"/>
-          </ac:spMkLst>
-        </pc:spChg>
-        <pc:spChg chg="add del mod">
-          <ac:chgData name="Alysha Snowden" userId="6a790581ae0df517" providerId="LiveId" clId="{67CE7302-55AF-4E50-B843-30EA802A502F}" dt="2021-04-30T08:45:11.092" v="1581" actId="478"/>
-          <ac:spMkLst>
-            <pc:docMk/>
-            <pc:sldMk cId="3452857715" sldId="259"/>
-            <ac:spMk id="7" creationId="{843A9F34-9A66-486E-B180-900A16333A69}"/>
-          </ac:spMkLst>
-        </pc:spChg>
-        <pc:spChg chg="add mod">
-          <ac:chgData name="Alysha Snowden" userId="6a790581ae0df517" providerId="LiveId" clId="{67CE7302-55AF-4E50-B843-30EA802A502F}" dt="2021-04-30T08:47:29.169" v="1667" actId="164"/>
-          <ac:spMkLst>
-            <pc:docMk/>
-            <pc:sldMk cId="3452857715" sldId="259"/>
-            <ac:spMk id="8" creationId="{DE8C238C-2512-47D2-9511-4F2F08C93D18}"/>
-          </ac:spMkLst>
-        </pc:spChg>
-        <pc:spChg chg="add del">
-          <ac:chgData name="Alysha Snowden" userId="6a790581ae0df517" providerId="LiveId" clId="{67CE7302-55AF-4E50-B843-30EA802A502F}" dt="2021-04-30T08:44:52.625" v="1574" actId="478"/>
-          <ac:spMkLst>
-            <pc:docMk/>
-            <pc:sldMk cId="3452857715" sldId="259"/>
-            <ac:spMk id="10" creationId="{6BD43E4C-354F-4034-B6A8-22FA12846044}"/>
-          </ac:spMkLst>
-        </pc:spChg>
-        <pc:spChg chg="add mod">
-          <ac:chgData name="Alysha Snowden" userId="6a790581ae0df517" providerId="LiveId" clId="{67CE7302-55AF-4E50-B843-30EA802A502F}" dt="2021-04-30T08:47:29.169" v="1667" actId="164"/>
-          <ac:spMkLst>
-            <pc:docMk/>
-            <pc:sldMk cId="3452857715" sldId="259"/>
-            <ac:spMk id="11" creationId="{633F823D-0CB4-4592-AFDF-14704B37E656}"/>
-          </ac:spMkLst>
-        </pc:spChg>
-        <pc:spChg chg="add mod">
-          <ac:chgData name="Alysha Snowden" userId="6a790581ae0df517" providerId="LiveId" clId="{67CE7302-55AF-4E50-B843-30EA802A502F}" dt="2021-04-30T08:47:29.169" v="1667" actId="164"/>
-          <ac:spMkLst>
-            <pc:docMk/>
-            <pc:sldMk cId="3452857715" sldId="259"/>
-            <ac:spMk id="12" creationId="{CE5FE7BC-C4ED-49EE-B1A1-64DE09EAB558}"/>
-          </ac:spMkLst>
-        </pc:spChg>
-        <pc:spChg chg="add mod">
-          <ac:chgData name="Alysha Snowden" userId="6a790581ae0df517" providerId="LiveId" clId="{67CE7302-55AF-4E50-B843-30EA802A502F}" dt="2021-04-30T08:56:43.661" v="2033" actId="1076"/>
-          <ac:spMkLst>
-            <pc:docMk/>
-            <pc:sldMk cId="3452857715" sldId="259"/>
-            <ac:spMk id="14" creationId="{10C8B8FC-349A-4F05-B828-FCD8722A1418}"/>
-          </ac:spMkLst>
-        </pc:spChg>
-        <pc:grpChg chg="add mod">
-          <ac:chgData name="Alysha Snowden" userId="6a790581ae0df517" providerId="LiveId" clId="{67CE7302-55AF-4E50-B843-30EA802A502F}" dt="2021-04-30T08:56:32.382" v="2031" actId="1076"/>
-          <ac:grpSpMkLst>
-            <pc:docMk/>
-            <pc:sldMk cId="3452857715" sldId="259"/>
-            <ac:grpSpMk id="13" creationId="{54BDEFD9-4B4A-46F8-9328-542E47FCD054}"/>
-          </ac:grpSpMkLst>
-        </pc:grpChg>
-        <pc:picChg chg="add mod">
-          <ac:chgData name="Alysha Snowden" userId="6a790581ae0df517" providerId="LiveId" clId="{67CE7302-55AF-4E50-B843-30EA802A502F}" dt="2021-04-30T08:47:29.169" v="1667" actId="164"/>
-          <ac:picMkLst>
-            <pc:docMk/>
-            <pc:sldMk cId="3452857715" sldId="259"/>
-            <ac:picMk id="5" creationId="{E08ECE03-8B10-4ECD-8748-E06ACCDE4AF4}"/>
-          </ac:picMkLst>
-        </pc:picChg>
-      </pc:sldChg>
-      <pc:sldChg chg="addSp delSp modSp mod ord modNotesTx">
-        <pc:chgData name="Alysha Snowden" userId="6a790581ae0df517" providerId="LiveId" clId="{67CE7302-55AF-4E50-B843-30EA802A502F}" dt="2021-04-30T08:55:39.153" v="2017"/>
-        <pc:sldMkLst>
-          <pc:docMk/>
-          <pc:sldMk cId="3125319103" sldId="260"/>
-        </pc:sldMkLst>
-        <pc:spChg chg="mod">
-          <ac:chgData name="Alysha Snowden" userId="6a790581ae0df517" providerId="LiveId" clId="{67CE7302-55AF-4E50-B843-30EA802A502F}" dt="2021-04-30T08:33:14.687" v="1404" actId="1076"/>
-          <ac:spMkLst>
-            <pc:docMk/>
-            <pc:sldMk cId="3125319103" sldId="260"/>
-            <ac:spMk id="2" creationId="{45AE6FB9-B139-45DF-A0A3-CE9AB28DF5FB}"/>
-          </ac:spMkLst>
-        </pc:spChg>
-        <pc:spChg chg="del mod">
-          <ac:chgData name="Alysha Snowden" userId="6a790581ae0df517" providerId="LiveId" clId="{67CE7302-55AF-4E50-B843-30EA802A502F}" dt="2021-04-30T08:39:34.834" v="1530" actId="478"/>
-          <ac:spMkLst>
-            <pc:docMk/>
-            <pc:sldMk cId="3125319103" sldId="260"/>
-            <ac:spMk id="3" creationId="{D4C8A1EF-05D4-4682-AFF4-8A336CCF4EC5}"/>
-          </ac:spMkLst>
-        </pc:spChg>
-        <pc:graphicFrameChg chg="add mod">
-          <ac:chgData name="Alysha Snowden" userId="6a790581ae0df517" providerId="LiveId" clId="{67CE7302-55AF-4E50-B843-30EA802A502F}" dt="2021-04-30T08:40:38.150" v="1542" actId="1076"/>
-          <ac:graphicFrameMkLst>
-            <pc:docMk/>
-            <pc:sldMk cId="3125319103" sldId="260"/>
-            <ac:graphicFrameMk id="4" creationId="{740C41CB-C4F8-4BDC-B3A3-925002F2F957}"/>
-          </ac:graphicFrameMkLst>
-        </pc:graphicFrameChg>
-      </pc:sldChg>
-      <pc:sldChg chg="modSp mod modNotesTx">
-        <pc:chgData name="Alysha Snowden" userId="6a790581ae0df517" providerId="LiveId" clId="{67CE7302-55AF-4E50-B843-30EA802A502F}" dt="2021-04-30T08:52:39.968" v="2003" actId="1076"/>
-        <pc:sldMkLst>
-          <pc:docMk/>
-          <pc:sldMk cId="2439523297" sldId="261"/>
-        </pc:sldMkLst>
-        <pc:spChg chg="mod">
-          <ac:chgData name="Alysha Snowden" userId="6a790581ae0df517" providerId="LiveId" clId="{67CE7302-55AF-4E50-B843-30EA802A502F}" dt="2021-04-30T08:52:39.968" v="2003" actId="1076"/>
-          <ac:spMkLst>
-            <pc:docMk/>
-            <pc:sldMk cId="2439523297" sldId="261"/>
-            <ac:spMk id="2" creationId="{45AE6FB9-B139-45DF-A0A3-CE9AB28DF5FB}"/>
-          </ac:spMkLst>
-        </pc:spChg>
-        <pc:spChg chg="mod">
-          <ac:chgData name="Alysha Snowden" userId="6a790581ae0df517" providerId="LiveId" clId="{67CE7302-55AF-4E50-B843-30EA802A502F}" dt="2021-04-30T07:14:13" v="256" actId="21"/>
-          <ac:spMkLst>
-            <pc:docMk/>
-            <pc:sldMk cId="2439523297" sldId="261"/>
-            <ac:spMk id="3" creationId="{D4C8A1EF-05D4-4682-AFF4-8A336CCF4EC5}"/>
-          </ac:spMkLst>
-        </pc:spChg>
-      </pc:sldChg>
-      <pc:sldChg chg="modSp mod modNotesTx">
-        <pc:chgData name="Alysha Snowden" userId="6a790581ae0df517" providerId="LiveId" clId="{67CE7302-55AF-4E50-B843-30EA802A502F}" dt="2021-04-30T08:53:35.928" v="2007" actId="1076"/>
-        <pc:sldMkLst>
-          <pc:docMk/>
-          <pc:sldMk cId="1997929278" sldId="262"/>
-        </pc:sldMkLst>
-        <pc:spChg chg="mod">
-          <ac:chgData name="Alysha Snowden" userId="6a790581ae0df517" providerId="LiveId" clId="{67CE7302-55AF-4E50-B843-30EA802A502F}" dt="2021-04-30T08:53:35.928" v="2007" actId="1076"/>
-          <ac:spMkLst>
-            <pc:docMk/>
-            <pc:sldMk cId="1997929278" sldId="262"/>
-            <ac:spMk id="2" creationId="{45AE6FB9-B139-45DF-A0A3-CE9AB28DF5FB}"/>
-          </ac:spMkLst>
-        </pc:spChg>
-        <pc:spChg chg="mod">
-          <ac:chgData name="Alysha Snowden" userId="6a790581ae0df517" providerId="LiveId" clId="{67CE7302-55AF-4E50-B843-30EA802A502F}" dt="2021-04-30T07:14:47.701" v="264" actId="21"/>
-          <ac:spMkLst>
-            <pc:docMk/>
-            <pc:sldMk cId="1997929278" sldId="262"/>
-            <ac:spMk id="3" creationId="{D4C8A1EF-05D4-4682-AFF4-8A336CCF4EC5}"/>
-          </ac:spMkLst>
-        </pc:spChg>
-      </pc:sldChg>
-      <pc:sldChg chg="modSp mod modNotesTx">
-        <pc:chgData name="Alysha Snowden" userId="6a790581ae0df517" providerId="LiveId" clId="{67CE7302-55AF-4E50-B843-30EA802A502F}" dt="2021-04-30T08:53:49.890" v="2010" actId="1076"/>
-        <pc:sldMkLst>
-          <pc:docMk/>
-          <pc:sldMk cId="780445972" sldId="263"/>
-        </pc:sldMkLst>
-        <pc:spChg chg="mod">
-          <ac:chgData name="Alysha Snowden" userId="6a790581ae0df517" providerId="LiveId" clId="{67CE7302-55AF-4E50-B843-30EA802A502F}" dt="2021-04-30T08:53:49.890" v="2010" actId="1076"/>
-          <ac:spMkLst>
-            <pc:docMk/>
-            <pc:sldMk cId="780445972" sldId="263"/>
-            <ac:spMk id="2" creationId="{45AE6FB9-B139-45DF-A0A3-CE9AB28DF5FB}"/>
-          </ac:spMkLst>
-        </pc:spChg>
-        <pc:spChg chg="mod">
-          <ac:chgData name="Alysha Snowden" userId="6a790581ae0df517" providerId="LiveId" clId="{67CE7302-55AF-4E50-B843-30EA802A502F}" dt="2021-04-30T07:15:08.072" v="269" actId="21"/>
-          <ac:spMkLst>
-            <pc:docMk/>
-            <pc:sldMk cId="780445972" sldId="263"/>
-            <ac:spMk id="3" creationId="{D4C8A1EF-05D4-4682-AFF4-8A336CCF4EC5}"/>
-          </ac:spMkLst>
-        </pc:spChg>
-      </pc:sldChg>
-      <pc:sldChg chg="modSp mod modNotesTx">
-        <pc:chgData name="Alysha Snowden" userId="6a790581ae0df517" providerId="LiveId" clId="{67CE7302-55AF-4E50-B843-30EA802A502F}" dt="2021-04-30T08:53:59.102" v="2013" actId="1076"/>
-        <pc:sldMkLst>
-          <pc:docMk/>
-          <pc:sldMk cId="173154081" sldId="264"/>
-        </pc:sldMkLst>
-        <pc:spChg chg="mod">
-          <ac:chgData name="Alysha Snowden" userId="6a790581ae0df517" providerId="LiveId" clId="{67CE7302-55AF-4E50-B843-30EA802A502F}" dt="2021-04-30T08:53:59.102" v="2013" actId="1076"/>
-          <ac:spMkLst>
-            <pc:docMk/>
-            <pc:sldMk cId="173154081" sldId="264"/>
-            <ac:spMk id="2" creationId="{45AE6FB9-B139-45DF-A0A3-CE9AB28DF5FB}"/>
-          </ac:spMkLst>
-        </pc:spChg>
-        <pc:spChg chg="mod">
-          <ac:chgData name="Alysha Snowden" userId="6a790581ae0df517" providerId="LiveId" clId="{67CE7302-55AF-4E50-B843-30EA802A502F}" dt="2021-04-30T07:15:21.189" v="274" actId="21"/>
-          <ac:spMkLst>
-            <pc:docMk/>
-            <pc:sldMk cId="173154081" sldId="264"/>
-            <ac:spMk id="3" creationId="{D4C8A1EF-05D4-4682-AFF4-8A336CCF4EC5}"/>
-          </ac:spMkLst>
-        </pc:spChg>
-      </pc:sldChg>
-      <pc:sldChg chg="addSp delSp modSp mod modNotesTx">
-        <pc:chgData name="Alysha Snowden" userId="6a790581ae0df517" providerId="LiveId" clId="{67CE7302-55AF-4E50-B843-30EA802A502F}" dt="2021-04-30T07:45:45.366" v="614" actId="1076"/>
-        <pc:sldMkLst>
-          <pc:docMk/>
-          <pc:sldMk cId="106715983" sldId="265"/>
-        </pc:sldMkLst>
-        <pc:spChg chg="del mod">
-          <ac:chgData name="Alysha Snowden" userId="6a790581ae0df517" providerId="LiveId" clId="{67CE7302-55AF-4E50-B843-30EA802A502F}" dt="2021-04-30T07:45:35.979" v="610" actId="478"/>
-          <ac:spMkLst>
-            <pc:docMk/>
-            <pc:sldMk cId="106715983" sldId="265"/>
-            <ac:spMk id="2" creationId="{45AE6FB9-B139-45DF-A0A3-CE9AB28DF5FB}"/>
-          </ac:spMkLst>
-        </pc:spChg>
-        <pc:spChg chg="del mod">
-          <ac:chgData name="Alysha Snowden" userId="6a790581ae0df517" providerId="LiveId" clId="{67CE7302-55AF-4E50-B843-30EA802A502F}" dt="2021-04-30T07:45:33.904" v="609" actId="478"/>
-          <ac:spMkLst>
-            <pc:docMk/>
-            <pc:sldMk cId="106715983" sldId="265"/>
-            <ac:spMk id="3" creationId="{D4C8A1EF-05D4-4682-AFF4-8A336CCF4EC5}"/>
-          </ac:spMkLst>
-        </pc:spChg>
-        <pc:picChg chg="add mod">
-          <ac:chgData name="Alysha Snowden" userId="6a790581ae0df517" providerId="LiveId" clId="{67CE7302-55AF-4E50-B843-30EA802A502F}" dt="2021-04-30T07:45:45.366" v="614" actId="1076"/>
-          <ac:picMkLst>
-            <pc:docMk/>
-            <pc:sldMk cId="106715983" sldId="265"/>
-            <ac:picMk id="5" creationId="{E431AF12-0298-43EE-B659-7701C08B857F}"/>
-          </ac:picMkLst>
-        </pc:picChg>
-      </pc:sldChg>
-      <pc:sldChg chg="modSp del">
-        <pc:chgData name="Alysha Snowden" userId="6a790581ae0df517" providerId="LiveId" clId="{67CE7302-55AF-4E50-B843-30EA802A502F}" dt="2021-04-30T07:00:24.949" v="145" actId="2696"/>
-        <pc:sldMkLst>
-          <pc:docMk/>
-          <pc:sldMk cId="153165054" sldId="266"/>
-        </pc:sldMkLst>
-        <pc:spChg chg="mod">
-          <ac:chgData name="Alysha Snowden" userId="6a790581ae0df517" providerId="LiveId" clId="{67CE7302-55AF-4E50-B843-30EA802A502F}" dt="2021-04-30T06:34:12.579" v="4"/>
-          <ac:spMkLst>
-            <pc:docMk/>
-            <pc:sldMk cId="153165054" sldId="266"/>
-            <ac:spMk id="3" creationId="{D4C8A1EF-05D4-4682-AFF4-8A336CCF4EC5}"/>
-          </ac:spMkLst>
-        </pc:spChg>
-      </pc:sldChg>
-      <pc:sldChg chg="addSp delSp modSp del mod modNotesTx">
-        <pc:chgData name="Alysha Snowden" userId="6a790581ae0df517" providerId="LiveId" clId="{67CE7302-55AF-4E50-B843-30EA802A502F}" dt="2021-04-30T07:40:52.310" v="608" actId="2696"/>
-        <pc:sldMkLst>
-          <pc:docMk/>
-          <pc:sldMk cId="1569109087" sldId="267"/>
-        </pc:sldMkLst>
-        <pc:spChg chg="mod ord">
-          <ac:chgData name="Alysha Snowden" userId="6a790581ae0df517" providerId="LiveId" clId="{67CE7302-55AF-4E50-B843-30EA802A502F}" dt="2021-04-30T07:16:40.425" v="291" actId="2711"/>
-          <ac:spMkLst>
-            <pc:docMk/>
-            <pc:sldMk cId="1569109087" sldId="267"/>
-            <ac:spMk id="2" creationId="{45AE6FB9-B139-45DF-A0A3-CE9AB28DF5FB}"/>
-          </ac:spMkLst>
-        </pc:spChg>
-        <pc:spChg chg="mod">
-          <ac:chgData name="Alysha Snowden" userId="6a790581ae0df517" providerId="LiveId" clId="{67CE7302-55AF-4E50-B843-30EA802A502F}" dt="2021-04-30T06:59:36.706" v="144" actId="5793"/>
-          <ac:spMkLst>
-            <pc:docMk/>
-            <pc:sldMk cId="1569109087" sldId="267"/>
-            <ac:spMk id="3" creationId="{D4C8A1EF-05D4-4682-AFF4-8A336CCF4EC5}"/>
-          </ac:spMkLst>
-        </pc:spChg>
-        <pc:spChg chg="add del mod">
-          <ac:chgData name="Alysha Snowden" userId="6a790581ae0df517" providerId="LiveId" clId="{67CE7302-55AF-4E50-B843-30EA802A502F}" dt="2021-04-30T06:50:22.005" v="96" actId="478"/>
-          <ac:spMkLst>
-            <pc:docMk/>
-            <pc:sldMk cId="1569109087" sldId="267"/>
-            <ac:spMk id="4" creationId="{44E653B7-33B2-48E5-A462-88EB54A2B038}"/>
-          </ac:spMkLst>
-        </pc:spChg>
-        <pc:spChg chg="add del mod ord">
-          <ac:chgData name="Alysha Snowden" userId="6a790581ae0df517" providerId="LiveId" clId="{67CE7302-55AF-4E50-B843-30EA802A502F}" dt="2021-04-30T07:13:14.002" v="246" actId="478"/>
-          <ac:spMkLst>
-            <pc:docMk/>
-            <pc:sldMk cId="1569109087" sldId="267"/>
-            <ac:spMk id="10" creationId="{4FEFFE3E-5586-4D4C-8A81-4BEF3860F23D}"/>
-          </ac:spMkLst>
-        </pc:spChg>
-        <pc:spChg chg="add del mod">
-          <ac:chgData name="Alysha Snowden" userId="6a790581ae0df517" providerId="LiveId" clId="{67CE7302-55AF-4E50-B843-30EA802A502F}" dt="2021-04-30T07:13:30.514" v="247" actId="478"/>
-          <ac:spMkLst>
-            <pc:docMk/>
-            <pc:sldMk cId="1569109087" sldId="267"/>
-            <ac:spMk id="11" creationId="{4B039119-1B59-4F97-A8AB-479442FF1E54}"/>
-          </ac:spMkLst>
-        </pc:spChg>
-        <pc:picChg chg="add del mod">
-          <ac:chgData name="Alysha Snowden" userId="6a790581ae0df517" providerId="LiveId" clId="{67CE7302-55AF-4E50-B843-30EA802A502F}" dt="2021-04-30T06:54:41.762" v="104" actId="478"/>
-          <ac:picMkLst>
-            <pc:docMk/>
-            <pc:sldMk cId="1569109087" sldId="267"/>
-            <ac:picMk id="6" creationId="{E49FDC0E-5D46-4AFC-B4BE-2613656F27D1}"/>
-          </ac:picMkLst>
-        </pc:picChg>
-        <pc:picChg chg="add del mod">
-          <ac:chgData name="Alysha Snowden" userId="6a790581ae0df517" providerId="LiveId" clId="{67CE7302-55AF-4E50-B843-30EA802A502F}" dt="2021-04-30T07:13:01.323" v="245" actId="478"/>
-          <ac:picMkLst>
-            <pc:docMk/>
-            <pc:sldMk cId="1569109087" sldId="267"/>
-            <ac:picMk id="7" creationId="{993E8D18-0E98-4952-A802-219C1D35FB6C}"/>
-          </ac:picMkLst>
-        </pc:picChg>
-        <pc:picChg chg="add del mod">
-          <ac:chgData name="Alysha Snowden" userId="6a790581ae0df517" providerId="LiveId" clId="{67CE7302-55AF-4E50-B843-30EA802A502F}" dt="2021-04-30T06:56:16.003" v="123" actId="478"/>
-          <ac:picMkLst>
-            <pc:docMk/>
-            <pc:sldMk cId="1569109087" sldId="267"/>
-            <ac:picMk id="9" creationId="{B988B814-3BC7-4B6C-89F3-F06D5D501DB3}"/>
-          </ac:picMkLst>
-        </pc:picChg>
-      </pc:sldChg>
-      <pc:sldChg chg="addSp delSp modSp add mod setBg addCm delCm">
-        <pc:chgData name="Alysha Snowden" userId="6a790581ae0df517" providerId="LiveId" clId="{67CE7302-55AF-4E50-B843-30EA802A502F}" dt="2021-04-30T08:56:59.564" v="2035" actId="1076"/>
-        <pc:sldMkLst>
-          <pc:docMk/>
-          <pc:sldMk cId="1429055111" sldId="268"/>
-        </pc:sldMkLst>
-        <pc:spChg chg="add del mod">
-          <ac:chgData name="Alysha Snowden" userId="6a790581ae0df517" providerId="LiveId" clId="{67CE7302-55AF-4E50-B843-30EA802A502F}" dt="2021-04-30T08:05:33.300" v="919" actId="2711"/>
-          <ac:spMkLst>
-            <pc:docMk/>
-            <pc:sldMk cId="1429055111" sldId="268"/>
-            <ac:spMk id="3" creationId="{C2398102-7A29-4575-B6F6-5FA659768D36}"/>
-          </ac:spMkLst>
-        </pc:spChg>
-        <pc:picChg chg="del">
-          <ac:chgData name="Alysha Snowden" userId="6a790581ae0df517" providerId="LiveId" clId="{67CE7302-55AF-4E50-B843-30EA802A502F}" dt="2021-04-30T07:57:07.283" v="801" actId="478"/>
-          <ac:picMkLst>
-            <pc:docMk/>
-            <pc:sldMk cId="1429055111" sldId="268"/>
-            <ac:picMk id="2" creationId="{A4CD21AF-F236-4072-84D6-654A34558E4A}"/>
-          </ac:picMkLst>
-        </pc:picChg>
-        <pc:picChg chg="add del mod">
-          <ac:chgData name="Alysha Snowden" userId="6a790581ae0df517" providerId="LiveId" clId="{67CE7302-55AF-4E50-B843-30EA802A502F}" dt="2021-04-30T07:59:07.537" v="834" actId="478"/>
-          <ac:picMkLst>
-            <pc:docMk/>
-            <pc:sldMk cId="1429055111" sldId="268"/>
-            <ac:picMk id="5" creationId="{02ACEB9C-49DB-4493-BD1A-C5C5C23D6BF6}"/>
-          </ac:picMkLst>
-        </pc:picChg>
-        <pc:picChg chg="add mod">
-          <ac:chgData name="Alysha Snowden" userId="6a790581ae0df517" providerId="LiveId" clId="{67CE7302-55AF-4E50-B843-30EA802A502F}" dt="2021-04-30T08:56:59.564" v="2035" actId="1076"/>
-          <ac:picMkLst>
-            <pc:docMk/>
-            <pc:sldMk cId="1429055111" sldId="268"/>
-            <ac:picMk id="7" creationId="{2A76A231-1235-47D6-87A3-260001D230AA}"/>
-          </ac:picMkLst>
-        </pc:picChg>
-      </pc:sldChg>
-      <pc:sldChg chg="addSp delSp modSp new mod modNotesTx">
-        <pc:chgData name="Alysha Snowden" userId="6a790581ae0df517" providerId="LiveId" clId="{67CE7302-55AF-4E50-B843-30EA802A502F}" dt="2021-04-30T08:13:20.590" v="1023" actId="113"/>
-        <pc:sldMkLst>
-          <pc:docMk/>
-          <pc:sldMk cId="1487059380" sldId="269"/>
-        </pc:sldMkLst>
-        <pc:spChg chg="del">
-          <ac:chgData name="Alysha Snowden" userId="6a790581ae0df517" providerId="LiveId" clId="{67CE7302-55AF-4E50-B843-30EA802A502F}" dt="2021-04-30T07:17:58.241" v="295" actId="1032"/>
-          <ac:spMkLst>
-            <pc:docMk/>
-            <pc:sldMk cId="1487059380" sldId="269"/>
-            <ac:spMk id="2" creationId="{751DA6C2-4EC3-4CE7-9914-BADBCF5C29DF}"/>
-          </ac:spMkLst>
-        </pc:spChg>
-        <pc:spChg chg="add del mod">
-          <ac:chgData name="Alysha Snowden" userId="6a790581ae0df517" providerId="LiveId" clId="{67CE7302-55AF-4E50-B843-30EA802A502F}" dt="2021-04-30T07:31:56.499" v="467" actId="478"/>
-          <ac:spMkLst>
-            <pc:docMk/>
-            <pc:sldMk cId="1487059380" sldId="269"/>
-            <ac:spMk id="4" creationId="{5E32CA97-C317-4B91-964E-7B98D5364E04}"/>
-          </ac:spMkLst>
-        </pc:spChg>
-        <pc:spChg chg="add del mod">
-          <ac:chgData name="Alysha Snowden" userId="6a790581ae0df517" providerId="LiveId" clId="{67CE7302-55AF-4E50-B843-30EA802A502F}" dt="2021-04-30T07:31:57.938" v="468" actId="478"/>
-          <ac:spMkLst>
-            <pc:docMk/>
-            <pc:sldMk cId="1487059380" sldId="269"/>
-            <ac:spMk id="5" creationId="{853CFA4B-7A1A-45E2-86C8-7CA4A7A1F0BA}"/>
-          </ac:spMkLst>
-        </pc:spChg>
-        <pc:spChg chg="add del mod">
-          <ac:chgData name="Alysha Snowden" userId="6a790581ae0df517" providerId="LiveId" clId="{67CE7302-55AF-4E50-B843-30EA802A502F}" dt="2021-04-30T07:31:27.266" v="466" actId="478"/>
-          <ac:spMkLst>
-            <pc:docMk/>
-            <pc:sldMk cId="1487059380" sldId="269"/>
-            <ac:spMk id="7" creationId="{C05C4871-814B-4430-9A00-68CA0A54DDDB}"/>
-          </ac:spMkLst>
-        </pc:spChg>
-        <pc:spChg chg="add mod">
-          <ac:chgData name="Alysha Snowden" userId="6a790581ae0df517" providerId="LiveId" clId="{67CE7302-55AF-4E50-B843-30EA802A502F}" dt="2021-04-30T08:13:20.590" v="1023" actId="113"/>
-          <ac:spMkLst>
-            <pc:docMk/>
-            <pc:sldMk cId="1487059380" sldId="269"/>
-            <ac:spMk id="9" creationId="{30D7D3DF-4798-482C-B279-28B2259643D7}"/>
-          </ac:spMkLst>
-        </pc:spChg>
-        <pc:graphicFrameChg chg="add del mod modGraphic">
-          <ac:chgData name="Alysha Snowden" userId="6a790581ae0df517" providerId="LiveId" clId="{67CE7302-55AF-4E50-B843-30EA802A502F}" dt="2021-04-30T07:31:25.340" v="465" actId="478"/>
-          <ac:graphicFrameMkLst>
-            <pc:docMk/>
-            <pc:sldMk cId="1487059380" sldId="269"/>
-            <ac:graphicFrameMk id="3" creationId="{74299F31-2CA1-4B09-A702-DE16A3719602}"/>
-          </ac:graphicFrameMkLst>
-        </pc:graphicFrameChg>
-        <pc:graphicFrameChg chg="add mod modGraphic">
-          <ac:chgData name="Alysha Snowden" userId="6a790581ae0df517" providerId="LiveId" clId="{67CE7302-55AF-4E50-B843-30EA802A502F}" dt="2021-04-30T07:40:25.223" v="603" actId="1076"/>
-          <ac:graphicFrameMkLst>
-            <pc:docMk/>
-            <pc:sldMk cId="1487059380" sldId="269"/>
-            <ac:graphicFrameMk id="8" creationId="{0EC73CE1-8865-40A1-BF95-DBBBD87ED7A9}"/>
-          </ac:graphicFrameMkLst>
-        </pc:graphicFrameChg>
-      </pc:sldChg>
-      <pc:sldChg chg="addSp delSp modSp add del mod">
-        <pc:chgData name="Alysha Snowden" userId="6a790581ae0df517" providerId="LiveId" clId="{67CE7302-55AF-4E50-B843-30EA802A502F}" dt="2021-04-30T07:17:09.768" v="293" actId="2696"/>
-        <pc:sldMkLst>
-          <pc:docMk/>
-          <pc:sldMk cId="3000821043" sldId="269"/>
-        </pc:sldMkLst>
-        <pc:spChg chg="add del">
-          <ac:chgData name="Alysha Snowden" userId="6a790581ae0df517" providerId="LiveId" clId="{67CE7302-55AF-4E50-B843-30EA802A502F}" dt="2021-04-30T07:07:25.661" v="220"/>
-          <ac:spMkLst>
-            <pc:docMk/>
-            <pc:sldMk cId="3000821043" sldId="269"/>
-            <ac:spMk id="2" creationId="{8965B062-7F4A-4FEB-9495-39AF9FF822F7}"/>
-          </ac:spMkLst>
-        </pc:spChg>
-        <pc:picChg chg="add del mod">
-          <ac:chgData name="Alysha Snowden" userId="6a790581ae0df517" providerId="LiveId" clId="{67CE7302-55AF-4E50-B843-30EA802A502F}" dt="2021-04-30T07:10:07.650" v="238" actId="478"/>
-          <ac:picMkLst>
-            <pc:docMk/>
-            <pc:sldMk cId="3000821043" sldId="269"/>
-            <ac:picMk id="3" creationId="{F206ADD6-2884-4BB0-B988-F6913094FE65}"/>
-          </ac:picMkLst>
-        </pc:picChg>
-        <pc:picChg chg="del">
-          <ac:chgData name="Alysha Snowden" userId="6a790581ae0df517" providerId="LiveId" clId="{67CE7302-55AF-4E50-B843-30EA802A502F}" dt="2021-04-30T07:07:03.472" v="214" actId="478"/>
-          <ac:picMkLst>
-            <pc:docMk/>
-            <pc:sldMk cId="3000821043" sldId="269"/>
-            <ac:picMk id="5" creationId="{11995FB7-DF49-41A9-9292-8F8EDF71EBC6}"/>
-          </ac:picMkLst>
-        </pc:picChg>
-        <pc:picChg chg="add del mod">
-          <ac:chgData name="Alysha Snowden" userId="6a790581ae0df517" providerId="LiveId" clId="{67CE7302-55AF-4E50-B843-30EA802A502F}" dt="2021-04-30T07:10:08.129" v="239" actId="478"/>
-          <ac:picMkLst>
-            <pc:docMk/>
-            <pc:sldMk cId="3000821043" sldId="269"/>
-            <ac:picMk id="6" creationId="{2629D2B7-AE45-4F76-8234-DC64F20162A5}"/>
-          </ac:picMkLst>
-        </pc:picChg>
-        <pc:picChg chg="del">
-          <ac:chgData name="Alysha Snowden" userId="6a790581ae0df517" providerId="LiveId" clId="{67CE7302-55AF-4E50-B843-30EA802A502F}" dt="2021-04-30T07:07:03.060" v="213" actId="478"/>
-          <ac:picMkLst>
-            <pc:docMk/>
-            <pc:sldMk cId="3000821043" sldId="269"/>
-            <ac:picMk id="7" creationId="{9BED2E33-25B3-4F08-AF03-398FC0A1680F}"/>
-          </ac:picMkLst>
-        </pc:picChg>
-        <pc:picChg chg="add del mod">
-          <ac:chgData name="Alysha Snowden" userId="6a790581ae0df517" providerId="LiveId" clId="{67CE7302-55AF-4E50-B843-30EA802A502F}" dt="2021-04-30T07:17:05.383" v="292" actId="478"/>
-          <ac:picMkLst>
-            <pc:docMk/>
-            <pc:sldMk cId="3000821043" sldId="269"/>
-            <ac:picMk id="9" creationId="{ABFA1847-794C-4827-8BFE-846B96F7090E}"/>
-          </ac:picMkLst>
-        </pc:picChg>
-      </pc:sldChg>
-      <pc:sldChg chg="addSp delSp modSp add mod modNotesTx">
-        <pc:chgData name="Alysha Snowden" userId="6a790581ae0df517" providerId="LiveId" clId="{67CE7302-55AF-4E50-B843-30EA802A502F}" dt="2021-04-30T08:49:12.770" v="1903" actId="20577"/>
-        <pc:sldMkLst>
-          <pc:docMk/>
-          <pc:sldMk cId="247401185" sldId="270"/>
-        </pc:sldMkLst>
-        <pc:spChg chg="mod">
-          <ac:chgData name="Alysha Snowden" userId="6a790581ae0df517" providerId="LiveId" clId="{67CE7302-55AF-4E50-B843-30EA802A502F}" dt="2021-04-30T08:13:15.481" v="1022" actId="1076"/>
-          <ac:spMkLst>
-            <pc:docMk/>
-            <pc:sldMk cId="247401185" sldId="270"/>
-            <ac:spMk id="9" creationId="{30D7D3DF-4798-482C-B279-28B2259643D7}"/>
-          </ac:spMkLst>
-        </pc:spChg>
-        <pc:graphicFrameChg chg="add mod modGraphic">
-          <ac:chgData name="Alysha Snowden" userId="6a790581ae0df517" providerId="LiveId" clId="{67CE7302-55AF-4E50-B843-30EA802A502F}" dt="2021-04-30T08:13:04.542" v="1020" actId="1076"/>
-          <ac:graphicFrameMkLst>
-            <pc:docMk/>
-            <pc:sldMk cId="247401185" sldId="270"/>
-            <ac:graphicFrameMk id="2" creationId="{6E333FB6-C9E9-4B81-9B1E-91BC39F66BAF}"/>
-          </ac:graphicFrameMkLst>
-        </pc:graphicFrameChg>
-        <pc:graphicFrameChg chg="del mod">
-          <ac:chgData name="Alysha Snowden" userId="6a790581ae0df517" providerId="LiveId" clId="{67CE7302-55AF-4E50-B843-30EA802A502F}" dt="2021-04-30T07:49:23.939" v="644" actId="478"/>
-          <ac:graphicFrameMkLst>
-            <pc:docMk/>
-            <pc:sldMk cId="247401185" sldId="270"/>
-            <ac:graphicFrameMk id="8" creationId="{0EC73CE1-8865-40A1-BF95-DBBBD87ED7A9}"/>
-          </ac:graphicFrameMkLst>
-        </pc:graphicFrameChg>
-      </pc:sldChg>
-      <pc:sldChg chg="add del">
-        <pc:chgData name="Alysha Snowden" userId="6a790581ae0df517" providerId="LiveId" clId="{67CE7302-55AF-4E50-B843-30EA802A502F}" dt="2021-04-30T07:40:50.118" v="607" actId="2890"/>
-        <pc:sldMkLst>
-          <pc:docMk/>
-          <pc:sldMk cId="2560863059" sldId="270"/>
-        </pc:sldMkLst>
-      </pc:sldChg>
-      <pc:sldChg chg="addSp delSp add del mod">
-        <pc:chgData name="Alysha Snowden" userId="6a790581ae0df517" providerId="LiveId" clId="{67CE7302-55AF-4E50-B843-30EA802A502F}" dt="2021-04-30T07:10:29.459" v="244" actId="47"/>
-        <pc:sldMkLst>
-          <pc:docMk/>
-          <pc:sldMk cId="2758259182" sldId="270"/>
-        </pc:sldMkLst>
-        <pc:spChg chg="add del">
-          <ac:chgData name="Alysha Snowden" userId="6a790581ae0df517" providerId="LiveId" clId="{67CE7302-55AF-4E50-B843-30EA802A502F}" dt="2021-04-30T07:08:50.684" v="230"/>
-          <ac:spMkLst>
-            <pc:docMk/>
-            <pc:sldMk cId="2758259182" sldId="270"/>
-            <ac:spMk id="2" creationId="{7E17DB3A-4200-4938-BC24-2FC42E3FAC3F}"/>
-          </ac:spMkLst>
-        </pc:spChg>
-        <pc:picChg chg="del">
-          <ac:chgData name="Alysha Snowden" userId="6a790581ae0df517" providerId="LiveId" clId="{67CE7302-55AF-4E50-B843-30EA802A502F}" dt="2021-04-30T07:08:46.538" v="228" actId="478"/>
-          <ac:picMkLst>
-            <pc:docMk/>
-            <pc:sldMk cId="2758259182" sldId="270"/>
-            <ac:picMk id="3" creationId="{F206ADD6-2884-4BB0-B988-F6913094FE65}"/>
-          </ac:picMkLst>
-        </pc:picChg>
-        <pc:picChg chg="add">
-          <ac:chgData name="Alysha Snowden" userId="6a790581ae0df517" providerId="LiveId" clId="{67CE7302-55AF-4E50-B843-30EA802A502F}" dt="2021-04-30T07:08:50.731" v="231"/>
-          <ac:picMkLst>
-            <pc:docMk/>
-            <pc:sldMk cId="2758259182" sldId="270"/>
-            <ac:picMk id="4" creationId="{82A4DC5A-2A9A-4DB5-ACFD-838B4EE22F10}"/>
-          </ac:picMkLst>
-        </pc:picChg>
-      </pc:sldChg>
-      <pc:sldChg chg="modSp add del mod setBg">
-        <pc:chgData name="Alysha Snowden" userId="6a790581ae0df517" providerId="LiveId" clId="{67CE7302-55AF-4E50-B843-30EA802A502F}" dt="2021-04-30T07:47:53.217" v="633" actId="2696"/>
-        <pc:sldMkLst>
-          <pc:docMk/>
-          <pc:sldMk cId="3687547117" sldId="270"/>
-        </pc:sldMkLst>
-        <pc:spChg chg="mod">
-          <ac:chgData name="Alysha Snowden" userId="6a790581ae0df517" providerId="LiveId" clId="{67CE7302-55AF-4E50-B843-30EA802A502F}" dt="2021-04-30T07:47:42.859" v="632" actId="1076"/>
-          <ac:spMkLst>
-            <pc:docMk/>
-            <pc:sldMk cId="3687547117" sldId="270"/>
-            <ac:spMk id="3" creationId="{C2398102-7A29-4575-B6F6-5FA659768D36}"/>
-          </ac:spMkLst>
-        </pc:spChg>
-        <pc:picChg chg="mod">
-          <ac:chgData name="Alysha Snowden" userId="6a790581ae0df517" providerId="LiveId" clId="{67CE7302-55AF-4E50-B843-30EA802A502F}" dt="2021-04-30T07:47:36.565" v="631" actId="14100"/>
-          <ac:picMkLst>
-            <pc:docMk/>
-            <pc:sldMk cId="3687547117" sldId="270"/>
-            <ac:picMk id="2" creationId="{A4CD21AF-F236-4072-84D6-654A34558E4A}"/>
-          </ac:picMkLst>
-        </pc:picChg>
-      </pc:sldChg>
-      <pc:sldChg chg="modSp add mod setBg">
-        <pc:chgData name="Alysha Snowden" userId="6a790581ae0df517" providerId="LiveId" clId="{67CE7302-55AF-4E50-B843-30EA802A502F}" dt="2021-04-30T08:07:07.999" v="928" actId="1038"/>
-        <pc:sldMkLst>
-          <pc:docMk/>
-          <pc:sldMk cId="59236903" sldId="271"/>
-        </pc:sldMkLst>
-        <pc:spChg chg="mod">
-          <ac:chgData name="Alysha Snowden" userId="6a790581ae0df517" providerId="LiveId" clId="{67CE7302-55AF-4E50-B843-30EA802A502F}" dt="2021-04-30T08:07:07.999" v="928" actId="1038"/>
-          <ac:spMkLst>
-            <pc:docMk/>
-            <pc:sldMk cId="59236903" sldId="271"/>
-            <ac:spMk id="3" creationId="{C2398102-7A29-4575-B6F6-5FA659768D36}"/>
-          </ac:spMkLst>
-        </pc:spChg>
-      </pc:sldChg>
-      <pc:sldChg chg="addSp delSp modSp add mod ord modNotesTx">
-        <pc:chgData name="Alysha Snowden" userId="6a790581ae0df517" providerId="LiveId" clId="{67CE7302-55AF-4E50-B843-30EA802A502F}" dt="2021-04-30T09:01:39.413" v="2121" actId="20577"/>
-        <pc:sldMkLst>
-          <pc:docMk/>
-          <pc:sldMk cId="3141630884" sldId="272"/>
-        </pc:sldMkLst>
-        <pc:spChg chg="mod">
-          <ac:chgData name="Alysha Snowden" userId="6a790581ae0df517" providerId="LiveId" clId="{67CE7302-55AF-4E50-B843-30EA802A502F}" dt="2021-04-30T09:01:39.413" v="2121" actId="20577"/>
-          <ac:spMkLst>
-            <pc:docMk/>
-            <pc:sldMk cId="3141630884" sldId="272"/>
-            <ac:spMk id="2" creationId="{45AE6FB9-B139-45DF-A0A3-CE9AB28DF5FB}"/>
-          </ac:spMkLst>
-        </pc:spChg>
-        <pc:spChg chg="mod">
-          <ac:chgData name="Alysha Snowden" userId="6a790581ae0df517" providerId="LiveId" clId="{67CE7302-55AF-4E50-B843-30EA802A502F}" dt="2021-04-30T08:15:22.596" v="1152" actId="1076"/>
-          <ac:spMkLst>
-            <pc:docMk/>
-            <pc:sldMk cId="3141630884" sldId="272"/>
-            <ac:spMk id="3" creationId="{D4C8A1EF-05D4-4682-AFF4-8A336CCF4EC5}"/>
-          </ac:spMkLst>
-        </pc:spChg>
-        <pc:graphicFrameChg chg="add mod modGraphic">
-          <ac:chgData name="Alysha Snowden" userId="6a790581ae0df517" providerId="LiveId" clId="{67CE7302-55AF-4E50-B843-30EA802A502F}" dt="2021-04-30T09:01:14.656" v="2111" actId="1076"/>
-          <ac:graphicFrameMkLst>
-            <pc:docMk/>
-            <pc:sldMk cId="3141630884" sldId="272"/>
-            <ac:graphicFrameMk id="17" creationId="{FAB82F0F-E1E7-4A53-A5BB-0A4077969130}"/>
-          </ac:graphicFrameMkLst>
-        </pc:graphicFrameChg>
-        <pc:picChg chg="del">
-          <ac:chgData name="Alysha Snowden" userId="6a790581ae0df517" providerId="LiveId" clId="{67CE7302-55AF-4E50-B843-30EA802A502F}" dt="2021-04-30T08:15:28.543" v="1153" actId="478"/>
-          <ac:picMkLst>
-            <pc:docMk/>
-            <pc:sldMk cId="3141630884" sldId="272"/>
-            <ac:picMk id="5" creationId="{E08ECE03-8B10-4ECD-8748-E06ACCDE4AF4}"/>
-          </ac:picMkLst>
-        </pc:picChg>
-        <pc:picChg chg="add del mod">
-          <ac:chgData name="Alysha Snowden" userId="6a790581ae0df517" providerId="LiveId" clId="{67CE7302-55AF-4E50-B843-30EA802A502F}" dt="2021-04-30T08:17:20.469" v="1157" actId="478"/>
-          <ac:picMkLst>
-            <pc:docMk/>
-            <pc:sldMk cId="3141630884" sldId="272"/>
-            <ac:picMk id="6" creationId="{77F4B3F1-59BE-4F96-9BAE-43E37D416FD5}"/>
-          </ac:picMkLst>
-        </pc:picChg>
-        <pc:picChg chg="add del mod">
-          <ac:chgData name="Alysha Snowden" userId="6a790581ae0df517" providerId="LiveId" clId="{67CE7302-55AF-4E50-B843-30EA802A502F}" dt="2021-04-30T08:19:03.554" v="1173" actId="478"/>
-          <ac:picMkLst>
-            <pc:docMk/>
-            <pc:sldMk cId="3141630884" sldId="272"/>
-            <ac:picMk id="8" creationId="{9A9B4610-FF04-4070-94A1-E6AF8C713A78}"/>
-          </ac:picMkLst>
-        </pc:picChg>
-        <pc:picChg chg="add del mod">
-          <ac:chgData name="Alysha Snowden" userId="6a790581ae0df517" providerId="LiveId" clId="{67CE7302-55AF-4E50-B843-30EA802A502F}" dt="2021-04-30T08:22:44.201" v="1178" actId="478"/>
-          <ac:picMkLst>
-            <pc:docMk/>
-            <pc:sldMk cId="3141630884" sldId="272"/>
-            <ac:picMk id="10" creationId="{31AEC87A-E4C1-4B45-BB26-11ABC7DD1BF0}"/>
-          </ac:picMkLst>
-        </pc:picChg>
-        <pc:picChg chg="add del mod ord">
-          <ac:chgData name="Alysha Snowden" userId="6a790581ae0df517" providerId="LiveId" clId="{67CE7302-55AF-4E50-B843-30EA802A502F}" dt="2021-04-30T08:23:49.048" v="1197" actId="478"/>
-          <ac:picMkLst>
-            <pc:docMk/>
-            <pc:sldMk cId="3141630884" sldId="272"/>
-            <ac:picMk id="12" creationId="{A83CD1D5-A5A6-4817-80B8-08BDDB85BB69}"/>
-          </ac:picMkLst>
-        </pc:picChg>
-        <pc:picChg chg="add del mod ord">
-          <ac:chgData name="Alysha Snowden" userId="6a790581ae0df517" providerId="LiveId" clId="{67CE7302-55AF-4E50-B843-30EA802A502F}" dt="2021-04-30T08:27:26.248" v="1222" actId="478"/>
-          <ac:picMkLst>
-            <pc:docMk/>
-            <pc:sldMk cId="3141630884" sldId="272"/>
-            <ac:picMk id="14" creationId="{D09AEEA2-45B3-4F4D-95C0-D7A42337C4C4}"/>
-          </ac:picMkLst>
-        </pc:picChg>
-        <pc:picChg chg="add mod">
-          <ac:chgData name="Alysha Snowden" userId="6a790581ae0df517" providerId="LiveId" clId="{67CE7302-55AF-4E50-B843-30EA802A502F}" dt="2021-04-30T09:01:18.948" v="2112" actId="1076"/>
-          <ac:picMkLst>
-            <pc:docMk/>
-            <pc:sldMk cId="3141630884" sldId="272"/>
-            <ac:picMk id="16" creationId="{7564A1D5-3E7F-48FF-BF4F-C1A64134335E}"/>
-          </ac:picMkLst>
-        </pc:picChg>
-      </pc:sldChg>
-      <pc:sldChg chg="delSp modSp add mod ord modNotesTx">
-        <pc:chgData name="Alysha Snowden" userId="6a790581ae0df517" providerId="LiveId" clId="{67CE7302-55AF-4E50-B843-30EA802A502F}" dt="2021-04-30T08:51:44.433" v="1977" actId="20577"/>
-        <pc:sldMkLst>
-          <pc:docMk/>
-          <pc:sldMk cId="800112788" sldId="273"/>
-        </pc:sldMkLst>
-        <pc:spChg chg="mod">
-          <ac:chgData name="Alysha Snowden" userId="6a790581ae0df517" providerId="LiveId" clId="{67CE7302-55AF-4E50-B843-30EA802A502F}" dt="2021-04-30T08:37:29.658" v="1522" actId="20577"/>
-          <ac:spMkLst>
-            <pc:docMk/>
-            <pc:sldMk cId="800112788" sldId="273"/>
-            <ac:spMk id="2" creationId="{45AE6FB9-B139-45DF-A0A3-CE9AB28DF5FB}"/>
-          </ac:spMkLst>
-        </pc:spChg>
-        <pc:spChg chg="mod">
-          <ac:chgData name="Alysha Snowden" userId="6a790581ae0df517" providerId="LiveId" clId="{67CE7302-55AF-4E50-B843-30EA802A502F}" dt="2021-04-30T08:34:39.812" v="1424" actId="120"/>
-          <ac:spMkLst>
-            <pc:docMk/>
-            <pc:sldMk cId="800112788" sldId="273"/>
-            <ac:spMk id="3" creationId="{D4C8A1EF-05D4-4682-AFF4-8A336CCF4EC5}"/>
-          </ac:spMkLst>
-        </pc:spChg>
-        <pc:picChg chg="del">
-          <ac:chgData name="Alysha Snowden" userId="6a790581ae0df517" providerId="LiveId" clId="{67CE7302-55AF-4E50-B843-30EA802A502F}" dt="2021-04-30T08:34:30.526" v="1420" actId="478"/>
-          <ac:picMkLst>
-            <pc:docMk/>
-            <pc:sldMk cId="800112788" sldId="273"/>
-            <ac:picMk id="5" creationId="{E08ECE03-8B10-4ECD-8748-E06ACCDE4AF4}"/>
-          </ac:picMkLst>
-        </pc:picChg>
-      </pc:sldChg>
-      <pc:sldChg chg="addSp delSp modSp add mod modNotesTx">
-        <pc:chgData name="Alysha Snowden" userId="6a790581ae0df517" providerId="LiveId" clId="{67CE7302-55AF-4E50-B843-30EA802A502F}" dt="2021-04-30T08:52:22.799" v="2000" actId="20577"/>
-        <pc:sldMkLst>
-          <pc:docMk/>
-          <pc:sldMk cId="568644142" sldId="274"/>
-        </pc:sldMkLst>
-        <pc:spChg chg="mod">
-          <ac:chgData name="Alysha Snowden" userId="6a790581ae0df517" providerId="LiveId" clId="{67CE7302-55AF-4E50-B843-30EA802A502F}" dt="2021-04-30T08:52:22.799" v="2000" actId="20577"/>
-          <ac:spMkLst>
-            <pc:docMk/>
-            <pc:sldMk cId="568644142" sldId="274"/>
-            <ac:spMk id="2" creationId="{45AE6FB9-B139-45DF-A0A3-CE9AB28DF5FB}"/>
-          </ac:spMkLst>
-        </pc:spChg>
-        <pc:spChg chg="del">
-          <ac:chgData name="Alysha Snowden" userId="6a790581ae0df517" providerId="LiveId" clId="{67CE7302-55AF-4E50-B843-30EA802A502F}" dt="2021-04-30T08:39:18.642" v="1527" actId="1032"/>
-          <ac:spMkLst>
-            <pc:docMk/>
-            <pc:sldMk cId="568644142" sldId="274"/>
-            <ac:spMk id="3" creationId="{D4C8A1EF-05D4-4682-AFF4-8A336CCF4EC5}"/>
-          </ac:spMkLst>
-        </pc:spChg>
-        <pc:spChg chg="add mod">
-          <ac:chgData name="Alysha Snowden" userId="6a790581ae0df517" providerId="LiveId" clId="{67CE7302-55AF-4E50-B843-30EA802A502F}" dt="2021-04-30T08:39:31.640" v="1528" actId="21"/>
-          <ac:spMkLst>
-            <pc:docMk/>
-            <pc:sldMk cId="568644142" sldId="274"/>
-            <ac:spMk id="6" creationId="{E10BD7EE-C534-42E4-85AB-85C0924E5AC3}"/>
-          </ac:spMkLst>
-        </pc:spChg>
-        <pc:graphicFrameChg chg="add del modGraphic">
-          <ac:chgData name="Alysha Snowden" userId="6a790581ae0df517" providerId="LiveId" clId="{67CE7302-55AF-4E50-B843-30EA802A502F}" dt="2021-04-30T08:39:31.640" v="1528" actId="21"/>
-          <ac:graphicFrameMkLst>
-            <pc:docMk/>
-            <pc:sldMk cId="568644142" sldId="274"/>
-            <ac:graphicFrameMk id="4" creationId="{9959412B-FC2E-42EC-8AAA-756903AEF621}"/>
-          </ac:graphicFrameMkLst>
-        </pc:graphicFrameChg>
-      </pc:sldChg>
-      <pc:sldChg chg="addSp delSp modSp add mod modNotesTx">
-        <pc:chgData name="Alysha Snowden" userId="6a790581ae0df517" providerId="LiveId" clId="{67CE7302-55AF-4E50-B843-30EA802A502F}" dt="2021-04-30T09:02:38.257" v="2158" actId="114"/>
-        <pc:sldMkLst>
-          <pc:docMk/>
-          <pc:sldMk cId="1264430571" sldId="275"/>
-        </pc:sldMkLst>
-        <pc:spChg chg="mod">
-          <ac:chgData name="Alysha Snowden" userId="6a790581ae0df517" providerId="LiveId" clId="{67CE7302-55AF-4E50-B843-30EA802A502F}" dt="2021-04-30T08:57:58.989" v="2056" actId="20577"/>
-          <ac:spMkLst>
-            <pc:docMk/>
-            <pc:sldMk cId="1264430571" sldId="275"/>
-            <ac:spMk id="2" creationId="{45AE6FB9-B139-45DF-A0A3-CE9AB28DF5FB}"/>
-          </ac:spMkLst>
-        </pc:spChg>
-        <pc:spChg chg="mod">
-          <ac:chgData name="Alysha Snowden" userId="6a790581ae0df517" providerId="LiveId" clId="{67CE7302-55AF-4E50-B843-30EA802A502F}" dt="2021-04-30T09:02:38.257" v="2158" actId="114"/>
-          <ac:spMkLst>
-            <pc:docMk/>
-            <pc:sldMk cId="1264430571" sldId="275"/>
-            <ac:spMk id="3" creationId="{D4C8A1EF-05D4-4682-AFF4-8A336CCF4EC5}"/>
-          </ac:spMkLst>
-        </pc:spChg>
-        <pc:spChg chg="add mod">
-          <ac:chgData name="Alysha Snowden" userId="6a790581ae0df517" providerId="LiveId" clId="{67CE7302-55AF-4E50-B843-30EA802A502F}" dt="2021-04-30T09:00:47.639" v="2107" actId="164"/>
-          <ac:spMkLst>
-            <pc:docMk/>
-            <pc:sldMk cId="1264430571" sldId="275"/>
-            <ac:spMk id="6" creationId="{BB2C0019-DD82-4C7A-B04E-032BFF7B8BA5}"/>
-          </ac:spMkLst>
-        </pc:spChg>
-        <pc:grpChg chg="add mod">
-          <ac:chgData name="Alysha Snowden" userId="6a790581ae0df517" providerId="LiveId" clId="{67CE7302-55AF-4E50-B843-30EA802A502F}" dt="2021-04-30T09:00:47.639" v="2107" actId="164"/>
-          <ac:grpSpMkLst>
-            <pc:docMk/>
-            <pc:sldMk cId="1264430571" sldId="275"/>
-            <ac:grpSpMk id="7" creationId="{B90B54EE-4F9B-472E-A693-74F67D0A3DD4}"/>
-          </ac:grpSpMkLst>
-        </pc:grpChg>
-        <pc:graphicFrameChg chg="del">
-          <ac:chgData name="Alysha Snowden" userId="6a790581ae0df517" providerId="LiveId" clId="{67CE7302-55AF-4E50-B843-30EA802A502F}" dt="2021-04-30T08:57:48.531" v="2038" actId="478"/>
-          <ac:graphicFrameMkLst>
-            <pc:docMk/>
-            <pc:sldMk cId="1264430571" sldId="275"/>
-            <ac:graphicFrameMk id="17" creationId="{FAB82F0F-E1E7-4A53-A5BB-0A4077969130}"/>
-          </ac:graphicFrameMkLst>
-        </pc:graphicFrameChg>
-        <pc:picChg chg="add mod">
-          <ac:chgData name="Alysha Snowden" userId="6a790581ae0df517" providerId="LiveId" clId="{67CE7302-55AF-4E50-B843-30EA802A502F}" dt="2021-04-30T09:00:47.639" v="2107" actId="164"/>
-          <ac:picMkLst>
-            <pc:docMk/>
-            <pc:sldMk cId="1264430571" sldId="275"/>
-            <ac:picMk id="5" creationId="{3A56863B-786F-4DFD-96D0-7D7A6B64AEA9}"/>
-          </ac:picMkLst>
-        </pc:picChg>
-        <pc:picChg chg="del">
-          <ac:chgData name="Alysha Snowden" userId="6a790581ae0df517" providerId="LiveId" clId="{67CE7302-55AF-4E50-B843-30EA802A502F}" dt="2021-04-30T08:57:41.795" v="2037" actId="478"/>
-          <ac:picMkLst>
-            <pc:docMk/>
-            <pc:sldMk cId="1264430571" sldId="275"/>
-            <ac:picMk id="16" creationId="{7564A1D5-3E7F-48FF-BF4F-C1A64134335E}"/>
-          </ac:picMkLst>
-        </pc:picChg>
-      </pc:sldChg>
-      <pc:sldChg chg="addSp delSp modSp add mod">
-        <pc:chgData name="Alysha Snowden" userId="6a790581ae0df517" providerId="LiveId" clId="{67CE7302-55AF-4E50-B843-30EA802A502F}" dt="2021-04-30T09:11:10.020" v="2257" actId="20577"/>
-        <pc:sldMkLst>
-          <pc:docMk/>
-          <pc:sldMk cId="1424396839" sldId="276"/>
-        </pc:sldMkLst>
-        <pc:spChg chg="add mod">
-          <ac:chgData name="Alysha Snowden" userId="6a790581ae0df517" providerId="LiveId" clId="{67CE7302-55AF-4E50-B843-30EA802A502F}" dt="2021-04-30T09:11:10.020" v="2257" actId="20577"/>
-          <ac:spMkLst>
-            <pc:docMk/>
-            <pc:sldMk cId="1424396839" sldId="276"/>
-            <ac:spMk id="8" creationId="{89AD59D6-B7AC-453B-9C92-5578D1F40AB9}"/>
-          </ac:spMkLst>
-        </pc:spChg>
-        <pc:picChg chg="mod">
-          <ac:chgData name="Alysha Snowden" userId="6a790581ae0df517" providerId="LiveId" clId="{67CE7302-55AF-4E50-B843-30EA802A502F}" dt="2021-04-30T09:08:11.415" v="2211" actId="14100"/>
-          <ac:picMkLst>
-            <pc:docMk/>
-            <pc:sldMk cId="1424396839" sldId="276"/>
-            <ac:picMk id="3" creationId="{F1BE9700-E389-4EB4-AA9E-450D9E5D06B6}"/>
-          </ac:picMkLst>
-        </pc:picChg>
-        <pc:picChg chg="mod">
-          <ac:chgData name="Alysha Snowden" userId="6a790581ae0df517" providerId="LiveId" clId="{67CE7302-55AF-4E50-B843-30EA802A502F}" dt="2021-04-30T09:08:08.712" v="2210" actId="1076"/>
-          <ac:picMkLst>
-            <pc:docMk/>
-            <pc:sldMk cId="1424396839" sldId="276"/>
-            <ac:picMk id="5" creationId="{11995FB7-DF49-41A9-9292-8F8EDF71EBC6}"/>
-          </ac:picMkLst>
-        </pc:picChg>
-        <pc:picChg chg="del">
-          <ac:chgData name="Alysha Snowden" userId="6a790581ae0df517" providerId="LiveId" clId="{67CE7302-55AF-4E50-B843-30EA802A502F}" dt="2021-04-30T09:07:59.519" v="2203" actId="478"/>
-          <ac:picMkLst>
-            <pc:docMk/>
-            <pc:sldMk cId="1424396839" sldId="276"/>
-            <ac:picMk id="6" creationId="{BB76BEC4-CDCA-4219-9894-563E6FB726CC}"/>
-          </ac:picMkLst>
-        </pc:picChg>
-        <pc:picChg chg="del">
-          <ac:chgData name="Alysha Snowden" userId="6a790581ae0df517" providerId="LiveId" clId="{67CE7302-55AF-4E50-B843-30EA802A502F}" dt="2021-04-30T09:07:59.088" v="2202" actId="478"/>
-          <ac:picMkLst>
-            <pc:docMk/>
-            <pc:sldMk cId="1424396839" sldId="276"/>
-            <ac:picMk id="7" creationId="{9BED2E33-25B3-4F08-AF03-398FC0A1680F}"/>
-          </ac:picMkLst>
-        </pc:picChg>
-      </pc:sldChg>
-      <pc:sldMasterChg chg="modSldLayout">
-        <pc:chgData name="Alysha Snowden" userId="6a790581ae0df517" providerId="LiveId" clId="{67CE7302-55AF-4E50-B843-30EA802A502F}" dt="2021-04-30T06:33:54.566" v="0"/>
-        <pc:sldMasterMkLst>
-          <pc:docMk/>
-          <pc:sldMasterMk cId="461058391" sldId="2147483660"/>
-        </pc:sldMasterMkLst>
-        <pc:sldLayoutChg chg="addSp">
-          <pc:chgData name="Alysha Snowden" userId="6a790581ae0df517" providerId="LiveId" clId="{67CE7302-55AF-4E50-B843-30EA802A502F}" dt="2021-04-30T06:33:54.566" v="0"/>
-          <pc:sldLayoutMkLst>
-            <pc:docMk/>
-            <pc:sldMasterMk cId="461058391" sldId="2147483660"/>
-            <pc:sldLayoutMk cId="641061620" sldId="2147483663"/>
-          </pc:sldLayoutMkLst>
-          <pc:spChg chg="add">
-            <ac:chgData name="Alysha Snowden" userId="6a790581ae0df517" providerId="LiveId" clId="{67CE7302-55AF-4E50-B843-30EA802A502F}" dt="2021-04-30T06:33:54.566" v="0"/>
-            <ac:spMkLst>
-              <pc:docMk/>
-              <pc:sldMasterMk cId="461058391" sldId="2147483660"/>
-              <pc:sldLayoutMk cId="641061620" sldId="2147483663"/>
-              <ac:spMk id="11" creationId="{FAC2879E-C49A-4EB0-B375-877627234252}"/>
-            </ac:spMkLst>
-          </pc:spChg>
-          <pc:picChg chg="add">
-            <ac:chgData name="Alysha Snowden" userId="6a790581ae0df517" providerId="LiveId" clId="{67CE7302-55AF-4E50-B843-30EA802A502F}" dt="2021-04-30T06:33:54.566" v="0"/>
-            <ac:picMkLst>
-              <pc:docMk/>
-              <pc:sldMasterMk cId="461058391" sldId="2147483660"/>
-              <pc:sldLayoutMk cId="641061620" sldId="2147483663"/>
-              <ac:picMk id="12" creationId="{8357C49C-A1FE-4060-91A4-DFE3CF4A366B}"/>
-            </ac:picMkLst>
-          </pc:picChg>
-        </pc:sldLayoutChg>
-      </pc:sldMasterChg>
-    </pc:docChg>
-  </pc:docChgLst>
-</pc:chgInfo>
-</file>
-
 <file path=ppt/diagrams/colors1.xml><?xml version="1.0" encoding="utf-8"?>
 <dgm:colorsDef xmlns:dgm="http://schemas.openxmlformats.org/drawingml/2006/diagram" xmlns:a="http://schemas.openxmlformats.org/drawingml/2006/main" uniqueId="urn:microsoft.com/office/officeart/2005/8/colors/colorful1">
   <dgm:title val=""/>
@@ -3557,881 +2568,6 @@
     <dgm:fillClrLst meth="repeat">
       <a:schemeClr val="accent1">
         <a:tint val="60000"/>
-      </a:schemeClr>
-    </dgm:fillClrLst>
-    <dgm:linClrLst meth="repeat">
-      <a:schemeClr val="lt1"/>
-    </dgm:linClrLst>
-    <dgm:effectClrLst/>
-    <dgm:txLinClrLst/>
-    <dgm:txFillClrLst meth="repeat">
-      <a:schemeClr val="dk1"/>
-    </dgm:txFillClrLst>
-    <dgm:txEffectClrLst/>
-  </dgm:styleLbl>
-  <dgm:styleLbl name="revTx">
-    <dgm:fillClrLst meth="repeat">
-      <a:schemeClr val="lt1">
-        <a:alpha val="0"/>
-      </a:schemeClr>
-    </dgm:fillClrLst>
-    <dgm:linClrLst meth="repeat">
-      <a:schemeClr val="dk1">
-        <a:alpha val="0"/>
-      </a:schemeClr>
-    </dgm:linClrLst>
-    <dgm:effectClrLst/>
-    <dgm:txLinClrLst/>
-    <dgm:txFillClrLst meth="repeat">
-      <a:schemeClr val="tx1"/>
-    </dgm:txFillClrLst>
-    <dgm:txEffectClrLst/>
-  </dgm:styleLbl>
-</dgm:colorsDef>
-</file>
-
-<file path=ppt/diagrams/colors4.xml><?xml version="1.0" encoding="utf-8"?>
-<dgm:colorsDef xmlns:dgm="http://schemas.openxmlformats.org/drawingml/2006/diagram" xmlns:a="http://schemas.openxmlformats.org/drawingml/2006/main" uniqueId="urn:microsoft.com/office/officeart/2005/8/colors/accent1_3">
-  <dgm:title val=""/>
-  <dgm:desc val=""/>
-  <dgm:catLst>
-    <dgm:cat type="accent1" pri="11300"/>
-  </dgm:catLst>
-  <dgm:styleLbl name="node0">
-    <dgm:fillClrLst meth="repeat">
-      <a:schemeClr val="accent1">
-        <a:shade val="80000"/>
-      </a:schemeClr>
-    </dgm:fillClrLst>
-    <dgm:linClrLst meth="repeat">
-      <a:schemeClr val="lt1"/>
-    </dgm:linClrLst>
-    <dgm:effectClrLst/>
-    <dgm:txLinClrLst/>
-    <dgm:txFillClrLst/>
-    <dgm:txEffectClrLst/>
-  </dgm:styleLbl>
-  <dgm:styleLbl name="alignNode1">
-    <dgm:fillClrLst>
-      <a:schemeClr val="accent1">
-        <a:shade val="80000"/>
-      </a:schemeClr>
-      <a:schemeClr val="accent1">
-        <a:tint val="70000"/>
-      </a:schemeClr>
-    </dgm:fillClrLst>
-    <dgm:linClrLst>
-      <a:schemeClr val="accent1">
-        <a:shade val="80000"/>
-      </a:schemeClr>
-      <a:schemeClr val="accent1">
-        <a:tint val="70000"/>
-      </a:schemeClr>
-    </dgm:linClrLst>
-    <dgm:effectClrLst/>
-    <dgm:txLinClrLst/>
-    <dgm:txFillClrLst/>
-    <dgm:txEffectClrLst/>
-  </dgm:styleLbl>
-  <dgm:styleLbl name="node1">
-    <dgm:fillClrLst>
-      <a:schemeClr val="accent1">
-        <a:shade val="80000"/>
-      </a:schemeClr>
-      <a:schemeClr val="accent1">
-        <a:tint val="70000"/>
-      </a:schemeClr>
-    </dgm:fillClrLst>
-    <dgm:linClrLst meth="repeat">
-      <a:schemeClr val="lt1"/>
-    </dgm:linClrLst>
-    <dgm:effectClrLst/>
-    <dgm:txLinClrLst/>
-    <dgm:txFillClrLst/>
-    <dgm:txEffectClrLst/>
-  </dgm:styleLbl>
-  <dgm:styleLbl name="lnNode1">
-    <dgm:fillClrLst>
-      <a:schemeClr val="accent1">
-        <a:shade val="80000"/>
-      </a:schemeClr>
-      <a:schemeClr val="accent1">
-        <a:tint val="70000"/>
-      </a:schemeClr>
-    </dgm:fillClrLst>
-    <dgm:linClrLst meth="repeat">
-      <a:schemeClr val="lt1"/>
-    </dgm:linClrLst>
-    <dgm:effectClrLst/>
-    <dgm:txLinClrLst/>
-    <dgm:txFillClrLst/>
-    <dgm:txEffectClrLst/>
-  </dgm:styleLbl>
-  <dgm:styleLbl name="vennNode1">
-    <dgm:fillClrLst>
-      <a:schemeClr val="accent1">
-        <a:shade val="80000"/>
-        <a:alpha val="50000"/>
-      </a:schemeClr>
-      <a:schemeClr val="accent1">
-        <a:tint val="70000"/>
-        <a:alpha val="50000"/>
-      </a:schemeClr>
-    </dgm:fillClrLst>
-    <dgm:linClrLst meth="repeat">
-      <a:schemeClr val="lt1"/>
-    </dgm:linClrLst>
-    <dgm:effectClrLst/>
-    <dgm:txLinClrLst/>
-    <dgm:txFillClrLst/>
-    <dgm:txEffectClrLst/>
-  </dgm:styleLbl>
-  <dgm:styleLbl name="node2">
-    <dgm:fillClrLst>
-      <a:schemeClr val="accent1">
-        <a:tint val="99000"/>
-      </a:schemeClr>
-    </dgm:fillClrLst>
-    <dgm:linClrLst meth="repeat">
-      <a:schemeClr val="lt1"/>
-    </dgm:linClrLst>
-    <dgm:effectClrLst/>
-    <dgm:txLinClrLst/>
-    <dgm:txFillClrLst/>
-    <dgm:txEffectClrLst/>
-  </dgm:styleLbl>
-  <dgm:styleLbl name="node3">
-    <dgm:fillClrLst>
-      <a:schemeClr val="accent1">
-        <a:tint val="80000"/>
-      </a:schemeClr>
-    </dgm:fillClrLst>
-    <dgm:linClrLst meth="repeat">
-      <a:schemeClr val="lt1"/>
-    </dgm:linClrLst>
-    <dgm:effectClrLst/>
-    <dgm:txLinClrLst/>
-    <dgm:txFillClrLst/>
-    <dgm:txEffectClrLst/>
-  </dgm:styleLbl>
-  <dgm:styleLbl name="node4">
-    <dgm:fillClrLst>
-      <a:schemeClr val="accent1">
-        <a:tint val="70000"/>
-      </a:schemeClr>
-    </dgm:fillClrLst>
-    <dgm:linClrLst meth="repeat">
-      <a:schemeClr val="lt1"/>
-    </dgm:linClrLst>
-    <dgm:effectClrLst/>
-    <dgm:txLinClrLst/>
-    <dgm:txFillClrLst/>
-    <dgm:txEffectClrLst/>
-  </dgm:styleLbl>
-  <dgm:styleLbl name="fgImgPlace1">
-    <dgm:fillClrLst>
-      <a:schemeClr val="accent1">
-        <a:tint val="50000"/>
-      </a:schemeClr>
-      <a:schemeClr val="accent1">
-        <a:tint val="20000"/>
-      </a:schemeClr>
-    </dgm:fillClrLst>
-    <dgm:linClrLst meth="repeat">
-      <a:schemeClr val="lt1"/>
-    </dgm:linClrLst>
-    <dgm:effectClrLst/>
-    <dgm:txLinClrLst/>
-    <dgm:txFillClrLst meth="repeat">
-      <a:schemeClr val="lt1"/>
-    </dgm:txFillClrLst>
-    <dgm:txEffectClrLst/>
-  </dgm:styleLbl>
-  <dgm:styleLbl name="alignImgPlace1">
-    <dgm:fillClrLst>
-      <a:schemeClr val="accent1">
-        <a:tint val="50000"/>
-      </a:schemeClr>
-      <a:schemeClr val="accent1">
-        <a:tint val="20000"/>
-      </a:schemeClr>
-    </dgm:fillClrLst>
-    <dgm:linClrLst meth="repeat">
-      <a:schemeClr val="lt1"/>
-    </dgm:linClrLst>
-    <dgm:effectClrLst/>
-    <dgm:txLinClrLst/>
-    <dgm:txFillClrLst meth="repeat">
-      <a:schemeClr val="lt1"/>
-    </dgm:txFillClrLst>
-    <dgm:txEffectClrLst/>
-  </dgm:styleLbl>
-  <dgm:styleLbl name="bgImgPlace1">
-    <dgm:fillClrLst>
-      <a:schemeClr val="accent1">
-        <a:tint val="50000"/>
-      </a:schemeClr>
-      <a:schemeClr val="accent1">
-        <a:tint val="20000"/>
-      </a:schemeClr>
-    </dgm:fillClrLst>
-    <dgm:linClrLst meth="repeat">
-      <a:schemeClr val="lt1"/>
-    </dgm:linClrLst>
-    <dgm:effectClrLst/>
-    <dgm:txLinClrLst/>
-    <dgm:txFillClrLst meth="repeat">
-      <a:schemeClr val="lt1"/>
-    </dgm:txFillClrLst>
-    <dgm:txEffectClrLst/>
-  </dgm:styleLbl>
-  <dgm:styleLbl name="sibTrans2D1">
-    <dgm:fillClrLst>
-      <a:schemeClr val="accent1">
-        <a:shade val="90000"/>
-      </a:schemeClr>
-      <a:schemeClr val="accent1">
-        <a:tint val="70000"/>
-      </a:schemeClr>
-    </dgm:fillClrLst>
-    <dgm:linClrLst>
-      <a:schemeClr val="accent1">
-        <a:shade val="90000"/>
-      </a:schemeClr>
-      <a:schemeClr val="accent1">
-        <a:tint val="70000"/>
-      </a:schemeClr>
-    </dgm:linClrLst>
-    <dgm:effectClrLst/>
-    <dgm:txLinClrLst/>
-    <dgm:txFillClrLst/>
-    <dgm:txEffectClrLst/>
-  </dgm:styleLbl>
-  <dgm:styleLbl name="fgSibTrans2D1">
-    <dgm:fillClrLst>
-      <a:schemeClr val="accent1">
-        <a:shade val="90000"/>
-      </a:schemeClr>
-      <a:schemeClr val="accent1">
-        <a:tint val="70000"/>
-      </a:schemeClr>
-    </dgm:fillClrLst>
-    <dgm:linClrLst>
-      <a:schemeClr val="accent1">
-        <a:shade val="90000"/>
-      </a:schemeClr>
-      <a:schemeClr val="accent1">
-        <a:tint val="70000"/>
-      </a:schemeClr>
-    </dgm:linClrLst>
-    <dgm:effectClrLst/>
-    <dgm:txLinClrLst/>
-    <dgm:txFillClrLst meth="repeat">
-      <a:schemeClr val="lt1"/>
-    </dgm:txFillClrLst>
-    <dgm:txEffectClrLst/>
-  </dgm:styleLbl>
-  <dgm:styleLbl name="bgSibTrans2D1">
-    <dgm:fillClrLst>
-      <a:schemeClr val="accent1">
-        <a:shade val="90000"/>
-      </a:schemeClr>
-      <a:schemeClr val="accent1">
-        <a:tint val="70000"/>
-      </a:schemeClr>
-    </dgm:fillClrLst>
-    <dgm:linClrLst>
-      <a:schemeClr val="accent1">
-        <a:shade val="90000"/>
-      </a:schemeClr>
-      <a:schemeClr val="accent1">
-        <a:tint val="70000"/>
-      </a:schemeClr>
-    </dgm:linClrLst>
-    <dgm:effectClrLst/>
-    <dgm:txLinClrLst/>
-    <dgm:txFillClrLst meth="repeat">
-      <a:schemeClr val="lt1"/>
-    </dgm:txFillClrLst>
-    <dgm:txEffectClrLst/>
-  </dgm:styleLbl>
-  <dgm:styleLbl name="sibTrans1D1">
-    <dgm:fillClrLst>
-      <a:schemeClr val="accent1">
-        <a:shade val="90000"/>
-      </a:schemeClr>
-      <a:schemeClr val="accent1">
-        <a:tint val="70000"/>
-      </a:schemeClr>
-    </dgm:fillClrLst>
-    <dgm:linClrLst>
-      <a:schemeClr val="accent1">
-        <a:shade val="90000"/>
-      </a:schemeClr>
-      <a:schemeClr val="accent1">
-        <a:tint val="70000"/>
-      </a:schemeClr>
-    </dgm:linClrLst>
-    <dgm:effectClrLst/>
-    <dgm:txLinClrLst/>
-    <dgm:txFillClrLst meth="repeat">
-      <a:schemeClr val="tx1"/>
-    </dgm:txFillClrLst>
-    <dgm:txEffectClrLst/>
-  </dgm:styleLbl>
-  <dgm:styleLbl name="callout">
-    <dgm:fillClrLst meth="repeat">
-      <a:schemeClr val="accent1"/>
-    </dgm:fillClrLst>
-    <dgm:linClrLst meth="repeat">
-      <a:schemeClr val="accent1"/>
-    </dgm:linClrLst>
-    <dgm:effectClrLst/>
-    <dgm:txLinClrLst/>
-    <dgm:txFillClrLst meth="repeat">
-      <a:schemeClr val="tx1"/>
-    </dgm:txFillClrLst>
-    <dgm:txEffectClrLst/>
-  </dgm:styleLbl>
-  <dgm:styleLbl name="asst0">
-    <dgm:fillClrLst meth="repeat">
-      <a:schemeClr val="accent1">
-        <a:shade val="80000"/>
-      </a:schemeClr>
-    </dgm:fillClrLst>
-    <dgm:linClrLst meth="repeat">
-      <a:schemeClr val="lt1"/>
-    </dgm:linClrLst>
-    <dgm:effectClrLst/>
-    <dgm:txLinClrLst/>
-    <dgm:txFillClrLst/>
-    <dgm:txEffectClrLst/>
-  </dgm:styleLbl>
-  <dgm:styleLbl name="asst1">
-    <dgm:fillClrLst meth="repeat">
-      <a:schemeClr val="accent1">
-        <a:shade val="80000"/>
-      </a:schemeClr>
-    </dgm:fillClrLst>
-    <dgm:linClrLst meth="repeat">
-      <a:schemeClr val="lt1"/>
-    </dgm:linClrLst>
-    <dgm:effectClrLst/>
-    <dgm:txLinClrLst/>
-    <dgm:txFillClrLst/>
-    <dgm:txEffectClrLst/>
-  </dgm:styleLbl>
-  <dgm:styleLbl name="asst2">
-    <dgm:fillClrLst>
-      <a:schemeClr val="accent1">
-        <a:tint val="99000"/>
-      </a:schemeClr>
-    </dgm:fillClrLst>
-    <dgm:linClrLst meth="repeat">
-      <a:schemeClr val="lt1"/>
-    </dgm:linClrLst>
-    <dgm:effectClrLst/>
-    <dgm:txLinClrLst/>
-    <dgm:txFillClrLst/>
-    <dgm:txEffectClrLst/>
-  </dgm:styleLbl>
-  <dgm:styleLbl name="asst3">
-    <dgm:fillClrLst>
-      <a:schemeClr val="accent1">
-        <a:tint val="80000"/>
-      </a:schemeClr>
-    </dgm:fillClrLst>
-    <dgm:linClrLst meth="repeat">
-      <a:schemeClr val="lt1"/>
-    </dgm:linClrLst>
-    <dgm:effectClrLst/>
-    <dgm:txLinClrLst/>
-    <dgm:txFillClrLst/>
-    <dgm:txEffectClrLst/>
-  </dgm:styleLbl>
-  <dgm:styleLbl name="asst4">
-    <dgm:fillClrLst>
-      <a:schemeClr val="accent1">
-        <a:tint val="70000"/>
-      </a:schemeClr>
-    </dgm:fillClrLst>
-    <dgm:linClrLst meth="repeat">
-      <a:schemeClr val="lt1"/>
-    </dgm:linClrLst>
-    <dgm:effectClrLst/>
-    <dgm:txLinClrLst/>
-    <dgm:txFillClrLst/>
-    <dgm:txEffectClrLst/>
-  </dgm:styleLbl>
-  <dgm:styleLbl name="parChTrans2D1">
-    <dgm:fillClrLst meth="repeat">
-      <a:schemeClr val="accent1">
-        <a:tint val="60000"/>
-      </a:schemeClr>
-    </dgm:fillClrLst>
-    <dgm:linClrLst meth="repeat">
-      <a:schemeClr val="accent1">
-        <a:tint val="60000"/>
-      </a:schemeClr>
-    </dgm:linClrLst>
-    <dgm:effectClrLst/>
-    <dgm:txLinClrLst/>
-    <dgm:txFillClrLst meth="repeat">
-      <a:schemeClr val="lt1"/>
-    </dgm:txFillClrLst>
-    <dgm:txEffectClrLst/>
-  </dgm:styleLbl>
-  <dgm:styleLbl name="parChTrans2D2">
-    <dgm:fillClrLst meth="repeat">
-      <a:schemeClr val="accent1">
-        <a:tint val="90000"/>
-      </a:schemeClr>
-    </dgm:fillClrLst>
-    <dgm:linClrLst meth="repeat">
-      <a:schemeClr val="accent1">
-        <a:tint val="90000"/>
-      </a:schemeClr>
-    </dgm:linClrLst>
-    <dgm:effectClrLst/>
-    <dgm:txLinClrLst/>
-    <dgm:txFillClrLst/>
-    <dgm:txEffectClrLst/>
-  </dgm:styleLbl>
-  <dgm:styleLbl name="parChTrans2D3">
-    <dgm:fillClrLst meth="repeat">
-      <a:schemeClr val="accent1">
-        <a:tint val="70000"/>
-      </a:schemeClr>
-    </dgm:fillClrLst>
-    <dgm:linClrLst meth="repeat">
-      <a:schemeClr val="accent1">
-        <a:tint val="70000"/>
-      </a:schemeClr>
-    </dgm:linClrLst>
-    <dgm:effectClrLst/>
-    <dgm:txLinClrLst/>
-    <dgm:txFillClrLst/>
-    <dgm:txEffectClrLst/>
-  </dgm:styleLbl>
-  <dgm:styleLbl name="parChTrans2D4">
-    <dgm:fillClrLst meth="repeat">
-      <a:schemeClr val="accent1">
-        <a:tint val="50000"/>
-      </a:schemeClr>
-    </dgm:fillClrLst>
-    <dgm:linClrLst meth="repeat">
-      <a:schemeClr val="accent1">
-        <a:tint val="50000"/>
-      </a:schemeClr>
-    </dgm:linClrLst>
-    <dgm:effectClrLst/>
-    <dgm:txLinClrLst/>
-    <dgm:txFillClrLst meth="repeat">
-      <a:schemeClr val="lt1"/>
-    </dgm:txFillClrLst>
-    <dgm:txEffectClrLst/>
-  </dgm:styleLbl>
-  <dgm:styleLbl name="parChTrans1D1">
-    <dgm:fillClrLst meth="repeat">
-      <a:schemeClr val="accent1">
-        <a:shade val="80000"/>
-      </a:schemeClr>
-    </dgm:fillClrLst>
-    <dgm:linClrLst meth="repeat">
-      <a:schemeClr val="accent1">
-        <a:shade val="80000"/>
-      </a:schemeClr>
-    </dgm:linClrLst>
-    <dgm:effectClrLst/>
-    <dgm:txLinClrLst/>
-    <dgm:txFillClrLst meth="repeat">
-      <a:schemeClr val="tx1"/>
-    </dgm:txFillClrLst>
-    <dgm:txEffectClrLst/>
-  </dgm:styleLbl>
-  <dgm:styleLbl name="parChTrans1D2">
-    <dgm:fillClrLst meth="repeat">
-      <a:schemeClr val="accent1">
-        <a:tint val="99000"/>
-      </a:schemeClr>
-    </dgm:fillClrLst>
-    <dgm:linClrLst meth="repeat">
-      <a:schemeClr val="accent1">
-        <a:tint val="99000"/>
-      </a:schemeClr>
-    </dgm:linClrLst>
-    <dgm:effectClrLst/>
-    <dgm:txLinClrLst/>
-    <dgm:txFillClrLst meth="repeat">
-      <a:schemeClr val="tx1"/>
-    </dgm:txFillClrLst>
-    <dgm:txEffectClrLst/>
-  </dgm:styleLbl>
-  <dgm:styleLbl name="parChTrans1D3">
-    <dgm:fillClrLst meth="repeat">
-      <a:schemeClr val="accent1">
-        <a:tint val="80000"/>
-      </a:schemeClr>
-    </dgm:fillClrLst>
-    <dgm:linClrLst meth="repeat">
-      <a:schemeClr val="accent1">
-        <a:tint val="80000"/>
-      </a:schemeClr>
-    </dgm:linClrLst>
-    <dgm:effectClrLst/>
-    <dgm:txLinClrLst/>
-    <dgm:txFillClrLst meth="repeat">
-      <a:schemeClr val="tx1"/>
-    </dgm:txFillClrLst>
-    <dgm:txEffectClrLst/>
-  </dgm:styleLbl>
-  <dgm:styleLbl name="parChTrans1D4">
-    <dgm:fillClrLst meth="repeat">
-      <a:schemeClr val="accent1">
-        <a:tint val="70000"/>
-      </a:schemeClr>
-    </dgm:fillClrLst>
-    <dgm:linClrLst meth="repeat">
-      <a:schemeClr val="accent1">
-        <a:tint val="70000"/>
-      </a:schemeClr>
-    </dgm:linClrLst>
-    <dgm:effectClrLst/>
-    <dgm:txLinClrLst/>
-    <dgm:txFillClrLst meth="repeat">
-      <a:schemeClr val="tx1"/>
-    </dgm:txFillClrLst>
-    <dgm:txEffectClrLst/>
-  </dgm:styleLbl>
-  <dgm:styleLbl name="fgAcc1">
-    <dgm:fillClrLst meth="repeat">
-      <a:schemeClr val="lt1">
-        <a:alpha val="90000"/>
-      </a:schemeClr>
-    </dgm:fillClrLst>
-    <dgm:linClrLst>
-      <a:schemeClr val="accent1">
-        <a:shade val="80000"/>
-      </a:schemeClr>
-      <a:schemeClr val="accent1">
-        <a:tint val="70000"/>
-      </a:schemeClr>
-    </dgm:linClrLst>
-    <dgm:effectClrLst/>
-    <dgm:txLinClrLst/>
-    <dgm:txFillClrLst meth="repeat">
-      <a:schemeClr val="dk1"/>
-    </dgm:txFillClrLst>
-    <dgm:txEffectClrLst/>
-  </dgm:styleLbl>
-  <dgm:styleLbl name="conFgAcc1">
-    <dgm:fillClrLst meth="repeat">
-      <a:schemeClr val="lt1">
-        <a:alpha val="90000"/>
-      </a:schemeClr>
-    </dgm:fillClrLst>
-    <dgm:linClrLst>
-      <a:schemeClr val="accent1">
-        <a:shade val="80000"/>
-      </a:schemeClr>
-      <a:schemeClr val="accent1">
-        <a:tint val="70000"/>
-      </a:schemeClr>
-    </dgm:linClrLst>
-    <dgm:effectClrLst/>
-    <dgm:txLinClrLst/>
-    <dgm:txFillClrLst meth="repeat">
-      <a:schemeClr val="dk1"/>
-    </dgm:txFillClrLst>
-    <dgm:txEffectClrLst/>
-  </dgm:styleLbl>
-  <dgm:styleLbl name="alignAcc1">
-    <dgm:fillClrLst meth="repeat">
-      <a:schemeClr val="lt1">
-        <a:alpha val="90000"/>
-      </a:schemeClr>
-    </dgm:fillClrLst>
-    <dgm:linClrLst>
-      <a:schemeClr val="accent1">
-        <a:shade val="80000"/>
-      </a:schemeClr>
-      <a:schemeClr val="accent1">
-        <a:tint val="70000"/>
-      </a:schemeClr>
-    </dgm:linClrLst>
-    <dgm:effectClrLst/>
-    <dgm:txLinClrLst/>
-    <dgm:txFillClrLst meth="repeat">
-      <a:schemeClr val="dk1"/>
-    </dgm:txFillClrLst>
-    <dgm:txEffectClrLst/>
-  </dgm:styleLbl>
-  <dgm:styleLbl name="trAlignAcc1">
-    <dgm:fillClrLst meth="repeat">
-      <a:schemeClr val="lt1">
-        <a:alpha val="40000"/>
-      </a:schemeClr>
-    </dgm:fillClrLst>
-    <dgm:linClrLst meth="repeat">
-      <a:schemeClr val="accent1"/>
-    </dgm:linClrLst>
-    <dgm:effectClrLst/>
-    <dgm:txLinClrLst/>
-    <dgm:txFillClrLst meth="repeat">
-      <a:schemeClr val="dk1"/>
-    </dgm:txFillClrLst>
-    <dgm:txEffectClrLst/>
-  </dgm:styleLbl>
-  <dgm:styleLbl name="bgAcc1">
-    <dgm:fillClrLst meth="repeat">
-      <a:schemeClr val="lt1">
-        <a:alpha val="90000"/>
-      </a:schemeClr>
-    </dgm:fillClrLst>
-    <dgm:linClrLst>
-      <a:schemeClr val="accent1">
-        <a:shade val="80000"/>
-      </a:schemeClr>
-      <a:schemeClr val="accent1">
-        <a:tint val="70000"/>
-      </a:schemeClr>
-    </dgm:linClrLst>
-    <dgm:effectClrLst/>
-    <dgm:txLinClrLst/>
-    <dgm:txFillClrLst meth="repeat">
-      <a:schemeClr val="dk1"/>
-    </dgm:txFillClrLst>
-    <dgm:txEffectClrLst/>
-  </dgm:styleLbl>
-  <dgm:styleLbl name="solidFgAcc1">
-    <dgm:fillClrLst meth="repeat">
-      <a:schemeClr val="lt1"/>
-    </dgm:fillClrLst>
-    <dgm:linClrLst>
-      <a:schemeClr val="accent1">
-        <a:shade val="80000"/>
-      </a:schemeClr>
-      <a:schemeClr val="accent1">
-        <a:tint val="70000"/>
-      </a:schemeClr>
-    </dgm:linClrLst>
-    <dgm:effectClrLst/>
-    <dgm:txLinClrLst/>
-    <dgm:txFillClrLst meth="repeat">
-      <a:schemeClr val="dk1"/>
-    </dgm:txFillClrLst>
-    <dgm:txEffectClrLst/>
-  </dgm:styleLbl>
-  <dgm:styleLbl name="solidAlignAcc1">
-    <dgm:fillClrLst meth="repeat">
-      <a:schemeClr val="lt1"/>
-    </dgm:fillClrLst>
-    <dgm:linClrLst meth="repeat">
-      <a:schemeClr val="accent1"/>
-    </dgm:linClrLst>
-    <dgm:effectClrLst/>
-    <dgm:txLinClrLst/>
-    <dgm:txFillClrLst meth="repeat">
-      <a:schemeClr val="dk1"/>
-    </dgm:txFillClrLst>
-    <dgm:txEffectClrLst/>
-  </dgm:styleLbl>
-  <dgm:styleLbl name="solidBgAcc1">
-    <dgm:fillClrLst meth="repeat">
-      <a:schemeClr val="lt1"/>
-    </dgm:fillClrLst>
-    <dgm:linClrLst meth="repeat">
-      <a:schemeClr val="accent1"/>
-    </dgm:linClrLst>
-    <dgm:effectClrLst/>
-    <dgm:txLinClrLst/>
-    <dgm:txFillClrLst meth="repeat">
-      <a:schemeClr val="dk1"/>
-    </dgm:txFillClrLst>
-    <dgm:txEffectClrLst/>
-  </dgm:styleLbl>
-  <dgm:styleLbl name="fgAccFollowNode1">
-    <dgm:fillClrLst meth="repeat">
-      <a:schemeClr val="accent1">
-        <a:alpha val="90000"/>
-        <a:tint val="40000"/>
-      </a:schemeClr>
-    </dgm:fillClrLst>
-    <dgm:linClrLst meth="repeat">
-      <a:schemeClr val="accent1">
-        <a:alpha val="90000"/>
-        <a:tint val="40000"/>
-      </a:schemeClr>
-    </dgm:linClrLst>
-    <dgm:effectClrLst/>
-    <dgm:txLinClrLst/>
-    <dgm:txFillClrLst meth="repeat">
-      <a:schemeClr val="dk1"/>
-    </dgm:txFillClrLst>
-    <dgm:txEffectClrLst/>
-  </dgm:styleLbl>
-  <dgm:styleLbl name="alignAccFollowNode1">
-    <dgm:fillClrLst meth="repeat">
-      <a:schemeClr val="accent1">
-        <a:alpha val="90000"/>
-        <a:tint val="40000"/>
-      </a:schemeClr>
-    </dgm:fillClrLst>
-    <dgm:linClrLst meth="repeat">
-      <a:schemeClr val="accent1">
-        <a:alpha val="90000"/>
-        <a:tint val="40000"/>
-      </a:schemeClr>
-    </dgm:linClrLst>
-    <dgm:effectClrLst/>
-    <dgm:txLinClrLst/>
-    <dgm:txFillClrLst meth="repeat">
-      <a:schemeClr val="dk1"/>
-    </dgm:txFillClrLst>
-    <dgm:txEffectClrLst/>
-  </dgm:styleLbl>
-  <dgm:styleLbl name="bgAccFollowNode1">
-    <dgm:fillClrLst meth="repeat">
-      <a:schemeClr val="accent1">
-        <a:alpha val="90000"/>
-        <a:tint val="40000"/>
-      </a:schemeClr>
-    </dgm:fillClrLst>
-    <dgm:linClrLst meth="repeat">
-      <a:schemeClr val="lt1"/>
-    </dgm:linClrLst>
-    <dgm:effectClrLst/>
-    <dgm:txLinClrLst/>
-    <dgm:txFillClrLst meth="repeat">
-      <a:schemeClr val="dk1"/>
-    </dgm:txFillClrLst>
-    <dgm:txEffectClrLst/>
-  </dgm:styleLbl>
-  <dgm:styleLbl name="fgAcc0">
-    <dgm:fillClrLst meth="repeat">
-      <a:schemeClr val="lt1">
-        <a:alpha val="90000"/>
-      </a:schemeClr>
-    </dgm:fillClrLst>
-    <dgm:linClrLst meth="repeat">
-      <a:schemeClr val="accent1">
-        <a:shade val="80000"/>
-      </a:schemeClr>
-    </dgm:linClrLst>
-    <dgm:effectClrLst/>
-    <dgm:txLinClrLst/>
-    <dgm:txFillClrLst meth="repeat">
-      <a:schemeClr val="dk1"/>
-    </dgm:txFillClrLst>
-    <dgm:txEffectClrLst/>
-  </dgm:styleLbl>
-  <dgm:styleLbl name="fgAcc2">
-    <dgm:fillClrLst meth="repeat">
-      <a:schemeClr val="lt1">
-        <a:alpha val="90000"/>
-      </a:schemeClr>
-    </dgm:fillClrLst>
-    <dgm:linClrLst meth="repeat">
-      <a:schemeClr val="accent1">
-        <a:tint val="99000"/>
-      </a:schemeClr>
-    </dgm:linClrLst>
-    <dgm:effectClrLst/>
-    <dgm:txLinClrLst/>
-    <dgm:txFillClrLst meth="repeat">
-      <a:schemeClr val="dk1"/>
-    </dgm:txFillClrLst>
-    <dgm:txEffectClrLst/>
-  </dgm:styleLbl>
-  <dgm:styleLbl name="fgAcc3">
-    <dgm:fillClrLst meth="repeat">
-      <a:schemeClr val="lt1">
-        <a:alpha val="90000"/>
-      </a:schemeClr>
-    </dgm:fillClrLst>
-    <dgm:linClrLst meth="repeat">
-      <a:schemeClr val="accent1">
-        <a:tint val="80000"/>
-      </a:schemeClr>
-    </dgm:linClrLst>
-    <dgm:effectClrLst/>
-    <dgm:txLinClrLst/>
-    <dgm:txFillClrLst meth="repeat">
-      <a:schemeClr val="dk1"/>
-    </dgm:txFillClrLst>
-    <dgm:txEffectClrLst/>
-  </dgm:styleLbl>
-  <dgm:styleLbl name="fgAcc4">
-    <dgm:fillClrLst meth="repeat">
-      <a:schemeClr val="lt1">
-        <a:alpha val="90000"/>
-      </a:schemeClr>
-    </dgm:fillClrLst>
-    <dgm:linClrLst meth="repeat">
-      <a:schemeClr val="accent1">
-        <a:tint val="70000"/>
-      </a:schemeClr>
-    </dgm:linClrLst>
-    <dgm:effectClrLst/>
-    <dgm:txLinClrLst/>
-    <dgm:txFillClrLst meth="repeat">
-      <a:schemeClr val="dk1"/>
-    </dgm:txFillClrLst>
-    <dgm:txEffectClrLst/>
-  </dgm:styleLbl>
-  <dgm:styleLbl name="bgShp">
-    <dgm:fillClrLst meth="repeat">
-      <a:schemeClr val="accent1">
-        <a:tint val="40000"/>
-      </a:schemeClr>
-    </dgm:fillClrLst>
-    <dgm:linClrLst meth="repeat">
-      <a:schemeClr val="dk1"/>
-    </dgm:linClrLst>
-    <dgm:effectClrLst/>
-    <dgm:txLinClrLst/>
-    <dgm:txFillClrLst meth="repeat">
-      <a:schemeClr val="dk1"/>
-    </dgm:txFillClrLst>
-    <dgm:txEffectClrLst/>
-  </dgm:styleLbl>
-  <dgm:styleLbl name="dkBgShp">
-    <dgm:fillClrLst meth="repeat">
-      <a:schemeClr val="accent1">
-        <a:shade val="90000"/>
-      </a:schemeClr>
-    </dgm:fillClrLst>
-    <dgm:linClrLst meth="repeat">
-      <a:schemeClr val="dk1"/>
-    </dgm:linClrLst>
-    <dgm:effectClrLst/>
-    <dgm:txLinClrLst/>
-    <dgm:txFillClrLst meth="repeat">
-      <a:schemeClr val="lt1"/>
-    </dgm:txFillClrLst>
-    <dgm:txEffectClrLst/>
-  </dgm:styleLbl>
-  <dgm:styleLbl name="trBgShp">
-    <dgm:fillClrLst meth="repeat">
-      <a:schemeClr val="accent1">
-        <a:tint val="50000"/>
-        <a:alpha val="40000"/>
-      </a:schemeClr>
-    </dgm:fillClrLst>
-    <dgm:linClrLst meth="repeat">
-      <a:schemeClr val="accent1"/>
-    </dgm:linClrLst>
-    <dgm:effectClrLst/>
-    <dgm:txLinClrLst/>
-    <dgm:txFillClrLst meth="repeat">
-      <a:schemeClr val="lt1"/>
-    </dgm:txFillClrLst>
-    <dgm:txEffectClrLst/>
-  </dgm:styleLbl>
-  <dgm:styleLbl name="fgShp">
-    <dgm:fillClrLst meth="repeat">
-      <a:schemeClr val="accent1">
-        <a:tint val="40000"/>
       </a:schemeClr>
     </dgm:fillClrLst>
     <dgm:linClrLst meth="repeat">
@@ -4582,7 +2718,7 @@
         <a:p>
           <a:r>
             <a:rPr lang="en-AU" dirty="0"/>
-            <a:t>Bec Goulding</a:t>
+            <a:t>Bec Gould</a:t>
           </a:r>
         </a:p>
       </dgm:t>
@@ -4890,7 +3026,7 @@
         <a:p>
           <a:r>
             <a:rPr lang="en-AU" dirty="0"/>
-            <a:t>Motivation &amp; Summary</a:t>
+            <a:t>Introduction</a:t>
           </a:r>
         </a:p>
       </dgm:t>
@@ -4926,7 +3062,7 @@
         <a:p>
           <a:r>
             <a:rPr lang="en-AU" dirty="0"/>
-            <a:t>Questions &amp; Data</a:t>
+            <a:t>Hypothesis &amp; Questions </a:t>
           </a:r>
         </a:p>
       </dgm:t>
@@ -5502,7 +3638,7 @@
             <a:buChar char="•"/>
           </a:pPr>
           <a:r>
-            <a:rPr lang="en-US"/>
+            <a:rPr lang="en-US" dirty="0"/>
             <a:t>Economy (GDP per Capita) </a:t>
           </a:r>
           <a:endParaRPr lang="en-AU" dirty="0"/>
@@ -5658,561 +3794,6 @@
   <dgm:extLst>
     <a:ext uri="http://schemas.microsoft.com/office/drawing/2008/diagram">
       <dsp:dataModelExt xmlns:dsp="http://schemas.microsoft.com/office/drawing/2008/diagram" relId="rId7" minVer="http://schemas.openxmlformats.org/drawingml/2006/diagram"/>
-    </a:ext>
-  </dgm:extLst>
-</dgm:dataModel>
-</file>
-
-<file path=ppt/diagrams/data4.xml><?xml version="1.0" encoding="utf-8"?>
-<dgm:dataModel xmlns:dgm="http://schemas.openxmlformats.org/drawingml/2006/diagram" xmlns:a="http://schemas.openxmlformats.org/drawingml/2006/main">
-  <dgm:ptLst>
-    <dgm:pt modelId="{B9BC9F7F-DA10-4C30-AF78-E8F941E0EA0D}" type="doc">
-      <dgm:prSet loTypeId="urn:microsoft.com/office/officeart/2005/8/layout/vList2" loCatId="list" qsTypeId="urn:microsoft.com/office/officeart/2005/8/quickstyle/simple1" qsCatId="simple" csTypeId="urn:microsoft.com/office/officeart/2005/8/colors/accent1_3" csCatId="accent1" phldr="1"/>
-      <dgm:spPr/>
-    </dgm:pt>
-    <dgm:pt modelId="{E9B2DC63-FCFB-4C2D-8C5C-4AFB760789B3}">
-      <dgm:prSet phldrT="[Text]"/>
-      <dgm:spPr/>
-      <dgm:t>
-        <a:bodyPr/>
-        <a:lstStyle/>
-        <a:p>
-          <a:r>
-            <a:rPr lang="en-AU" dirty="0"/>
-            <a:t>1. Denmark</a:t>
-          </a:r>
-        </a:p>
-      </dgm:t>
-    </dgm:pt>
-    <dgm:pt modelId="{7239E4F1-845D-4832-91DE-BDF3B3DBCAAD}" type="parTrans" cxnId="{B82B3037-5DE4-415C-911D-6818FB155791}">
-      <dgm:prSet/>
-      <dgm:spPr/>
-      <dgm:t>
-        <a:bodyPr/>
-        <a:lstStyle/>
-        <a:p>
-          <a:endParaRPr lang="en-AU"/>
-        </a:p>
-      </dgm:t>
-    </dgm:pt>
-    <dgm:pt modelId="{F355D84A-EFFB-4CA5-B661-3960FE555E3E}" type="sibTrans" cxnId="{B82B3037-5DE4-415C-911D-6818FB155791}">
-      <dgm:prSet/>
-      <dgm:spPr/>
-      <dgm:t>
-        <a:bodyPr/>
-        <a:lstStyle/>
-        <a:p>
-          <a:endParaRPr lang="en-AU"/>
-        </a:p>
-      </dgm:t>
-    </dgm:pt>
-    <dgm:pt modelId="{F2611B69-5056-419E-BAB2-BB1FF9C24047}">
-      <dgm:prSet phldrT="[Text]"/>
-      <dgm:spPr/>
-      <dgm:t>
-        <a:bodyPr/>
-        <a:lstStyle/>
-        <a:p>
-          <a:r>
-            <a:rPr lang="en-AU" dirty="0"/>
-            <a:t>2. Norway</a:t>
-          </a:r>
-        </a:p>
-      </dgm:t>
-    </dgm:pt>
-    <dgm:pt modelId="{7440E3DB-C4D1-4F89-8A45-DCF952E086FF}" type="parTrans" cxnId="{544BDBE7-0919-459B-8F74-80072294F0AB}">
-      <dgm:prSet/>
-      <dgm:spPr/>
-      <dgm:t>
-        <a:bodyPr/>
-        <a:lstStyle/>
-        <a:p>
-          <a:endParaRPr lang="en-AU"/>
-        </a:p>
-      </dgm:t>
-    </dgm:pt>
-    <dgm:pt modelId="{9E33235D-0751-4808-8512-01343980763F}" type="sibTrans" cxnId="{544BDBE7-0919-459B-8F74-80072294F0AB}">
-      <dgm:prSet/>
-      <dgm:spPr/>
-      <dgm:t>
-        <a:bodyPr/>
-        <a:lstStyle/>
-        <a:p>
-          <a:endParaRPr lang="en-AU"/>
-        </a:p>
-      </dgm:t>
-    </dgm:pt>
-    <dgm:pt modelId="{34DA259F-A504-4C07-B1AB-4F96397DB4CE}">
-      <dgm:prSet phldrT="[Text]"/>
-      <dgm:spPr/>
-      <dgm:t>
-        <a:bodyPr/>
-        <a:lstStyle/>
-        <a:p>
-          <a:r>
-            <a:rPr lang="en-AU" dirty="0"/>
-            <a:t>3. Finland</a:t>
-          </a:r>
-        </a:p>
-      </dgm:t>
-    </dgm:pt>
-    <dgm:pt modelId="{80760392-D8FE-49FE-9262-96C4483B73A2}" type="parTrans" cxnId="{F8EA49F1-58AA-44C2-89F2-015EBFD0F496}">
-      <dgm:prSet/>
-      <dgm:spPr/>
-      <dgm:t>
-        <a:bodyPr/>
-        <a:lstStyle/>
-        <a:p>
-          <a:endParaRPr lang="en-AU"/>
-        </a:p>
-      </dgm:t>
-    </dgm:pt>
-    <dgm:pt modelId="{86581BE0-9182-45DE-8F4E-CFB9D6F9B066}" type="sibTrans" cxnId="{F8EA49F1-58AA-44C2-89F2-015EBFD0F496}">
-      <dgm:prSet/>
-      <dgm:spPr/>
-      <dgm:t>
-        <a:bodyPr/>
-        <a:lstStyle/>
-        <a:p>
-          <a:endParaRPr lang="en-AU"/>
-        </a:p>
-      </dgm:t>
-    </dgm:pt>
-    <dgm:pt modelId="{579BDB34-D867-4303-8D46-F27DD8B2FAFE}">
-      <dgm:prSet phldrT="[Text]"/>
-      <dgm:spPr/>
-      <dgm:t>
-        <a:bodyPr/>
-        <a:lstStyle/>
-        <a:p>
-          <a:r>
-            <a:rPr lang="en-AU" dirty="0"/>
-            <a:t>4. Switzerland</a:t>
-          </a:r>
-        </a:p>
-      </dgm:t>
-    </dgm:pt>
-    <dgm:pt modelId="{FA0714B7-157D-4730-9734-399FD41EDF8E}" type="parTrans" cxnId="{FCDC09BF-551F-4A68-9219-357D13A33721}">
-      <dgm:prSet/>
-      <dgm:spPr/>
-      <dgm:t>
-        <a:bodyPr/>
-        <a:lstStyle/>
-        <a:p>
-          <a:endParaRPr lang="en-AU"/>
-        </a:p>
-      </dgm:t>
-    </dgm:pt>
-    <dgm:pt modelId="{4C3B40CD-0A9F-4133-9AC9-FD5D5FCD1DFF}" type="sibTrans" cxnId="{FCDC09BF-551F-4A68-9219-357D13A33721}">
-      <dgm:prSet/>
-      <dgm:spPr/>
-      <dgm:t>
-        <a:bodyPr/>
-        <a:lstStyle/>
-        <a:p>
-          <a:endParaRPr lang="en-AU"/>
-        </a:p>
-      </dgm:t>
-    </dgm:pt>
-    <dgm:pt modelId="{DAE60B84-9C02-47CA-80ED-41DB7C4ABE5F}">
-      <dgm:prSet phldrT="[Text]"/>
-      <dgm:spPr/>
-      <dgm:t>
-        <a:bodyPr/>
-        <a:lstStyle/>
-        <a:p>
-          <a:r>
-            <a:rPr lang="en-AU" dirty="0"/>
-            <a:t>5. Iceland</a:t>
-          </a:r>
-        </a:p>
-      </dgm:t>
-    </dgm:pt>
-    <dgm:pt modelId="{88704CFB-B40C-46BB-9947-EA482F826FA9}" type="parTrans" cxnId="{68321EBB-7972-4928-B799-9E4562F16DBB}">
-      <dgm:prSet/>
-      <dgm:spPr/>
-      <dgm:t>
-        <a:bodyPr/>
-        <a:lstStyle/>
-        <a:p>
-          <a:endParaRPr lang="en-AU"/>
-        </a:p>
-      </dgm:t>
-    </dgm:pt>
-    <dgm:pt modelId="{8539C3F9-EBD7-45C0-98E1-950100D4CA28}" type="sibTrans" cxnId="{68321EBB-7972-4928-B799-9E4562F16DBB}">
-      <dgm:prSet/>
-      <dgm:spPr/>
-      <dgm:t>
-        <a:bodyPr/>
-        <a:lstStyle/>
-        <a:p>
-          <a:endParaRPr lang="en-AU"/>
-        </a:p>
-      </dgm:t>
-    </dgm:pt>
-    <dgm:pt modelId="{0DC2D4D2-3B03-416A-B0D8-18C6B1AE3AB0}">
-      <dgm:prSet phldrT="[Text]"/>
-      <dgm:spPr/>
-      <dgm:t>
-        <a:bodyPr/>
-        <a:lstStyle/>
-        <a:p>
-          <a:r>
-            <a:rPr lang="en-AU" dirty="0"/>
-            <a:t>6. Netherlands</a:t>
-          </a:r>
-        </a:p>
-      </dgm:t>
-    </dgm:pt>
-    <dgm:pt modelId="{0AABF76E-8E33-4B78-BD4C-CEEB9C2A3125}" type="parTrans" cxnId="{B86E421E-81CD-4FF9-ACF0-B349EF8D7D36}">
-      <dgm:prSet/>
-      <dgm:spPr/>
-      <dgm:t>
-        <a:bodyPr/>
-        <a:lstStyle/>
-        <a:p>
-          <a:endParaRPr lang="en-AU"/>
-        </a:p>
-      </dgm:t>
-    </dgm:pt>
-    <dgm:pt modelId="{24C4616F-F314-450B-AF66-298F83E3A602}" type="sibTrans" cxnId="{B86E421E-81CD-4FF9-ACF0-B349EF8D7D36}">
-      <dgm:prSet/>
-      <dgm:spPr/>
-      <dgm:t>
-        <a:bodyPr/>
-        <a:lstStyle/>
-        <a:p>
-          <a:endParaRPr lang="en-AU"/>
-        </a:p>
-      </dgm:t>
-    </dgm:pt>
-    <dgm:pt modelId="{B7569B97-3AE6-4102-9F24-314B60838161}">
-      <dgm:prSet phldrT="[Text]"/>
-      <dgm:spPr/>
-      <dgm:t>
-        <a:bodyPr/>
-        <a:lstStyle/>
-        <a:p>
-          <a:r>
-            <a:rPr lang="en-AU" dirty="0"/>
-            <a:t>7. Canada</a:t>
-          </a:r>
-        </a:p>
-      </dgm:t>
-    </dgm:pt>
-    <dgm:pt modelId="{1CF93586-CAA9-4511-8B89-3D6DF4A9224D}" type="parTrans" cxnId="{6527B9D3-0720-4767-978E-9E3252E08748}">
-      <dgm:prSet/>
-      <dgm:spPr/>
-      <dgm:t>
-        <a:bodyPr/>
-        <a:lstStyle/>
-        <a:p>
-          <a:endParaRPr lang="en-AU"/>
-        </a:p>
-      </dgm:t>
-    </dgm:pt>
-    <dgm:pt modelId="{88BEA316-42C4-4FDF-9DFB-52E6EBFB41BF}" type="sibTrans" cxnId="{6527B9D3-0720-4767-978E-9E3252E08748}">
-      <dgm:prSet/>
-      <dgm:spPr/>
-      <dgm:t>
-        <a:bodyPr/>
-        <a:lstStyle/>
-        <a:p>
-          <a:endParaRPr lang="en-AU"/>
-        </a:p>
-      </dgm:t>
-    </dgm:pt>
-    <dgm:pt modelId="{D673EEB1-37CD-4115-9494-BF6D6D0A97CB}">
-      <dgm:prSet phldrT="[Text]"/>
-      <dgm:spPr/>
-      <dgm:t>
-        <a:bodyPr/>
-        <a:lstStyle/>
-        <a:p>
-          <a:r>
-            <a:rPr lang="en-AU" dirty="0"/>
-            <a:t>8. Sweden</a:t>
-          </a:r>
-        </a:p>
-      </dgm:t>
-    </dgm:pt>
-    <dgm:pt modelId="{02808325-7CC8-4006-8B83-D53AC3E05D70}" type="parTrans" cxnId="{D9C2B231-12E8-4E5A-8D7F-D44543B70E22}">
-      <dgm:prSet/>
-      <dgm:spPr/>
-      <dgm:t>
-        <a:bodyPr/>
-        <a:lstStyle/>
-        <a:p>
-          <a:endParaRPr lang="en-AU"/>
-        </a:p>
-      </dgm:t>
-    </dgm:pt>
-    <dgm:pt modelId="{0AAFEA35-2891-4391-8022-B6886978DD44}" type="sibTrans" cxnId="{D9C2B231-12E8-4E5A-8D7F-D44543B70E22}">
-      <dgm:prSet/>
-      <dgm:spPr/>
-      <dgm:t>
-        <a:bodyPr/>
-        <a:lstStyle/>
-        <a:p>
-          <a:endParaRPr lang="en-AU"/>
-        </a:p>
-      </dgm:t>
-    </dgm:pt>
-    <dgm:pt modelId="{9478FE30-8F9B-4CF0-8870-02EE0CE68E6A}">
-      <dgm:prSet phldrT="[Text]"/>
-      <dgm:spPr/>
-      <dgm:t>
-        <a:bodyPr/>
-        <a:lstStyle/>
-        <a:p>
-          <a:r>
-            <a:rPr lang="en-AU" dirty="0"/>
-            <a:t>9. New Zealand</a:t>
-          </a:r>
-        </a:p>
-      </dgm:t>
-    </dgm:pt>
-    <dgm:pt modelId="{1F3ABECA-A0C9-4AD6-BA0A-7296509A499A}" type="parTrans" cxnId="{2E154820-83EE-4B66-9310-CEC9000D5283}">
-      <dgm:prSet/>
-      <dgm:spPr/>
-      <dgm:t>
-        <a:bodyPr/>
-        <a:lstStyle/>
-        <a:p>
-          <a:endParaRPr lang="en-AU"/>
-        </a:p>
-      </dgm:t>
-    </dgm:pt>
-    <dgm:pt modelId="{4A5C1868-C359-4E84-872A-CA08C8A25D77}" type="sibTrans" cxnId="{2E154820-83EE-4B66-9310-CEC9000D5283}">
-      <dgm:prSet/>
-      <dgm:spPr/>
-      <dgm:t>
-        <a:bodyPr/>
-        <a:lstStyle/>
-        <a:p>
-          <a:endParaRPr lang="en-AU"/>
-        </a:p>
-      </dgm:t>
-    </dgm:pt>
-    <dgm:pt modelId="{1B07BA69-863E-42A6-A8AE-F071AFE4900C}">
-      <dgm:prSet phldrT="[Text]"/>
-      <dgm:spPr/>
-      <dgm:t>
-        <a:bodyPr/>
-        <a:lstStyle/>
-        <a:p>
-          <a:r>
-            <a:rPr lang="en-AU" dirty="0"/>
-            <a:t>10. Australia</a:t>
-          </a:r>
-        </a:p>
-      </dgm:t>
-    </dgm:pt>
-    <dgm:pt modelId="{02D3EC7D-98E2-4C4F-B512-99E55B4A1883}" type="parTrans" cxnId="{6A934423-5951-461B-A442-E06B4179CF48}">
-      <dgm:prSet/>
-      <dgm:spPr/>
-      <dgm:t>
-        <a:bodyPr/>
-        <a:lstStyle/>
-        <a:p>
-          <a:endParaRPr lang="en-AU"/>
-        </a:p>
-      </dgm:t>
-    </dgm:pt>
-    <dgm:pt modelId="{A4D475D2-F3FC-4452-8049-493DCACB7F45}" type="sibTrans" cxnId="{6A934423-5951-461B-A442-E06B4179CF48}">
-      <dgm:prSet/>
-      <dgm:spPr/>
-      <dgm:t>
-        <a:bodyPr/>
-        <a:lstStyle/>
-        <a:p>
-          <a:endParaRPr lang="en-AU"/>
-        </a:p>
-      </dgm:t>
-    </dgm:pt>
-    <dgm:pt modelId="{3743470A-58E3-4B44-AEC0-E38830971AA5}" type="pres">
-      <dgm:prSet presAssocID="{B9BC9F7F-DA10-4C30-AF78-E8F941E0EA0D}" presName="linear" presStyleCnt="0">
-        <dgm:presLayoutVars>
-          <dgm:animLvl val="lvl"/>
-          <dgm:resizeHandles val="exact"/>
-        </dgm:presLayoutVars>
-      </dgm:prSet>
-      <dgm:spPr/>
-    </dgm:pt>
-    <dgm:pt modelId="{189707F0-1F3B-44DB-94EB-1C508F0EB07D}" type="pres">
-      <dgm:prSet presAssocID="{E9B2DC63-FCFB-4C2D-8C5C-4AFB760789B3}" presName="parentText" presStyleLbl="node1" presStyleIdx="0" presStyleCnt="10">
-        <dgm:presLayoutVars>
-          <dgm:chMax val="0"/>
-          <dgm:bulletEnabled val="1"/>
-        </dgm:presLayoutVars>
-      </dgm:prSet>
-      <dgm:spPr/>
-    </dgm:pt>
-    <dgm:pt modelId="{ED400C6F-F1B0-4E42-A62B-30BD33AAAF63}" type="pres">
-      <dgm:prSet presAssocID="{F355D84A-EFFB-4CA5-B661-3960FE555E3E}" presName="spacer" presStyleCnt="0"/>
-      <dgm:spPr/>
-    </dgm:pt>
-    <dgm:pt modelId="{B028BBC8-4D09-43AA-BED6-2FE4FFC72B50}" type="pres">
-      <dgm:prSet presAssocID="{F2611B69-5056-419E-BAB2-BB1FF9C24047}" presName="parentText" presStyleLbl="node1" presStyleIdx="1" presStyleCnt="10">
-        <dgm:presLayoutVars>
-          <dgm:chMax val="0"/>
-          <dgm:bulletEnabled val="1"/>
-        </dgm:presLayoutVars>
-      </dgm:prSet>
-      <dgm:spPr/>
-    </dgm:pt>
-    <dgm:pt modelId="{29634E49-C3B4-46F1-A0B6-7BD15C7AAAA6}" type="pres">
-      <dgm:prSet presAssocID="{9E33235D-0751-4808-8512-01343980763F}" presName="spacer" presStyleCnt="0"/>
-      <dgm:spPr/>
-    </dgm:pt>
-    <dgm:pt modelId="{EC23D8A8-E064-4869-B136-E2ED855AB287}" type="pres">
-      <dgm:prSet presAssocID="{34DA259F-A504-4C07-B1AB-4F96397DB4CE}" presName="parentText" presStyleLbl="node1" presStyleIdx="2" presStyleCnt="10">
-        <dgm:presLayoutVars>
-          <dgm:chMax val="0"/>
-          <dgm:bulletEnabled val="1"/>
-        </dgm:presLayoutVars>
-      </dgm:prSet>
-      <dgm:spPr/>
-    </dgm:pt>
-    <dgm:pt modelId="{C04FA191-F78C-44DC-911A-210CAC783A5F}" type="pres">
-      <dgm:prSet presAssocID="{86581BE0-9182-45DE-8F4E-CFB9D6F9B066}" presName="spacer" presStyleCnt="0"/>
-      <dgm:spPr/>
-    </dgm:pt>
-    <dgm:pt modelId="{75000D73-C9F8-4BF7-9F99-BD4CE6D75447}" type="pres">
-      <dgm:prSet presAssocID="{579BDB34-D867-4303-8D46-F27DD8B2FAFE}" presName="parentText" presStyleLbl="node1" presStyleIdx="3" presStyleCnt="10">
-        <dgm:presLayoutVars>
-          <dgm:chMax val="0"/>
-          <dgm:bulletEnabled val="1"/>
-        </dgm:presLayoutVars>
-      </dgm:prSet>
-      <dgm:spPr/>
-    </dgm:pt>
-    <dgm:pt modelId="{18D13CD7-7351-471C-9CB8-CD5D889F9537}" type="pres">
-      <dgm:prSet presAssocID="{4C3B40CD-0A9F-4133-9AC9-FD5D5FCD1DFF}" presName="spacer" presStyleCnt="0"/>
-      <dgm:spPr/>
-    </dgm:pt>
-    <dgm:pt modelId="{F5130196-19D3-4261-B526-144AAC7F2378}" type="pres">
-      <dgm:prSet presAssocID="{DAE60B84-9C02-47CA-80ED-41DB7C4ABE5F}" presName="parentText" presStyleLbl="node1" presStyleIdx="4" presStyleCnt="10">
-        <dgm:presLayoutVars>
-          <dgm:chMax val="0"/>
-          <dgm:bulletEnabled val="1"/>
-        </dgm:presLayoutVars>
-      </dgm:prSet>
-      <dgm:spPr/>
-    </dgm:pt>
-    <dgm:pt modelId="{FE797D56-37AB-447D-BF01-25AE356A1A84}" type="pres">
-      <dgm:prSet presAssocID="{8539C3F9-EBD7-45C0-98E1-950100D4CA28}" presName="spacer" presStyleCnt="0"/>
-      <dgm:spPr/>
-    </dgm:pt>
-    <dgm:pt modelId="{A6D1ABBC-756A-45D6-8C79-19CA10C0A228}" type="pres">
-      <dgm:prSet presAssocID="{0DC2D4D2-3B03-416A-B0D8-18C6B1AE3AB0}" presName="parentText" presStyleLbl="node1" presStyleIdx="5" presStyleCnt="10">
-        <dgm:presLayoutVars>
-          <dgm:chMax val="0"/>
-          <dgm:bulletEnabled val="1"/>
-        </dgm:presLayoutVars>
-      </dgm:prSet>
-      <dgm:spPr/>
-    </dgm:pt>
-    <dgm:pt modelId="{60732DDD-C24C-4779-9969-E274F4572887}" type="pres">
-      <dgm:prSet presAssocID="{24C4616F-F314-450B-AF66-298F83E3A602}" presName="spacer" presStyleCnt="0"/>
-      <dgm:spPr/>
-    </dgm:pt>
-    <dgm:pt modelId="{76BD0C02-DD1A-4CE9-A036-0F8FC161DC6D}" type="pres">
-      <dgm:prSet presAssocID="{B7569B97-3AE6-4102-9F24-314B60838161}" presName="parentText" presStyleLbl="node1" presStyleIdx="6" presStyleCnt="10">
-        <dgm:presLayoutVars>
-          <dgm:chMax val="0"/>
-          <dgm:bulletEnabled val="1"/>
-        </dgm:presLayoutVars>
-      </dgm:prSet>
-      <dgm:spPr/>
-    </dgm:pt>
-    <dgm:pt modelId="{764025D2-0D64-4AD3-BCCD-BB8651D11EFB}" type="pres">
-      <dgm:prSet presAssocID="{88BEA316-42C4-4FDF-9DFB-52E6EBFB41BF}" presName="spacer" presStyleCnt="0"/>
-      <dgm:spPr/>
-    </dgm:pt>
-    <dgm:pt modelId="{8C9A46EE-F94A-4F3B-B1F7-3734A4D3A6EA}" type="pres">
-      <dgm:prSet presAssocID="{D673EEB1-37CD-4115-9494-BF6D6D0A97CB}" presName="parentText" presStyleLbl="node1" presStyleIdx="7" presStyleCnt="10">
-        <dgm:presLayoutVars>
-          <dgm:chMax val="0"/>
-          <dgm:bulletEnabled val="1"/>
-        </dgm:presLayoutVars>
-      </dgm:prSet>
-      <dgm:spPr/>
-    </dgm:pt>
-    <dgm:pt modelId="{74496841-B7E5-4AD4-88DE-EA07D5BBAC5A}" type="pres">
-      <dgm:prSet presAssocID="{0AAFEA35-2891-4391-8022-B6886978DD44}" presName="spacer" presStyleCnt="0"/>
-      <dgm:spPr/>
-    </dgm:pt>
-    <dgm:pt modelId="{22131F04-F670-4F27-A2BE-96C0D7504DA4}" type="pres">
-      <dgm:prSet presAssocID="{9478FE30-8F9B-4CF0-8870-02EE0CE68E6A}" presName="parentText" presStyleLbl="node1" presStyleIdx="8" presStyleCnt="10">
-        <dgm:presLayoutVars>
-          <dgm:chMax val="0"/>
-          <dgm:bulletEnabled val="1"/>
-        </dgm:presLayoutVars>
-      </dgm:prSet>
-      <dgm:spPr/>
-    </dgm:pt>
-    <dgm:pt modelId="{0CCED8B5-D6A8-4312-932B-2EB3FEDCC325}" type="pres">
-      <dgm:prSet presAssocID="{4A5C1868-C359-4E84-872A-CA08C8A25D77}" presName="spacer" presStyleCnt="0"/>
-      <dgm:spPr/>
-    </dgm:pt>
-    <dgm:pt modelId="{9CAE9357-3ABD-418A-A059-51DD74FEA1C8}" type="pres">
-      <dgm:prSet presAssocID="{1B07BA69-863E-42A6-A8AE-F071AFE4900C}" presName="parentText" presStyleLbl="node1" presStyleIdx="9" presStyleCnt="10">
-        <dgm:presLayoutVars>
-          <dgm:chMax val="0"/>
-          <dgm:bulletEnabled val="1"/>
-        </dgm:presLayoutVars>
-      </dgm:prSet>
-      <dgm:spPr/>
-    </dgm:pt>
-  </dgm:ptLst>
-  <dgm:cxnLst>
-    <dgm:cxn modelId="{41FA6905-5CC2-4238-8E44-F054F24D0DD3}" type="presOf" srcId="{B7569B97-3AE6-4102-9F24-314B60838161}" destId="{76BD0C02-DD1A-4CE9-A036-0F8FC161DC6D}" srcOrd="0" destOrd="0" presId="urn:microsoft.com/office/officeart/2005/8/layout/vList2"/>
-    <dgm:cxn modelId="{B86E421E-81CD-4FF9-ACF0-B349EF8D7D36}" srcId="{B9BC9F7F-DA10-4C30-AF78-E8F941E0EA0D}" destId="{0DC2D4D2-3B03-416A-B0D8-18C6B1AE3AB0}" srcOrd="5" destOrd="0" parTransId="{0AABF76E-8E33-4B78-BD4C-CEEB9C2A3125}" sibTransId="{24C4616F-F314-450B-AF66-298F83E3A602}"/>
-    <dgm:cxn modelId="{2E154820-83EE-4B66-9310-CEC9000D5283}" srcId="{B9BC9F7F-DA10-4C30-AF78-E8F941E0EA0D}" destId="{9478FE30-8F9B-4CF0-8870-02EE0CE68E6A}" srcOrd="8" destOrd="0" parTransId="{1F3ABECA-A0C9-4AD6-BA0A-7296509A499A}" sibTransId="{4A5C1868-C359-4E84-872A-CA08C8A25D77}"/>
-    <dgm:cxn modelId="{6A934423-5951-461B-A442-E06B4179CF48}" srcId="{B9BC9F7F-DA10-4C30-AF78-E8F941E0EA0D}" destId="{1B07BA69-863E-42A6-A8AE-F071AFE4900C}" srcOrd="9" destOrd="0" parTransId="{02D3EC7D-98E2-4C4F-B512-99E55B4A1883}" sibTransId="{A4D475D2-F3FC-4452-8049-493DCACB7F45}"/>
-    <dgm:cxn modelId="{D326402F-EAF3-4FDD-9F52-3F9D9BDAECC1}" type="presOf" srcId="{F2611B69-5056-419E-BAB2-BB1FF9C24047}" destId="{B028BBC8-4D09-43AA-BED6-2FE4FFC72B50}" srcOrd="0" destOrd="0" presId="urn:microsoft.com/office/officeart/2005/8/layout/vList2"/>
-    <dgm:cxn modelId="{B6188830-4346-4755-B2F2-5F440EA94EE4}" type="presOf" srcId="{0DC2D4D2-3B03-416A-B0D8-18C6B1AE3AB0}" destId="{A6D1ABBC-756A-45D6-8C79-19CA10C0A228}" srcOrd="0" destOrd="0" presId="urn:microsoft.com/office/officeart/2005/8/layout/vList2"/>
-    <dgm:cxn modelId="{12487531-77FB-4CBC-B152-4A24D58269C9}" type="presOf" srcId="{9478FE30-8F9B-4CF0-8870-02EE0CE68E6A}" destId="{22131F04-F670-4F27-A2BE-96C0D7504DA4}" srcOrd="0" destOrd="0" presId="urn:microsoft.com/office/officeart/2005/8/layout/vList2"/>
-    <dgm:cxn modelId="{D9C2B231-12E8-4E5A-8D7F-D44543B70E22}" srcId="{B9BC9F7F-DA10-4C30-AF78-E8F941E0EA0D}" destId="{D673EEB1-37CD-4115-9494-BF6D6D0A97CB}" srcOrd="7" destOrd="0" parTransId="{02808325-7CC8-4006-8B83-D53AC3E05D70}" sibTransId="{0AAFEA35-2891-4391-8022-B6886978DD44}"/>
-    <dgm:cxn modelId="{B82B3037-5DE4-415C-911D-6818FB155791}" srcId="{B9BC9F7F-DA10-4C30-AF78-E8F941E0EA0D}" destId="{E9B2DC63-FCFB-4C2D-8C5C-4AFB760789B3}" srcOrd="0" destOrd="0" parTransId="{7239E4F1-845D-4832-91DE-BDF3B3DBCAAD}" sibTransId="{F355D84A-EFFB-4CA5-B661-3960FE555E3E}"/>
-    <dgm:cxn modelId="{4FFBB560-C102-43D9-8E82-4144C60BA6EA}" type="presOf" srcId="{B9BC9F7F-DA10-4C30-AF78-E8F941E0EA0D}" destId="{3743470A-58E3-4B44-AEC0-E38830971AA5}" srcOrd="0" destOrd="0" presId="urn:microsoft.com/office/officeart/2005/8/layout/vList2"/>
-    <dgm:cxn modelId="{8EB7C7A0-3642-4A90-907A-414ECF81BA82}" type="presOf" srcId="{DAE60B84-9C02-47CA-80ED-41DB7C4ABE5F}" destId="{F5130196-19D3-4261-B526-144AAC7F2378}" srcOrd="0" destOrd="0" presId="urn:microsoft.com/office/officeart/2005/8/layout/vList2"/>
-    <dgm:cxn modelId="{47A806B4-68A5-4592-A137-C755D2D3CD4B}" type="presOf" srcId="{1B07BA69-863E-42A6-A8AE-F071AFE4900C}" destId="{9CAE9357-3ABD-418A-A059-51DD74FEA1C8}" srcOrd="0" destOrd="0" presId="urn:microsoft.com/office/officeart/2005/8/layout/vList2"/>
-    <dgm:cxn modelId="{68321EBB-7972-4928-B799-9E4562F16DBB}" srcId="{B9BC9F7F-DA10-4C30-AF78-E8F941E0EA0D}" destId="{DAE60B84-9C02-47CA-80ED-41DB7C4ABE5F}" srcOrd="4" destOrd="0" parTransId="{88704CFB-B40C-46BB-9947-EA482F826FA9}" sibTransId="{8539C3F9-EBD7-45C0-98E1-950100D4CA28}"/>
-    <dgm:cxn modelId="{FCDC09BF-551F-4A68-9219-357D13A33721}" srcId="{B9BC9F7F-DA10-4C30-AF78-E8F941E0EA0D}" destId="{579BDB34-D867-4303-8D46-F27DD8B2FAFE}" srcOrd="3" destOrd="0" parTransId="{FA0714B7-157D-4730-9734-399FD41EDF8E}" sibTransId="{4C3B40CD-0A9F-4133-9AC9-FD5D5FCD1DFF}"/>
-    <dgm:cxn modelId="{C434C4D1-8869-48E9-8DDC-3F3C1AE8ABF1}" type="presOf" srcId="{D673EEB1-37CD-4115-9494-BF6D6D0A97CB}" destId="{8C9A46EE-F94A-4F3B-B1F7-3734A4D3A6EA}" srcOrd="0" destOrd="0" presId="urn:microsoft.com/office/officeart/2005/8/layout/vList2"/>
-    <dgm:cxn modelId="{6527B9D3-0720-4767-978E-9E3252E08748}" srcId="{B9BC9F7F-DA10-4C30-AF78-E8F941E0EA0D}" destId="{B7569B97-3AE6-4102-9F24-314B60838161}" srcOrd="6" destOrd="0" parTransId="{1CF93586-CAA9-4511-8B89-3D6DF4A9224D}" sibTransId="{88BEA316-42C4-4FDF-9DFB-52E6EBFB41BF}"/>
-    <dgm:cxn modelId="{ED8B53D9-B602-4819-9197-7D02D3940CE0}" type="presOf" srcId="{E9B2DC63-FCFB-4C2D-8C5C-4AFB760789B3}" destId="{189707F0-1F3B-44DB-94EB-1C508F0EB07D}" srcOrd="0" destOrd="0" presId="urn:microsoft.com/office/officeart/2005/8/layout/vList2"/>
-    <dgm:cxn modelId="{7EB632E5-6FA8-4B84-A7FC-48B7E757FE27}" type="presOf" srcId="{579BDB34-D867-4303-8D46-F27DD8B2FAFE}" destId="{75000D73-C9F8-4BF7-9F99-BD4CE6D75447}" srcOrd="0" destOrd="0" presId="urn:microsoft.com/office/officeart/2005/8/layout/vList2"/>
-    <dgm:cxn modelId="{544BDBE7-0919-459B-8F74-80072294F0AB}" srcId="{B9BC9F7F-DA10-4C30-AF78-E8F941E0EA0D}" destId="{F2611B69-5056-419E-BAB2-BB1FF9C24047}" srcOrd="1" destOrd="0" parTransId="{7440E3DB-C4D1-4F89-8A45-DCF952E086FF}" sibTransId="{9E33235D-0751-4808-8512-01343980763F}"/>
-    <dgm:cxn modelId="{5047B5EE-96E2-4320-87D0-139B0CA2B8C4}" type="presOf" srcId="{34DA259F-A504-4C07-B1AB-4F96397DB4CE}" destId="{EC23D8A8-E064-4869-B136-E2ED855AB287}" srcOrd="0" destOrd="0" presId="urn:microsoft.com/office/officeart/2005/8/layout/vList2"/>
-    <dgm:cxn modelId="{F8EA49F1-58AA-44C2-89F2-015EBFD0F496}" srcId="{B9BC9F7F-DA10-4C30-AF78-E8F941E0EA0D}" destId="{34DA259F-A504-4C07-B1AB-4F96397DB4CE}" srcOrd="2" destOrd="0" parTransId="{80760392-D8FE-49FE-9262-96C4483B73A2}" sibTransId="{86581BE0-9182-45DE-8F4E-CFB9D6F9B066}"/>
-    <dgm:cxn modelId="{6C32574C-779E-4F2F-8946-813BCAA518A6}" type="presParOf" srcId="{3743470A-58E3-4B44-AEC0-E38830971AA5}" destId="{189707F0-1F3B-44DB-94EB-1C508F0EB07D}" srcOrd="0" destOrd="0" presId="urn:microsoft.com/office/officeart/2005/8/layout/vList2"/>
-    <dgm:cxn modelId="{411FB528-3EF8-4DCC-8840-28BA67078748}" type="presParOf" srcId="{3743470A-58E3-4B44-AEC0-E38830971AA5}" destId="{ED400C6F-F1B0-4E42-A62B-30BD33AAAF63}" srcOrd="1" destOrd="0" presId="urn:microsoft.com/office/officeart/2005/8/layout/vList2"/>
-    <dgm:cxn modelId="{F783BA10-2A68-4A85-ACB9-C9F99A798DC0}" type="presParOf" srcId="{3743470A-58E3-4B44-AEC0-E38830971AA5}" destId="{B028BBC8-4D09-43AA-BED6-2FE4FFC72B50}" srcOrd="2" destOrd="0" presId="urn:microsoft.com/office/officeart/2005/8/layout/vList2"/>
-    <dgm:cxn modelId="{D0848E70-6E58-4C21-A27C-EF5C8555A185}" type="presParOf" srcId="{3743470A-58E3-4B44-AEC0-E38830971AA5}" destId="{29634E49-C3B4-46F1-A0B6-7BD15C7AAAA6}" srcOrd="3" destOrd="0" presId="urn:microsoft.com/office/officeart/2005/8/layout/vList2"/>
-    <dgm:cxn modelId="{B7A2834D-F52D-4FBF-A042-F78DAECB4FF2}" type="presParOf" srcId="{3743470A-58E3-4B44-AEC0-E38830971AA5}" destId="{EC23D8A8-E064-4869-B136-E2ED855AB287}" srcOrd="4" destOrd="0" presId="urn:microsoft.com/office/officeart/2005/8/layout/vList2"/>
-    <dgm:cxn modelId="{93F3CF35-AB2B-439E-AEA2-B346BA7A0ED6}" type="presParOf" srcId="{3743470A-58E3-4B44-AEC0-E38830971AA5}" destId="{C04FA191-F78C-44DC-911A-210CAC783A5F}" srcOrd="5" destOrd="0" presId="urn:microsoft.com/office/officeart/2005/8/layout/vList2"/>
-    <dgm:cxn modelId="{1D98BFB9-6F80-4974-9A28-D216A9F9225D}" type="presParOf" srcId="{3743470A-58E3-4B44-AEC0-E38830971AA5}" destId="{75000D73-C9F8-4BF7-9F99-BD4CE6D75447}" srcOrd="6" destOrd="0" presId="urn:microsoft.com/office/officeart/2005/8/layout/vList2"/>
-    <dgm:cxn modelId="{549A1940-A724-45D9-9344-F11713214F61}" type="presParOf" srcId="{3743470A-58E3-4B44-AEC0-E38830971AA5}" destId="{18D13CD7-7351-471C-9CB8-CD5D889F9537}" srcOrd="7" destOrd="0" presId="urn:microsoft.com/office/officeart/2005/8/layout/vList2"/>
-    <dgm:cxn modelId="{32B6BA2E-DE39-4D7D-BA98-CB52029195AC}" type="presParOf" srcId="{3743470A-58E3-4B44-AEC0-E38830971AA5}" destId="{F5130196-19D3-4261-B526-144AAC7F2378}" srcOrd="8" destOrd="0" presId="urn:microsoft.com/office/officeart/2005/8/layout/vList2"/>
-    <dgm:cxn modelId="{56C5FF5B-B475-47F9-9BDC-789CE09A51D5}" type="presParOf" srcId="{3743470A-58E3-4B44-AEC0-E38830971AA5}" destId="{FE797D56-37AB-447D-BF01-25AE356A1A84}" srcOrd="9" destOrd="0" presId="urn:microsoft.com/office/officeart/2005/8/layout/vList2"/>
-    <dgm:cxn modelId="{996BCE57-2704-4238-9409-E520C183122D}" type="presParOf" srcId="{3743470A-58E3-4B44-AEC0-E38830971AA5}" destId="{A6D1ABBC-756A-45D6-8C79-19CA10C0A228}" srcOrd="10" destOrd="0" presId="urn:microsoft.com/office/officeart/2005/8/layout/vList2"/>
-    <dgm:cxn modelId="{C3AF7F00-AF50-428A-A0FD-1BEFD97DE70B}" type="presParOf" srcId="{3743470A-58E3-4B44-AEC0-E38830971AA5}" destId="{60732DDD-C24C-4779-9969-E274F4572887}" srcOrd="11" destOrd="0" presId="urn:microsoft.com/office/officeart/2005/8/layout/vList2"/>
-    <dgm:cxn modelId="{6EDE47FF-2CEE-4F1C-B532-99CEA391846C}" type="presParOf" srcId="{3743470A-58E3-4B44-AEC0-E38830971AA5}" destId="{76BD0C02-DD1A-4CE9-A036-0F8FC161DC6D}" srcOrd="12" destOrd="0" presId="urn:microsoft.com/office/officeart/2005/8/layout/vList2"/>
-    <dgm:cxn modelId="{1BD9A81D-E5FA-4285-A87D-4F4B5C9861A1}" type="presParOf" srcId="{3743470A-58E3-4B44-AEC0-E38830971AA5}" destId="{764025D2-0D64-4AD3-BCCD-BB8651D11EFB}" srcOrd="13" destOrd="0" presId="urn:microsoft.com/office/officeart/2005/8/layout/vList2"/>
-    <dgm:cxn modelId="{60D788EC-0A00-464B-B3E3-ABE2378ED7E2}" type="presParOf" srcId="{3743470A-58E3-4B44-AEC0-E38830971AA5}" destId="{8C9A46EE-F94A-4F3B-B1F7-3734A4D3A6EA}" srcOrd="14" destOrd="0" presId="urn:microsoft.com/office/officeart/2005/8/layout/vList2"/>
-    <dgm:cxn modelId="{94AAAB20-DF58-4488-9133-9E03077A72B7}" type="presParOf" srcId="{3743470A-58E3-4B44-AEC0-E38830971AA5}" destId="{74496841-B7E5-4AD4-88DE-EA07D5BBAC5A}" srcOrd="15" destOrd="0" presId="urn:microsoft.com/office/officeart/2005/8/layout/vList2"/>
-    <dgm:cxn modelId="{63BDD79F-B9EF-4321-9179-8165E3226DD8}" type="presParOf" srcId="{3743470A-58E3-4B44-AEC0-E38830971AA5}" destId="{22131F04-F670-4F27-A2BE-96C0D7504DA4}" srcOrd="16" destOrd="0" presId="urn:microsoft.com/office/officeart/2005/8/layout/vList2"/>
-    <dgm:cxn modelId="{4938F62E-6A9B-44A5-99B5-423C0E4F169E}" type="presParOf" srcId="{3743470A-58E3-4B44-AEC0-E38830971AA5}" destId="{0CCED8B5-D6A8-4312-932B-2EB3FEDCC325}" srcOrd="17" destOrd="0" presId="urn:microsoft.com/office/officeart/2005/8/layout/vList2"/>
-    <dgm:cxn modelId="{E7E42457-16FC-49B2-83B9-243E5FEFA388}" type="presParOf" srcId="{3743470A-58E3-4B44-AEC0-E38830971AA5}" destId="{9CAE9357-3ABD-418A-A059-51DD74FEA1C8}" srcOrd="18" destOrd="0" presId="urn:microsoft.com/office/officeart/2005/8/layout/vList2"/>
-  </dgm:cxnLst>
-  <dgm:bg/>
-  <dgm:whole/>
-  <dgm:extLst>
-    <a:ext uri="http://schemas.microsoft.com/office/drawing/2008/diagram">
-      <dsp:dataModelExt xmlns:dsp="http://schemas.microsoft.com/office/drawing/2008/diagram" relId="rId8" minVer="http://schemas.openxmlformats.org/drawingml/2006/diagram"/>
     </a:ext>
   </dgm:extLst>
 </dgm:dataModel>
@@ -6787,7 +4368,7 @@
           </a:pPr>
           <a:r>
             <a:rPr lang="en-AU" sz="2600" kern="1200" dirty="0"/>
-            <a:t>Bec Goulding</a:t>
+            <a:t>Bec Gould</a:t>
           </a:r>
         </a:p>
       </dsp:txBody>
@@ -7311,7 +4892,7 @@
           </a:pPr>
           <a:r>
             <a:rPr lang="en-AU" sz="2100" kern="1200" dirty="0"/>
-            <a:t>Motivation &amp; Summary</a:t>
+            <a:t>Introduction</a:t>
           </a:r>
         </a:p>
       </dsp:txBody>
@@ -7437,7 +5018,7 @@
           </a:pPr>
           <a:r>
             <a:rPr lang="en-AU" sz="2100" kern="1200" dirty="0"/>
-            <a:t>Questions &amp; Data</a:t>
+            <a:t>Hypothesis &amp; Questions </a:t>
           </a:r>
         </a:p>
       </dsp:txBody>
@@ -8683,7 +6264,7 @@
             <a:buNone/>
           </a:pPr>
           <a:r>
-            <a:rPr lang="en-US" sz="2600" kern="1200"/>
+            <a:rPr lang="en-US" sz="2600" kern="1200" dirty="0"/>
             <a:t>Economy (GDP per Capita) </a:t>
           </a:r>
           <a:endParaRPr lang="en-AU" sz="2600" kern="1200" dirty="0"/>
@@ -8692,808 +6273,6 @@
       <dsp:txXfrm>
         <a:off x="2467213" y="1005990"/>
         <a:ext cx="1837569" cy="1292697"/>
-      </dsp:txXfrm>
-    </dsp:sp>
-  </dsp:spTree>
-</dsp:drawing>
-</file>
-
-<file path=ppt/diagrams/drawing4.xml><?xml version="1.0" encoding="utf-8"?>
-<dsp:drawing xmlns:dgm="http://schemas.openxmlformats.org/drawingml/2006/diagram" xmlns:dsp="http://schemas.microsoft.com/office/drawing/2008/diagram" xmlns:a="http://schemas.openxmlformats.org/drawingml/2006/main">
-  <dsp:spTree>
-    <dsp:nvGrpSpPr>
-      <dsp:cNvPr id="0" name=""/>
-      <dsp:cNvGrpSpPr/>
-    </dsp:nvGrpSpPr>
-    <dsp:grpSpPr/>
-    <dsp:sp modelId="{189707F0-1F3B-44DB-94EB-1C508F0EB07D}">
-      <dsp:nvSpPr>
-        <dsp:cNvPr id="0" name=""/>
-        <dsp:cNvSpPr/>
-      </dsp:nvSpPr>
-      <dsp:spPr>
-        <a:xfrm>
-          <a:off x="0" y="43894"/>
-          <a:ext cx="1989789" cy="431730"/>
-        </a:xfrm>
-        <a:prstGeom prst="roundRect">
-          <a:avLst/>
-        </a:prstGeom>
-        <a:solidFill>
-          <a:schemeClr val="accent1">
-            <a:shade val="80000"/>
-            <a:hueOff val="0"/>
-            <a:satOff val="0"/>
-            <a:lumOff val="0"/>
-            <a:alphaOff val="0"/>
-          </a:schemeClr>
-        </a:solidFill>
-        <a:ln w="12700" cap="flat" cmpd="sng" algn="ctr">
-          <a:solidFill>
-            <a:schemeClr val="lt1">
-              <a:hueOff val="0"/>
-              <a:satOff val="0"/>
-              <a:lumOff val="0"/>
-              <a:alphaOff val="0"/>
-            </a:schemeClr>
-          </a:solidFill>
-          <a:prstDash val="solid"/>
-          <a:miter lim="800000"/>
-        </a:ln>
-        <a:effectLst/>
-      </dsp:spPr>
-      <dsp:style>
-        <a:lnRef idx="2">
-          <a:scrgbClr r="0" g="0" b="0"/>
-        </a:lnRef>
-        <a:fillRef idx="1">
-          <a:scrgbClr r="0" g="0" b="0"/>
-        </a:fillRef>
-        <a:effectRef idx="0">
-          <a:scrgbClr r="0" g="0" b="0"/>
-        </a:effectRef>
-        <a:fontRef idx="minor">
-          <a:schemeClr val="lt1"/>
-        </a:fontRef>
-      </dsp:style>
-      <dsp:txBody>
-        <a:bodyPr spcFirstLastPara="0" vert="horz" wrap="square" lIns="68580" tIns="68580" rIns="68580" bIns="68580" numCol="1" spcCol="1270" anchor="ctr" anchorCtr="0">
-          <a:noAutofit/>
-        </a:bodyPr>
-        <a:lstStyle/>
-        <a:p>
-          <a:pPr marL="0" lvl="0" indent="0" algn="l" defTabSz="800100">
-            <a:lnSpc>
-              <a:spcPct val="90000"/>
-            </a:lnSpc>
-            <a:spcBef>
-              <a:spcPct val="0"/>
-            </a:spcBef>
-            <a:spcAft>
-              <a:spcPct val="35000"/>
-            </a:spcAft>
-            <a:buNone/>
-          </a:pPr>
-          <a:r>
-            <a:rPr lang="en-AU" sz="1800" kern="1200" dirty="0"/>
-            <a:t>1. Denmark</a:t>
-          </a:r>
-        </a:p>
-      </dsp:txBody>
-      <dsp:txXfrm>
-        <a:off x="21075" y="64969"/>
-        <a:ext cx="1947639" cy="389580"/>
-      </dsp:txXfrm>
-    </dsp:sp>
-    <dsp:sp modelId="{B028BBC8-4D09-43AA-BED6-2FE4FFC72B50}">
-      <dsp:nvSpPr>
-        <dsp:cNvPr id="0" name=""/>
-        <dsp:cNvSpPr/>
-      </dsp:nvSpPr>
-      <dsp:spPr>
-        <a:xfrm>
-          <a:off x="0" y="527464"/>
-          <a:ext cx="1989789" cy="431730"/>
-        </a:xfrm>
-        <a:prstGeom prst="roundRect">
-          <a:avLst/>
-        </a:prstGeom>
-        <a:solidFill>
-          <a:schemeClr val="accent1">
-            <a:shade val="80000"/>
-            <a:hueOff val="91364"/>
-            <a:satOff val="-8304"/>
-            <a:lumOff val="4430"/>
-            <a:alphaOff val="0"/>
-          </a:schemeClr>
-        </a:solidFill>
-        <a:ln w="12700" cap="flat" cmpd="sng" algn="ctr">
-          <a:solidFill>
-            <a:schemeClr val="lt1">
-              <a:hueOff val="0"/>
-              <a:satOff val="0"/>
-              <a:lumOff val="0"/>
-              <a:alphaOff val="0"/>
-            </a:schemeClr>
-          </a:solidFill>
-          <a:prstDash val="solid"/>
-          <a:miter lim="800000"/>
-        </a:ln>
-        <a:effectLst/>
-      </dsp:spPr>
-      <dsp:style>
-        <a:lnRef idx="2">
-          <a:scrgbClr r="0" g="0" b="0"/>
-        </a:lnRef>
-        <a:fillRef idx="1">
-          <a:scrgbClr r="0" g="0" b="0"/>
-        </a:fillRef>
-        <a:effectRef idx="0">
-          <a:scrgbClr r="0" g="0" b="0"/>
-        </a:effectRef>
-        <a:fontRef idx="minor">
-          <a:schemeClr val="lt1"/>
-        </a:fontRef>
-      </dsp:style>
-      <dsp:txBody>
-        <a:bodyPr spcFirstLastPara="0" vert="horz" wrap="square" lIns="68580" tIns="68580" rIns="68580" bIns="68580" numCol="1" spcCol="1270" anchor="ctr" anchorCtr="0">
-          <a:noAutofit/>
-        </a:bodyPr>
-        <a:lstStyle/>
-        <a:p>
-          <a:pPr marL="0" lvl="0" indent="0" algn="l" defTabSz="800100">
-            <a:lnSpc>
-              <a:spcPct val="90000"/>
-            </a:lnSpc>
-            <a:spcBef>
-              <a:spcPct val="0"/>
-            </a:spcBef>
-            <a:spcAft>
-              <a:spcPct val="35000"/>
-            </a:spcAft>
-            <a:buNone/>
-          </a:pPr>
-          <a:r>
-            <a:rPr lang="en-AU" sz="1800" kern="1200" dirty="0"/>
-            <a:t>2. Norway</a:t>
-          </a:r>
-        </a:p>
-      </dsp:txBody>
-      <dsp:txXfrm>
-        <a:off x="21075" y="548539"/>
-        <a:ext cx="1947639" cy="389580"/>
-      </dsp:txXfrm>
-    </dsp:sp>
-    <dsp:sp modelId="{EC23D8A8-E064-4869-B136-E2ED855AB287}">
-      <dsp:nvSpPr>
-        <dsp:cNvPr id="0" name=""/>
-        <dsp:cNvSpPr/>
-      </dsp:nvSpPr>
-      <dsp:spPr>
-        <a:xfrm>
-          <a:off x="0" y="1011034"/>
-          <a:ext cx="1989789" cy="431730"/>
-        </a:xfrm>
-        <a:prstGeom prst="roundRect">
-          <a:avLst/>
-        </a:prstGeom>
-        <a:solidFill>
-          <a:schemeClr val="accent1">
-            <a:shade val="80000"/>
-            <a:hueOff val="182728"/>
-            <a:satOff val="-16609"/>
-            <a:lumOff val="8861"/>
-            <a:alphaOff val="0"/>
-          </a:schemeClr>
-        </a:solidFill>
-        <a:ln w="12700" cap="flat" cmpd="sng" algn="ctr">
-          <a:solidFill>
-            <a:schemeClr val="lt1">
-              <a:hueOff val="0"/>
-              <a:satOff val="0"/>
-              <a:lumOff val="0"/>
-              <a:alphaOff val="0"/>
-            </a:schemeClr>
-          </a:solidFill>
-          <a:prstDash val="solid"/>
-          <a:miter lim="800000"/>
-        </a:ln>
-        <a:effectLst/>
-      </dsp:spPr>
-      <dsp:style>
-        <a:lnRef idx="2">
-          <a:scrgbClr r="0" g="0" b="0"/>
-        </a:lnRef>
-        <a:fillRef idx="1">
-          <a:scrgbClr r="0" g="0" b="0"/>
-        </a:fillRef>
-        <a:effectRef idx="0">
-          <a:scrgbClr r="0" g="0" b="0"/>
-        </a:effectRef>
-        <a:fontRef idx="minor">
-          <a:schemeClr val="lt1"/>
-        </a:fontRef>
-      </dsp:style>
-      <dsp:txBody>
-        <a:bodyPr spcFirstLastPara="0" vert="horz" wrap="square" lIns="68580" tIns="68580" rIns="68580" bIns="68580" numCol="1" spcCol="1270" anchor="ctr" anchorCtr="0">
-          <a:noAutofit/>
-        </a:bodyPr>
-        <a:lstStyle/>
-        <a:p>
-          <a:pPr marL="0" lvl="0" indent="0" algn="l" defTabSz="800100">
-            <a:lnSpc>
-              <a:spcPct val="90000"/>
-            </a:lnSpc>
-            <a:spcBef>
-              <a:spcPct val="0"/>
-            </a:spcBef>
-            <a:spcAft>
-              <a:spcPct val="35000"/>
-            </a:spcAft>
-            <a:buNone/>
-          </a:pPr>
-          <a:r>
-            <a:rPr lang="en-AU" sz="1800" kern="1200" dirty="0"/>
-            <a:t>3. Finland</a:t>
-          </a:r>
-        </a:p>
-      </dsp:txBody>
-      <dsp:txXfrm>
-        <a:off x="21075" y="1032109"/>
-        <a:ext cx="1947639" cy="389580"/>
-      </dsp:txXfrm>
-    </dsp:sp>
-    <dsp:sp modelId="{75000D73-C9F8-4BF7-9F99-BD4CE6D75447}">
-      <dsp:nvSpPr>
-        <dsp:cNvPr id="0" name=""/>
-        <dsp:cNvSpPr/>
-      </dsp:nvSpPr>
-      <dsp:spPr>
-        <a:xfrm>
-          <a:off x="0" y="1494604"/>
-          <a:ext cx="1989789" cy="431730"/>
-        </a:xfrm>
-        <a:prstGeom prst="roundRect">
-          <a:avLst/>
-        </a:prstGeom>
-        <a:solidFill>
-          <a:schemeClr val="accent1">
-            <a:shade val="80000"/>
-            <a:hueOff val="274091"/>
-            <a:satOff val="-24913"/>
-            <a:lumOff val="13291"/>
-            <a:alphaOff val="0"/>
-          </a:schemeClr>
-        </a:solidFill>
-        <a:ln w="12700" cap="flat" cmpd="sng" algn="ctr">
-          <a:solidFill>
-            <a:schemeClr val="lt1">
-              <a:hueOff val="0"/>
-              <a:satOff val="0"/>
-              <a:lumOff val="0"/>
-              <a:alphaOff val="0"/>
-            </a:schemeClr>
-          </a:solidFill>
-          <a:prstDash val="solid"/>
-          <a:miter lim="800000"/>
-        </a:ln>
-        <a:effectLst/>
-      </dsp:spPr>
-      <dsp:style>
-        <a:lnRef idx="2">
-          <a:scrgbClr r="0" g="0" b="0"/>
-        </a:lnRef>
-        <a:fillRef idx="1">
-          <a:scrgbClr r="0" g="0" b="0"/>
-        </a:fillRef>
-        <a:effectRef idx="0">
-          <a:scrgbClr r="0" g="0" b="0"/>
-        </a:effectRef>
-        <a:fontRef idx="minor">
-          <a:schemeClr val="lt1"/>
-        </a:fontRef>
-      </dsp:style>
-      <dsp:txBody>
-        <a:bodyPr spcFirstLastPara="0" vert="horz" wrap="square" lIns="68580" tIns="68580" rIns="68580" bIns="68580" numCol="1" spcCol="1270" anchor="ctr" anchorCtr="0">
-          <a:noAutofit/>
-        </a:bodyPr>
-        <a:lstStyle/>
-        <a:p>
-          <a:pPr marL="0" lvl="0" indent="0" algn="l" defTabSz="800100">
-            <a:lnSpc>
-              <a:spcPct val="90000"/>
-            </a:lnSpc>
-            <a:spcBef>
-              <a:spcPct val="0"/>
-            </a:spcBef>
-            <a:spcAft>
-              <a:spcPct val="35000"/>
-            </a:spcAft>
-            <a:buNone/>
-          </a:pPr>
-          <a:r>
-            <a:rPr lang="en-AU" sz="1800" kern="1200" dirty="0"/>
-            <a:t>4. Switzerland</a:t>
-          </a:r>
-        </a:p>
-      </dsp:txBody>
-      <dsp:txXfrm>
-        <a:off x="21075" y="1515679"/>
-        <a:ext cx="1947639" cy="389580"/>
-      </dsp:txXfrm>
-    </dsp:sp>
-    <dsp:sp modelId="{F5130196-19D3-4261-B526-144AAC7F2378}">
-      <dsp:nvSpPr>
-        <dsp:cNvPr id="0" name=""/>
-        <dsp:cNvSpPr/>
-      </dsp:nvSpPr>
-      <dsp:spPr>
-        <a:xfrm>
-          <a:off x="0" y="1978174"/>
-          <a:ext cx="1989789" cy="431730"/>
-        </a:xfrm>
-        <a:prstGeom prst="roundRect">
-          <a:avLst/>
-        </a:prstGeom>
-        <a:solidFill>
-          <a:schemeClr val="accent1">
-            <a:shade val="80000"/>
-            <a:hueOff val="365455"/>
-            <a:satOff val="-33217"/>
-            <a:lumOff val="17722"/>
-            <a:alphaOff val="0"/>
-          </a:schemeClr>
-        </a:solidFill>
-        <a:ln w="12700" cap="flat" cmpd="sng" algn="ctr">
-          <a:solidFill>
-            <a:schemeClr val="lt1">
-              <a:hueOff val="0"/>
-              <a:satOff val="0"/>
-              <a:lumOff val="0"/>
-              <a:alphaOff val="0"/>
-            </a:schemeClr>
-          </a:solidFill>
-          <a:prstDash val="solid"/>
-          <a:miter lim="800000"/>
-        </a:ln>
-        <a:effectLst/>
-      </dsp:spPr>
-      <dsp:style>
-        <a:lnRef idx="2">
-          <a:scrgbClr r="0" g="0" b="0"/>
-        </a:lnRef>
-        <a:fillRef idx="1">
-          <a:scrgbClr r="0" g="0" b="0"/>
-        </a:fillRef>
-        <a:effectRef idx="0">
-          <a:scrgbClr r="0" g="0" b="0"/>
-        </a:effectRef>
-        <a:fontRef idx="minor">
-          <a:schemeClr val="lt1"/>
-        </a:fontRef>
-      </dsp:style>
-      <dsp:txBody>
-        <a:bodyPr spcFirstLastPara="0" vert="horz" wrap="square" lIns="68580" tIns="68580" rIns="68580" bIns="68580" numCol="1" spcCol="1270" anchor="ctr" anchorCtr="0">
-          <a:noAutofit/>
-        </a:bodyPr>
-        <a:lstStyle/>
-        <a:p>
-          <a:pPr marL="0" lvl="0" indent="0" algn="l" defTabSz="800100">
-            <a:lnSpc>
-              <a:spcPct val="90000"/>
-            </a:lnSpc>
-            <a:spcBef>
-              <a:spcPct val="0"/>
-            </a:spcBef>
-            <a:spcAft>
-              <a:spcPct val="35000"/>
-            </a:spcAft>
-            <a:buNone/>
-          </a:pPr>
-          <a:r>
-            <a:rPr lang="en-AU" sz="1800" kern="1200" dirty="0"/>
-            <a:t>5. Iceland</a:t>
-          </a:r>
-        </a:p>
-      </dsp:txBody>
-      <dsp:txXfrm>
-        <a:off x="21075" y="1999249"/>
-        <a:ext cx="1947639" cy="389580"/>
-      </dsp:txXfrm>
-    </dsp:sp>
-    <dsp:sp modelId="{A6D1ABBC-756A-45D6-8C79-19CA10C0A228}">
-      <dsp:nvSpPr>
-        <dsp:cNvPr id="0" name=""/>
-        <dsp:cNvSpPr/>
-      </dsp:nvSpPr>
-      <dsp:spPr>
-        <a:xfrm>
-          <a:off x="0" y="2461744"/>
-          <a:ext cx="1989789" cy="431730"/>
-        </a:xfrm>
-        <a:prstGeom prst="roundRect">
-          <a:avLst/>
-        </a:prstGeom>
-        <a:solidFill>
-          <a:schemeClr val="accent1">
-            <a:shade val="80000"/>
-            <a:hueOff val="456819"/>
-            <a:satOff val="-41522"/>
-            <a:lumOff val="22152"/>
-            <a:alphaOff val="0"/>
-          </a:schemeClr>
-        </a:solidFill>
-        <a:ln w="12700" cap="flat" cmpd="sng" algn="ctr">
-          <a:solidFill>
-            <a:schemeClr val="lt1">
-              <a:hueOff val="0"/>
-              <a:satOff val="0"/>
-              <a:lumOff val="0"/>
-              <a:alphaOff val="0"/>
-            </a:schemeClr>
-          </a:solidFill>
-          <a:prstDash val="solid"/>
-          <a:miter lim="800000"/>
-        </a:ln>
-        <a:effectLst/>
-      </dsp:spPr>
-      <dsp:style>
-        <a:lnRef idx="2">
-          <a:scrgbClr r="0" g="0" b="0"/>
-        </a:lnRef>
-        <a:fillRef idx="1">
-          <a:scrgbClr r="0" g="0" b="0"/>
-        </a:fillRef>
-        <a:effectRef idx="0">
-          <a:scrgbClr r="0" g="0" b="0"/>
-        </a:effectRef>
-        <a:fontRef idx="minor">
-          <a:schemeClr val="lt1"/>
-        </a:fontRef>
-      </dsp:style>
-      <dsp:txBody>
-        <a:bodyPr spcFirstLastPara="0" vert="horz" wrap="square" lIns="68580" tIns="68580" rIns="68580" bIns="68580" numCol="1" spcCol="1270" anchor="ctr" anchorCtr="0">
-          <a:noAutofit/>
-        </a:bodyPr>
-        <a:lstStyle/>
-        <a:p>
-          <a:pPr marL="0" lvl="0" indent="0" algn="l" defTabSz="800100">
-            <a:lnSpc>
-              <a:spcPct val="90000"/>
-            </a:lnSpc>
-            <a:spcBef>
-              <a:spcPct val="0"/>
-            </a:spcBef>
-            <a:spcAft>
-              <a:spcPct val="35000"/>
-            </a:spcAft>
-            <a:buNone/>
-          </a:pPr>
-          <a:r>
-            <a:rPr lang="en-AU" sz="1800" kern="1200" dirty="0"/>
-            <a:t>6. Netherlands</a:t>
-          </a:r>
-        </a:p>
-      </dsp:txBody>
-      <dsp:txXfrm>
-        <a:off x="21075" y="2482819"/>
-        <a:ext cx="1947639" cy="389580"/>
-      </dsp:txXfrm>
-    </dsp:sp>
-    <dsp:sp modelId="{76BD0C02-DD1A-4CE9-A036-0F8FC161DC6D}">
-      <dsp:nvSpPr>
-        <dsp:cNvPr id="0" name=""/>
-        <dsp:cNvSpPr/>
-      </dsp:nvSpPr>
-      <dsp:spPr>
-        <a:xfrm>
-          <a:off x="0" y="2945314"/>
-          <a:ext cx="1989789" cy="431730"/>
-        </a:xfrm>
-        <a:prstGeom prst="roundRect">
-          <a:avLst/>
-        </a:prstGeom>
-        <a:solidFill>
-          <a:schemeClr val="accent1">
-            <a:shade val="80000"/>
-            <a:hueOff val="548183"/>
-            <a:satOff val="-49826"/>
-            <a:lumOff val="26583"/>
-            <a:alphaOff val="0"/>
-          </a:schemeClr>
-        </a:solidFill>
-        <a:ln w="12700" cap="flat" cmpd="sng" algn="ctr">
-          <a:solidFill>
-            <a:schemeClr val="lt1">
-              <a:hueOff val="0"/>
-              <a:satOff val="0"/>
-              <a:lumOff val="0"/>
-              <a:alphaOff val="0"/>
-            </a:schemeClr>
-          </a:solidFill>
-          <a:prstDash val="solid"/>
-          <a:miter lim="800000"/>
-        </a:ln>
-        <a:effectLst/>
-      </dsp:spPr>
-      <dsp:style>
-        <a:lnRef idx="2">
-          <a:scrgbClr r="0" g="0" b="0"/>
-        </a:lnRef>
-        <a:fillRef idx="1">
-          <a:scrgbClr r="0" g="0" b="0"/>
-        </a:fillRef>
-        <a:effectRef idx="0">
-          <a:scrgbClr r="0" g="0" b="0"/>
-        </a:effectRef>
-        <a:fontRef idx="minor">
-          <a:schemeClr val="lt1"/>
-        </a:fontRef>
-      </dsp:style>
-      <dsp:txBody>
-        <a:bodyPr spcFirstLastPara="0" vert="horz" wrap="square" lIns="68580" tIns="68580" rIns="68580" bIns="68580" numCol="1" spcCol="1270" anchor="ctr" anchorCtr="0">
-          <a:noAutofit/>
-        </a:bodyPr>
-        <a:lstStyle/>
-        <a:p>
-          <a:pPr marL="0" lvl="0" indent="0" algn="l" defTabSz="800100">
-            <a:lnSpc>
-              <a:spcPct val="90000"/>
-            </a:lnSpc>
-            <a:spcBef>
-              <a:spcPct val="0"/>
-            </a:spcBef>
-            <a:spcAft>
-              <a:spcPct val="35000"/>
-            </a:spcAft>
-            <a:buNone/>
-          </a:pPr>
-          <a:r>
-            <a:rPr lang="en-AU" sz="1800" kern="1200" dirty="0"/>
-            <a:t>7. Canada</a:t>
-          </a:r>
-        </a:p>
-      </dsp:txBody>
-      <dsp:txXfrm>
-        <a:off x="21075" y="2966389"/>
-        <a:ext cx="1947639" cy="389580"/>
-      </dsp:txXfrm>
-    </dsp:sp>
-    <dsp:sp modelId="{8C9A46EE-F94A-4F3B-B1F7-3734A4D3A6EA}">
-      <dsp:nvSpPr>
-        <dsp:cNvPr id="0" name=""/>
-        <dsp:cNvSpPr/>
-      </dsp:nvSpPr>
-      <dsp:spPr>
-        <a:xfrm>
-          <a:off x="0" y="3428884"/>
-          <a:ext cx="1989789" cy="431730"/>
-        </a:xfrm>
-        <a:prstGeom prst="roundRect">
-          <a:avLst/>
-        </a:prstGeom>
-        <a:solidFill>
-          <a:schemeClr val="accent1">
-            <a:shade val="80000"/>
-            <a:hueOff val="639547"/>
-            <a:satOff val="-58130"/>
-            <a:lumOff val="31013"/>
-            <a:alphaOff val="0"/>
-          </a:schemeClr>
-        </a:solidFill>
-        <a:ln w="12700" cap="flat" cmpd="sng" algn="ctr">
-          <a:solidFill>
-            <a:schemeClr val="lt1">
-              <a:hueOff val="0"/>
-              <a:satOff val="0"/>
-              <a:lumOff val="0"/>
-              <a:alphaOff val="0"/>
-            </a:schemeClr>
-          </a:solidFill>
-          <a:prstDash val="solid"/>
-          <a:miter lim="800000"/>
-        </a:ln>
-        <a:effectLst/>
-      </dsp:spPr>
-      <dsp:style>
-        <a:lnRef idx="2">
-          <a:scrgbClr r="0" g="0" b="0"/>
-        </a:lnRef>
-        <a:fillRef idx="1">
-          <a:scrgbClr r="0" g="0" b="0"/>
-        </a:fillRef>
-        <a:effectRef idx="0">
-          <a:scrgbClr r="0" g="0" b="0"/>
-        </a:effectRef>
-        <a:fontRef idx="minor">
-          <a:schemeClr val="lt1"/>
-        </a:fontRef>
-      </dsp:style>
-      <dsp:txBody>
-        <a:bodyPr spcFirstLastPara="0" vert="horz" wrap="square" lIns="68580" tIns="68580" rIns="68580" bIns="68580" numCol="1" spcCol="1270" anchor="ctr" anchorCtr="0">
-          <a:noAutofit/>
-        </a:bodyPr>
-        <a:lstStyle/>
-        <a:p>
-          <a:pPr marL="0" lvl="0" indent="0" algn="l" defTabSz="800100">
-            <a:lnSpc>
-              <a:spcPct val="90000"/>
-            </a:lnSpc>
-            <a:spcBef>
-              <a:spcPct val="0"/>
-            </a:spcBef>
-            <a:spcAft>
-              <a:spcPct val="35000"/>
-            </a:spcAft>
-            <a:buNone/>
-          </a:pPr>
-          <a:r>
-            <a:rPr lang="en-AU" sz="1800" kern="1200" dirty="0"/>
-            <a:t>8. Sweden</a:t>
-          </a:r>
-        </a:p>
-      </dsp:txBody>
-      <dsp:txXfrm>
-        <a:off x="21075" y="3449959"/>
-        <a:ext cx="1947639" cy="389580"/>
-      </dsp:txXfrm>
-    </dsp:sp>
-    <dsp:sp modelId="{22131F04-F670-4F27-A2BE-96C0D7504DA4}">
-      <dsp:nvSpPr>
-        <dsp:cNvPr id="0" name=""/>
-        <dsp:cNvSpPr/>
-      </dsp:nvSpPr>
-      <dsp:spPr>
-        <a:xfrm>
-          <a:off x="0" y="3912454"/>
-          <a:ext cx="1989789" cy="431730"/>
-        </a:xfrm>
-        <a:prstGeom prst="roundRect">
-          <a:avLst/>
-        </a:prstGeom>
-        <a:solidFill>
-          <a:schemeClr val="accent1">
-            <a:shade val="80000"/>
-            <a:hueOff val="730911"/>
-            <a:satOff val="-66435"/>
-            <a:lumOff val="35444"/>
-            <a:alphaOff val="0"/>
-          </a:schemeClr>
-        </a:solidFill>
-        <a:ln w="12700" cap="flat" cmpd="sng" algn="ctr">
-          <a:solidFill>
-            <a:schemeClr val="lt1">
-              <a:hueOff val="0"/>
-              <a:satOff val="0"/>
-              <a:lumOff val="0"/>
-              <a:alphaOff val="0"/>
-            </a:schemeClr>
-          </a:solidFill>
-          <a:prstDash val="solid"/>
-          <a:miter lim="800000"/>
-        </a:ln>
-        <a:effectLst/>
-      </dsp:spPr>
-      <dsp:style>
-        <a:lnRef idx="2">
-          <a:scrgbClr r="0" g="0" b="0"/>
-        </a:lnRef>
-        <a:fillRef idx="1">
-          <a:scrgbClr r="0" g="0" b="0"/>
-        </a:fillRef>
-        <a:effectRef idx="0">
-          <a:scrgbClr r="0" g="0" b="0"/>
-        </a:effectRef>
-        <a:fontRef idx="minor">
-          <a:schemeClr val="lt1"/>
-        </a:fontRef>
-      </dsp:style>
-      <dsp:txBody>
-        <a:bodyPr spcFirstLastPara="0" vert="horz" wrap="square" lIns="68580" tIns="68580" rIns="68580" bIns="68580" numCol="1" spcCol="1270" anchor="ctr" anchorCtr="0">
-          <a:noAutofit/>
-        </a:bodyPr>
-        <a:lstStyle/>
-        <a:p>
-          <a:pPr marL="0" lvl="0" indent="0" algn="l" defTabSz="800100">
-            <a:lnSpc>
-              <a:spcPct val="90000"/>
-            </a:lnSpc>
-            <a:spcBef>
-              <a:spcPct val="0"/>
-            </a:spcBef>
-            <a:spcAft>
-              <a:spcPct val="35000"/>
-            </a:spcAft>
-            <a:buNone/>
-          </a:pPr>
-          <a:r>
-            <a:rPr lang="en-AU" sz="1800" kern="1200" dirty="0"/>
-            <a:t>9. New Zealand</a:t>
-          </a:r>
-        </a:p>
-      </dsp:txBody>
-      <dsp:txXfrm>
-        <a:off x="21075" y="3933529"/>
-        <a:ext cx="1947639" cy="389580"/>
-      </dsp:txXfrm>
-    </dsp:sp>
-    <dsp:sp modelId="{9CAE9357-3ABD-418A-A059-51DD74FEA1C8}">
-      <dsp:nvSpPr>
-        <dsp:cNvPr id="0" name=""/>
-        <dsp:cNvSpPr/>
-      </dsp:nvSpPr>
-      <dsp:spPr>
-        <a:xfrm>
-          <a:off x="0" y="4396024"/>
-          <a:ext cx="1989789" cy="431730"/>
-        </a:xfrm>
-        <a:prstGeom prst="roundRect">
-          <a:avLst/>
-        </a:prstGeom>
-        <a:solidFill>
-          <a:schemeClr val="accent1">
-            <a:shade val="80000"/>
-            <a:hueOff val="822274"/>
-            <a:satOff val="-74739"/>
-            <a:lumOff val="39874"/>
-            <a:alphaOff val="0"/>
-          </a:schemeClr>
-        </a:solidFill>
-        <a:ln w="12700" cap="flat" cmpd="sng" algn="ctr">
-          <a:solidFill>
-            <a:schemeClr val="lt1">
-              <a:hueOff val="0"/>
-              <a:satOff val="0"/>
-              <a:lumOff val="0"/>
-              <a:alphaOff val="0"/>
-            </a:schemeClr>
-          </a:solidFill>
-          <a:prstDash val="solid"/>
-          <a:miter lim="800000"/>
-        </a:ln>
-        <a:effectLst/>
-      </dsp:spPr>
-      <dsp:style>
-        <a:lnRef idx="2">
-          <a:scrgbClr r="0" g="0" b="0"/>
-        </a:lnRef>
-        <a:fillRef idx="1">
-          <a:scrgbClr r="0" g="0" b="0"/>
-        </a:fillRef>
-        <a:effectRef idx="0">
-          <a:scrgbClr r="0" g="0" b="0"/>
-        </a:effectRef>
-        <a:fontRef idx="minor">
-          <a:schemeClr val="lt1"/>
-        </a:fontRef>
-      </dsp:style>
-      <dsp:txBody>
-        <a:bodyPr spcFirstLastPara="0" vert="horz" wrap="square" lIns="68580" tIns="68580" rIns="68580" bIns="68580" numCol="1" spcCol="1270" anchor="ctr" anchorCtr="0">
-          <a:noAutofit/>
-        </a:bodyPr>
-        <a:lstStyle/>
-        <a:p>
-          <a:pPr marL="0" lvl="0" indent="0" algn="l" defTabSz="800100">
-            <a:lnSpc>
-              <a:spcPct val="90000"/>
-            </a:lnSpc>
-            <a:spcBef>
-              <a:spcPct val="0"/>
-            </a:spcBef>
-            <a:spcAft>
-              <a:spcPct val="35000"/>
-            </a:spcAft>
-            <a:buNone/>
-          </a:pPr>
-          <a:r>
-            <a:rPr lang="en-AU" sz="1800" kern="1200" dirty="0"/>
-            <a:t>10. Australia</a:t>
-          </a:r>
-        </a:p>
-      </dsp:txBody>
-      <dsp:txXfrm>
-        <a:off x="21075" y="4417099"/>
-        <a:ext cx="1947639" cy="389580"/>
       </dsp:txXfrm>
     </dsp:sp>
   </dsp:spTree>
@@ -13623,173 +10402,6 @@
 </dgm:layoutDef>
 </file>
 
-<file path=ppt/diagrams/layout4.xml><?xml version="1.0" encoding="utf-8"?>
-<dgm:layoutDef xmlns:dgm="http://schemas.openxmlformats.org/drawingml/2006/diagram" xmlns:a="http://schemas.openxmlformats.org/drawingml/2006/main" uniqueId="urn:microsoft.com/office/officeart/2005/8/layout/vList2">
-  <dgm:title val=""/>
-  <dgm:desc val=""/>
-  <dgm:catLst>
-    <dgm:cat type="list" pri="3000"/>
-    <dgm:cat type="convert" pri="1000"/>
-  </dgm:catLst>
-  <dgm:sampData>
-    <dgm:dataModel>
-      <dgm:ptLst>
-        <dgm:pt modelId="0" type="doc"/>
-        <dgm:pt modelId="1">
-          <dgm:prSet phldr="1"/>
-        </dgm:pt>
-        <dgm:pt modelId="11">
-          <dgm:prSet phldr="1"/>
-        </dgm:pt>
-        <dgm:pt modelId="2">
-          <dgm:prSet phldr="1"/>
-        </dgm:pt>
-        <dgm:pt modelId="21">
-          <dgm:prSet phldr="1"/>
-        </dgm:pt>
-      </dgm:ptLst>
-      <dgm:cxnLst>
-        <dgm:cxn modelId="4" srcId="0" destId="1" srcOrd="0" destOrd="0"/>
-        <dgm:cxn modelId="5" srcId="0" destId="2" srcOrd="1" destOrd="0"/>
-        <dgm:cxn modelId="12" srcId="1" destId="11" srcOrd="0" destOrd="0"/>
-        <dgm:cxn modelId="23" srcId="2" destId="21" srcOrd="0" destOrd="0"/>
-      </dgm:cxnLst>
-      <dgm:bg/>
-      <dgm:whole/>
-    </dgm:dataModel>
-  </dgm:sampData>
-  <dgm:styleData>
-    <dgm:dataModel>
-      <dgm:ptLst>
-        <dgm:pt modelId="0" type="doc"/>
-        <dgm:pt modelId="1"/>
-        <dgm:pt modelId="2"/>
-      </dgm:ptLst>
-      <dgm:cxnLst>
-        <dgm:cxn modelId="3" srcId="0" destId="1" srcOrd="0" destOrd="0"/>
-        <dgm:cxn modelId="4" srcId="0" destId="2" srcOrd="1" destOrd="0"/>
-      </dgm:cxnLst>
-      <dgm:bg/>
-      <dgm:whole/>
-    </dgm:dataModel>
-  </dgm:styleData>
-  <dgm:clrData>
-    <dgm:dataModel>
-      <dgm:ptLst>
-        <dgm:pt modelId="0" type="doc"/>
-        <dgm:pt modelId="1"/>
-        <dgm:pt modelId="2"/>
-        <dgm:pt modelId="3"/>
-        <dgm:pt modelId="4"/>
-      </dgm:ptLst>
-      <dgm:cxnLst>
-        <dgm:cxn modelId="5" srcId="0" destId="1" srcOrd="0" destOrd="0"/>
-        <dgm:cxn modelId="6" srcId="0" destId="2" srcOrd="1" destOrd="0"/>
-        <dgm:cxn modelId="7" srcId="0" destId="3" srcOrd="2" destOrd="0"/>
-        <dgm:cxn modelId="8" srcId="0" destId="4" srcOrd="3" destOrd="0"/>
-      </dgm:cxnLst>
-      <dgm:bg/>
-      <dgm:whole/>
-    </dgm:dataModel>
-  </dgm:clrData>
-  <dgm:layoutNode name="linear">
-    <dgm:varLst>
-      <dgm:animLvl val="lvl"/>
-      <dgm:resizeHandles val="exact"/>
-    </dgm:varLst>
-    <dgm:alg type="lin">
-      <dgm:param type="linDir" val="fromT"/>
-      <dgm:param type="vertAlign" val="mid"/>
-    </dgm:alg>
-    <dgm:shape xmlns:r="http://schemas.openxmlformats.org/officeDocument/2006/relationships" r:blip="">
-      <dgm:adjLst/>
-    </dgm:shape>
-    <dgm:presOf/>
-    <dgm:constrLst>
-      <dgm:constr type="w" for="ch" forName="parentText" refType="w"/>
-      <dgm:constr type="h" for="ch" forName="parentText" refType="primFontSz" refFor="ch" refForName="parentText" fact="0.52"/>
-      <dgm:constr type="w" for="ch" forName="childText" refType="w"/>
-      <dgm:constr type="h" for="ch" forName="childText" refType="primFontSz" refFor="ch" refForName="parentText" fact="0.46"/>
-      <dgm:constr type="h" for="ch" forName="parentText" op="equ"/>
-      <dgm:constr type="primFontSz" for="ch" forName="parentText" op="equ" val="65"/>
-      <dgm:constr type="primFontSz" for="ch" forName="childText" refType="primFontSz" refFor="ch" refForName="parentText" op="equ"/>
-      <dgm:constr type="h" for="ch" forName="spacer" refType="primFontSz" refFor="ch" refForName="parentText" fact="0.08"/>
-    </dgm:constrLst>
-    <dgm:ruleLst>
-      <dgm:rule type="primFontSz" for="ch" forName="parentText" val="5" fact="NaN" max="NaN"/>
-    </dgm:ruleLst>
-    <dgm:forEach name="Name0" axis="ch" ptType="node">
-      <dgm:layoutNode name="parentText" styleLbl="node1">
-        <dgm:varLst>
-          <dgm:chMax val="0"/>
-          <dgm:bulletEnabled val="1"/>
-        </dgm:varLst>
-        <dgm:alg type="tx">
-          <dgm:param type="parTxLTRAlign" val="l"/>
-          <dgm:param type="parTxRTLAlign" val="r"/>
-        </dgm:alg>
-        <dgm:shape xmlns:r="http://schemas.openxmlformats.org/officeDocument/2006/relationships" type="roundRect" r:blip="">
-          <dgm:adjLst/>
-        </dgm:shape>
-        <dgm:presOf axis="self"/>
-        <dgm:constrLst>
-          <dgm:constr type="tMarg" refType="primFontSz" fact="0.3"/>
-          <dgm:constr type="bMarg" refType="primFontSz" fact="0.3"/>
-          <dgm:constr type="lMarg" refType="primFontSz" fact="0.3"/>
-          <dgm:constr type="rMarg" refType="primFontSz" fact="0.3"/>
-        </dgm:constrLst>
-        <dgm:ruleLst>
-          <dgm:rule type="h" val="INF" fact="NaN" max="NaN"/>
-        </dgm:ruleLst>
-      </dgm:layoutNode>
-      <dgm:choose name="Name1">
-        <dgm:if name="Name2" axis="ch" ptType="node" func="cnt" op="gte" val="1">
-          <dgm:layoutNode name="childText" styleLbl="revTx">
-            <dgm:varLst>
-              <dgm:bulletEnabled val="1"/>
-            </dgm:varLst>
-            <dgm:alg type="tx">
-              <dgm:param type="stBulletLvl" val="1"/>
-              <dgm:param type="lnSpAfChP" val="20"/>
-            </dgm:alg>
-            <dgm:shape xmlns:r="http://schemas.openxmlformats.org/officeDocument/2006/relationships" type="rect" r:blip="">
-              <dgm:adjLst/>
-            </dgm:shape>
-            <dgm:presOf axis="des" ptType="node"/>
-            <dgm:constrLst>
-              <dgm:constr type="tMarg" refType="primFontSz" fact="0.1"/>
-              <dgm:constr type="bMarg" refType="primFontSz" fact="0.1"/>
-              <dgm:constr type="lMarg" refType="w" fact="0.09"/>
-            </dgm:constrLst>
-            <dgm:ruleLst>
-              <dgm:rule type="h" val="INF" fact="NaN" max="NaN"/>
-            </dgm:ruleLst>
-          </dgm:layoutNode>
-        </dgm:if>
-        <dgm:else name="Name3">
-          <dgm:choose name="Name4">
-            <dgm:if name="Name5" axis="par ch" ptType="doc node" func="cnt" op="gte" val="2">
-              <dgm:forEach name="Name6" axis="followSib" ptType="sibTrans" cnt="1">
-                <dgm:layoutNode name="spacer">
-                  <dgm:alg type="sp"/>
-                  <dgm:shape xmlns:r="http://schemas.openxmlformats.org/officeDocument/2006/relationships" r:blip="">
-                    <dgm:adjLst/>
-                  </dgm:shape>
-                  <dgm:presOf/>
-                  <dgm:constrLst/>
-                  <dgm:ruleLst/>
-                </dgm:layoutNode>
-              </dgm:forEach>
-            </dgm:if>
-            <dgm:else name="Name7"/>
-          </dgm:choose>
-        </dgm:else>
-      </dgm:choose>
-    </dgm:forEach>
-  </dgm:layoutNode>
-</dgm:layoutDef>
-</file>
-
 <file path=ppt/diagrams/quickStyle1.xml><?xml version="1.0" encoding="utf-8"?>
 <dgm:styleDef xmlns:dgm="http://schemas.openxmlformats.org/drawingml/2006/diagram" xmlns:a="http://schemas.openxmlformats.org/drawingml/2006/main" uniqueId="urn:microsoft.com/office/officeart/2005/8/quickstyle/simple1">
   <dgm:title val=""/>
@@ -15859,1040 +12471,6 @@
 </file>
 
 <file path=ppt/diagrams/quickStyle3.xml><?xml version="1.0" encoding="utf-8"?>
-<dgm:styleDef xmlns:dgm="http://schemas.openxmlformats.org/drawingml/2006/diagram" xmlns:a="http://schemas.openxmlformats.org/drawingml/2006/main" uniqueId="urn:microsoft.com/office/officeart/2005/8/quickstyle/simple1">
-  <dgm:title val=""/>
-  <dgm:desc val=""/>
-  <dgm:catLst>
-    <dgm:cat type="simple" pri="10100"/>
-  </dgm:catLst>
-  <dgm:scene3d>
-    <a:camera prst="orthographicFront"/>
-    <a:lightRig rig="threePt" dir="t"/>
-  </dgm:scene3d>
-  <dgm:styleLbl name="node0">
-    <dgm:scene3d>
-      <a:camera prst="orthographicFront"/>
-      <a:lightRig rig="threePt" dir="t"/>
-    </dgm:scene3d>
-    <dgm:sp3d/>
-    <dgm:txPr/>
-    <dgm:style>
-      <a:lnRef idx="2">
-        <a:scrgbClr r="0" g="0" b="0"/>
-      </a:lnRef>
-      <a:fillRef idx="1">
-        <a:scrgbClr r="0" g="0" b="0"/>
-      </a:fillRef>
-      <a:effectRef idx="0">
-        <a:scrgbClr r="0" g="0" b="0"/>
-      </a:effectRef>
-      <a:fontRef idx="minor">
-        <a:schemeClr val="lt1"/>
-      </a:fontRef>
-    </dgm:style>
-  </dgm:styleLbl>
-  <dgm:styleLbl name="lnNode1">
-    <dgm:scene3d>
-      <a:camera prst="orthographicFront"/>
-      <a:lightRig rig="threePt" dir="t"/>
-    </dgm:scene3d>
-    <dgm:sp3d/>
-    <dgm:txPr/>
-    <dgm:style>
-      <a:lnRef idx="2">
-        <a:scrgbClr r="0" g="0" b="0"/>
-      </a:lnRef>
-      <a:fillRef idx="1">
-        <a:scrgbClr r="0" g="0" b="0"/>
-      </a:fillRef>
-      <a:effectRef idx="0">
-        <a:scrgbClr r="0" g="0" b="0"/>
-      </a:effectRef>
-      <a:fontRef idx="minor">
-        <a:schemeClr val="lt1"/>
-      </a:fontRef>
-    </dgm:style>
-  </dgm:styleLbl>
-  <dgm:styleLbl name="vennNode1">
-    <dgm:scene3d>
-      <a:camera prst="orthographicFront"/>
-      <a:lightRig rig="threePt" dir="t"/>
-    </dgm:scene3d>
-    <dgm:sp3d/>
-    <dgm:txPr/>
-    <dgm:style>
-      <a:lnRef idx="2">
-        <a:scrgbClr r="0" g="0" b="0"/>
-      </a:lnRef>
-      <a:fillRef idx="1">
-        <a:scrgbClr r="0" g="0" b="0"/>
-      </a:fillRef>
-      <a:effectRef idx="0">
-        <a:scrgbClr r="0" g="0" b="0"/>
-      </a:effectRef>
-      <a:fontRef idx="minor">
-        <a:schemeClr val="tx1"/>
-      </a:fontRef>
-    </dgm:style>
-  </dgm:styleLbl>
-  <dgm:styleLbl name="alignNode1">
-    <dgm:scene3d>
-      <a:camera prst="orthographicFront"/>
-      <a:lightRig rig="threePt" dir="t"/>
-    </dgm:scene3d>
-    <dgm:sp3d/>
-    <dgm:txPr/>
-    <dgm:style>
-      <a:lnRef idx="2">
-        <a:scrgbClr r="0" g="0" b="0"/>
-      </a:lnRef>
-      <a:fillRef idx="1">
-        <a:scrgbClr r="0" g="0" b="0"/>
-      </a:fillRef>
-      <a:effectRef idx="0">
-        <a:scrgbClr r="0" g="0" b="0"/>
-      </a:effectRef>
-      <a:fontRef idx="minor">
-        <a:schemeClr val="lt1"/>
-      </a:fontRef>
-    </dgm:style>
-  </dgm:styleLbl>
-  <dgm:styleLbl name="node1">
-    <dgm:scene3d>
-      <a:camera prst="orthographicFront"/>
-      <a:lightRig rig="threePt" dir="t"/>
-    </dgm:scene3d>
-    <dgm:sp3d/>
-    <dgm:txPr/>
-    <dgm:style>
-      <a:lnRef idx="2">
-        <a:scrgbClr r="0" g="0" b="0"/>
-      </a:lnRef>
-      <a:fillRef idx="1">
-        <a:scrgbClr r="0" g="0" b="0"/>
-      </a:fillRef>
-      <a:effectRef idx="0">
-        <a:scrgbClr r="0" g="0" b="0"/>
-      </a:effectRef>
-      <a:fontRef idx="minor">
-        <a:schemeClr val="lt1"/>
-      </a:fontRef>
-    </dgm:style>
-  </dgm:styleLbl>
-  <dgm:styleLbl name="node2">
-    <dgm:scene3d>
-      <a:camera prst="orthographicFront"/>
-      <a:lightRig rig="threePt" dir="t"/>
-    </dgm:scene3d>
-    <dgm:sp3d/>
-    <dgm:txPr/>
-    <dgm:style>
-      <a:lnRef idx="2">
-        <a:scrgbClr r="0" g="0" b="0"/>
-      </a:lnRef>
-      <a:fillRef idx="1">
-        <a:scrgbClr r="0" g="0" b="0"/>
-      </a:fillRef>
-      <a:effectRef idx="0">
-        <a:scrgbClr r="0" g="0" b="0"/>
-      </a:effectRef>
-      <a:fontRef idx="minor">
-        <a:schemeClr val="lt1"/>
-      </a:fontRef>
-    </dgm:style>
-  </dgm:styleLbl>
-  <dgm:styleLbl name="node3">
-    <dgm:scene3d>
-      <a:camera prst="orthographicFront"/>
-      <a:lightRig rig="threePt" dir="t"/>
-    </dgm:scene3d>
-    <dgm:sp3d/>
-    <dgm:txPr/>
-    <dgm:style>
-      <a:lnRef idx="2">
-        <a:scrgbClr r="0" g="0" b="0"/>
-      </a:lnRef>
-      <a:fillRef idx="1">
-        <a:scrgbClr r="0" g="0" b="0"/>
-      </a:fillRef>
-      <a:effectRef idx="0">
-        <a:scrgbClr r="0" g="0" b="0"/>
-      </a:effectRef>
-      <a:fontRef idx="minor">
-        <a:schemeClr val="lt1"/>
-      </a:fontRef>
-    </dgm:style>
-  </dgm:styleLbl>
-  <dgm:styleLbl name="node4">
-    <dgm:scene3d>
-      <a:camera prst="orthographicFront"/>
-      <a:lightRig rig="threePt" dir="t"/>
-    </dgm:scene3d>
-    <dgm:sp3d/>
-    <dgm:txPr/>
-    <dgm:style>
-      <a:lnRef idx="2">
-        <a:scrgbClr r="0" g="0" b="0"/>
-      </a:lnRef>
-      <a:fillRef idx="1">
-        <a:scrgbClr r="0" g="0" b="0"/>
-      </a:fillRef>
-      <a:effectRef idx="0">
-        <a:scrgbClr r="0" g="0" b="0"/>
-      </a:effectRef>
-      <a:fontRef idx="minor">
-        <a:schemeClr val="lt1"/>
-      </a:fontRef>
-    </dgm:style>
-  </dgm:styleLbl>
-  <dgm:styleLbl name="fgImgPlace1">
-    <dgm:scene3d>
-      <a:camera prst="orthographicFront"/>
-      <a:lightRig rig="threePt" dir="t"/>
-    </dgm:scene3d>
-    <dgm:sp3d/>
-    <dgm:txPr/>
-    <dgm:style>
-      <a:lnRef idx="2">
-        <a:scrgbClr r="0" g="0" b="0"/>
-      </a:lnRef>
-      <a:fillRef idx="1">
-        <a:scrgbClr r="0" g="0" b="0"/>
-      </a:fillRef>
-      <a:effectRef idx="0">
-        <a:scrgbClr r="0" g="0" b="0"/>
-      </a:effectRef>
-      <a:fontRef idx="minor"/>
-    </dgm:style>
-  </dgm:styleLbl>
-  <dgm:styleLbl name="alignImgPlace1">
-    <dgm:scene3d>
-      <a:camera prst="orthographicFront"/>
-      <a:lightRig rig="threePt" dir="t"/>
-    </dgm:scene3d>
-    <dgm:sp3d/>
-    <dgm:txPr/>
-    <dgm:style>
-      <a:lnRef idx="2">
-        <a:scrgbClr r="0" g="0" b="0"/>
-      </a:lnRef>
-      <a:fillRef idx="1">
-        <a:scrgbClr r="0" g="0" b="0"/>
-      </a:fillRef>
-      <a:effectRef idx="0">
-        <a:scrgbClr r="0" g="0" b="0"/>
-      </a:effectRef>
-      <a:fontRef idx="minor"/>
-    </dgm:style>
-  </dgm:styleLbl>
-  <dgm:styleLbl name="bgImgPlace1">
-    <dgm:scene3d>
-      <a:camera prst="orthographicFront"/>
-      <a:lightRig rig="threePt" dir="t"/>
-    </dgm:scene3d>
-    <dgm:sp3d/>
-    <dgm:txPr/>
-    <dgm:style>
-      <a:lnRef idx="2">
-        <a:scrgbClr r="0" g="0" b="0"/>
-      </a:lnRef>
-      <a:fillRef idx="1">
-        <a:scrgbClr r="0" g="0" b="0"/>
-      </a:fillRef>
-      <a:effectRef idx="0">
-        <a:scrgbClr r="0" g="0" b="0"/>
-      </a:effectRef>
-      <a:fontRef idx="minor"/>
-    </dgm:style>
-  </dgm:styleLbl>
-  <dgm:styleLbl name="sibTrans2D1">
-    <dgm:scene3d>
-      <a:camera prst="orthographicFront"/>
-      <a:lightRig rig="threePt" dir="t"/>
-    </dgm:scene3d>
-    <dgm:sp3d/>
-    <dgm:txPr/>
-    <dgm:style>
-      <a:lnRef idx="0">
-        <a:scrgbClr r="0" g="0" b="0"/>
-      </a:lnRef>
-      <a:fillRef idx="1">
-        <a:scrgbClr r="0" g="0" b="0"/>
-      </a:fillRef>
-      <a:effectRef idx="0">
-        <a:scrgbClr r="0" g="0" b="0"/>
-      </a:effectRef>
-      <a:fontRef idx="minor">
-        <a:schemeClr val="lt1"/>
-      </a:fontRef>
-    </dgm:style>
-  </dgm:styleLbl>
-  <dgm:styleLbl name="fgSibTrans2D1">
-    <dgm:scene3d>
-      <a:camera prst="orthographicFront"/>
-      <a:lightRig rig="threePt" dir="t"/>
-    </dgm:scene3d>
-    <dgm:sp3d/>
-    <dgm:txPr/>
-    <dgm:style>
-      <a:lnRef idx="0">
-        <a:scrgbClr r="0" g="0" b="0"/>
-      </a:lnRef>
-      <a:fillRef idx="1">
-        <a:scrgbClr r="0" g="0" b="0"/>
-      </a:fillRef>
-      <a:effectRef idx="0">
-        <a:scrgbClr r="0" g="0" b="0"/>
-      </a:effectRef>
-      <a:fontRef idx="minor">
-        <a:schemeClr val="lt1"/>
-      </a:fontRef>
-    </dgm:style>
-  </dgm:styleLbl>
-  <dgm:styleLbl name="bgSibTrans2D1">
-    <dgm:scene3d>
-      <a:camera prst="orthographicFront"/>
-      <a:lightRig rig="threePt" dir="t"/>
-    </dgm:scene3d>
-    <dgm:sp3d/>
-    <dgm:txPr/>
-    <dgm:style>
-      <a:lnRef idx="0">
-        <a:scrgbClr r="0" g="0" b="0"/>
-      </a:lnRef>
-      <a:fillRef idx="1">
-        <a:scrgbClr r="0" g="0" b="0"/>
-      </a:fillRef>
-      <a:effectRef idx="0">
-        <a:scrgbClr r="0" g="0" b="0"/>
-      </a:effectRef>
-      <a:fontRef idx="minor">
-        <a:schemeClr val="lt1"/>
-      </a:fontRef>
-    </dgm:style>
-  </dgm:styleLbl>
-  <dgm:styleLbl name="sibTrans1D1">
-    <dgm:scene3d>
-      <a:camera prst="orthographicFront"/>
-      <a:lightRig rig="threePt" dir="t"/>
-    </dgm:scene3d>
-    <dgm:sp3d/>
-    <dgm:txPr/>
-    <dgm:style>
-      <a:lnRef idx="1">
-        <a:scrgbClr r="0" g="0" b="0"/>
-      </a:lnRef>
-      <a:fillRef idx="0">
-        <a:scrgbClr r="0" g="0" b="0"/>
-      </a:fillRef>
-      <a:effectRef idx="0">
-        <a:scrgbClr r="0" g="0" b="0"/>
-      </a:effectRef>
-      <a:fontRef idx="minor"/>
-    </dgm:style>
-  </dgm:styleLbl>
-  <dgm:styleLbl name="callout">
-    <dgm:scene3d>
-      <a:camera prst="orthographicFront"/>
-      <a:lightRig rig="threePt" dir="t"/>
-    </dgm:scene3d>
-    <dgm:sp3d/>
-    <dgm:txPr/>
-    <dgm:style>
-      <a:lnRef idx="2">
-        <a:scrgbClr r="0" g="0" b="0"/>
-      </a:lnRef>
-      <a:fillRef idx="1">
-        <a:scrgbClr r="0" g="0" b="0"/>
-      </a:fillRef>
-      <a:effectRef idx="0">
-        <a:scrgbClr r="0" g="0" b="0"/>
-      </a:effectRef>
-      <a:fontRef idx="minor"/>
-    </dgm:style>
-  </dgm:styleLbl>
-  <dgm:styleLbl name="asst0">
-    <dgm:scene3d>
-      <a:camera prst="orthographicFront"/>
-      <a:lightRig rig="threePt" dir="t"/>
-    </dgm:scene3d>
-    <dgm:sp3d/>
-    <dgm:txPr/>
-    <dgm:style>
-      <a:lnRef idx="2">
-        <a:scrgbClr r="0" g="0" b="0"/>
-      </a:lnRef>
-      <a:fillRef idx="1">
-        <a:scrgbClr r="0" g="0" b="0"/>
-      </a:fillRef>
-      <a:effectRef idx="0">
-        <a:scrgbClr r="0" g="0" b="0"/>
-      </a:effectRef>
-      <a:fontRef idx="minor">
-        <a:schemeClr val="lt1"/>
-      </a:fontRef>
-    </dgm:style>
-  </dgm:styleLbl>
-  <dgm:styleLbl name="asst1">
-    <dgm:scene3d>
-      <a:camera prst="orthographicFront"/>
-      <a:lightRig rig="threePt" dir="t"/>
-    </dgm:scene3d>
-    <dgm:sp3d/>
-    <dgm:txPr/>
-    <dgm:style>
-      <a:lnRef idx="2">
-        <a:scrgbClr r="0" g="0" b="0"/>
-      </a:lnRef>
-      <a:fillRef idx="1">
-        <a:scrgbClr r="0" g="0" b="0"/>
-      </a:fillRef>
-      <a:effectRef idx="0">
-        <a:scrgbClr r="0" g="0" b="0"/>
-      </a:effectRef>
-      <a:fontRef idx="minor">
-        <a:schemeClr val="lt1"/>
-      </a:fontRef>
-    </dgm:style>
-  </dgm:styleLbl>
-  <dgm:styleLbl name="asst2">
-    <dgm:scene3d>
-      <a:camera prst="orthographicFront"/>
-      <a:lightRig rig="threePt" dir="t"/>
-    </dgm:scene3d>
-    <dgm:sp3d/>
-    <dgm:txPr/>
-    <dgm:style>
-      <a:lnRef idx="2">
-        <a:scrgbClr r="0" g="0" b="0"/>
-      </a:lnRef>
-      <a:fillRef idx="1">
-        <a:scrgbClr r="0" g="0" b="0"/>
-      </a:fillRef>
-      <a:effectRef idx="0">
-        <a:scrgbClr r="0" g="0" b="0"/>
-      </a:effectRef>
-      <a:fontRef idx="minor">
-        <a:schemeClr val="lt1"/>
-      </a:fontRef>
-    </dgm:style>
-  </dgm:styleLbl>
-  <dgm:styleLbl name="asst3">
-    <dgm:scene3d>
-      <a:camera prst="orthographicFront"/>
-      <a:lightRig rig="threePt" dir="t"/>
-    </dgm:scene3d>
-    <dgm:sp3d/>
-    <dgm:txPr/>
-    <dgm:style>
-      <a:lnRef idx="2">
-        <a:scrgbClr r="0" g="0" b="0"/>
-      </a:lnRef>
-      <a:fillRef idx="1">
-        <a:scrgbClr r="0" g="0" b="0"/>
-      </a:fillRef>
-      <a:effectRef idx="0">
-        <a:scrgbClr r="0" g="0" b="0"/>
-      </a:effectRef>
-      <a:fontRef idx="minor">
-        <a:schemeClr val="lt1"/>
-      </a:fontRef>
-    </dgm:style>
-  </dgm:styleLbl>
-  <dgm:styleLbl name="asst4">
-    <dgm:scene3d>
-      <a:camera prst="orthographicFront"/>
-      <a:lightRig rig="threePt" dir="t"/>
-    </dgm:scene3d>
-    <dgm:sp3d/>
-    <dgm:txPr/>
-    <dgm:style>
-      <a:lnRef idx="2">
-        <a:scrgbClr r="0" g="0" b="0"/>
-      </a:lnRef>
-      <a:fillRef idx="1">
-        <a:scrgbClr r="0" g="0" b="0"/>
-      </a:fillRef>
-      <a:effectRef idx="0">
-        <a:scrgbClr r="0" g="0" b="0"/>
-      </a:effectRef>
-      <a:fontRef idx="minor">
-        <a:schemeClr val="lt1"/>
-      </a:fontRef>
-    </dgm:style>
-  </dgm:styleLbl>
-  <dgm:styleLbl name="parChTrans2D1">
-    <dgm:scene3d>
-      <a:camera prst="orthographicFront"/>
-      <a:lightRig rig="threePt" dir="t"/>
-    </dgm:scene3d>
-    <dgm:sp3d/>
-    <dgm:txPr/>
-    <dgm:style>
-      <a:lnRef idx="2">
-        <a:scrgbClr r="0" g="0" b="0"/>
-      </a:lnRef>
-      <a:fillRef idx="1">
-        <a:scrgbClr r="0" g="0" b="0"/>
-      </a:fillRef>
-      <a:effectRef idx="0">
-        <a:scrgbClr r="0" g="0" b="0"/>
-      </a:effectRef>
-      <a:fontRef idx="minor">
-        <a:schemeClr val="lt1"/>
-      </a:fontRef>
-    </dgm:style>
-  </dgm:styleLbl>
-  <dgm:styleLbl name="parChTrans2D2">
-    <dgm:scene3d>
-      <a:camera prst="orthographicFront"/>
-      <a:lightRig rig="threePt" dir="t"/>
-    </dgm:scene3d>
-    <dgm:sp3d/>
-    <dgm:txPr/>
-    <dgm:style>
-      <a:lnRef idx="2">
-        <a:scrgbClr r="0" g="0" b="0"/>
-      </a:lnRef>
-      <a:fillRef idx="1">
-        <a:scrgbClr r="0" g="0" b="0"/>
-      </a:fillRef>
-      <a:effectRef idx="0">
-        <a:scrgbClr r="0" g="0" b="0"/>
-      </a:effectRef>
-      <a:fontRef idx="minor">
-        <a:schemeClr val="lt1"/>
-      </a:fontRef>
-    </dgm:style>
-  </dgm:styleLbl>
-  <dgm:styleLbl name="parChTrans2D3">
-    <dgm:scene3d>
-      <a:camera prst="orthographicFront"/>
-      <a:lightRig rig="threePt" dir="t"/>
-    </dgm:scene3d>
-    <dgm:sp3d/>
-    <dgm:txPr/>
-    <dgm:style>
-      <a:lnRef idx="2">
-        <a:scrgbClr r="0" g="0" b="0"/>
-      </a:lnRef>
-      <a:fillRef idx="1">
-        <a:scrgbClr r="0" g="0" b="0"/>
-      </a:fillRef>
-      <a:effectRef idx="0">
-        <a:scrgbClr r="0" g="0" b="0"/>
-      </a:effectRef>
-      <a:fontRef idx="minor">
-        <a:schemeClr val="lt1"/>
-      </a:fontRef>
-    </dgm:style>
-  </dgm:styleLbl>
-  <dgm:styleLbl name="parChTrans2D4">
-    <dgm:scene3d>
-      <a:camera prst="orthographicFront"/>
-      <a:lightRig rig="threePt" dir="t"/>
-    </dgm:scene3d>
-    <dgm:sp3d/>
-    <dgm:txPr/>
-    <dgm:style>
-      <a:lnRef idx="2">
-        <a:scrgbClr r="0" g="0" b="0"/>
-      </a:lnRef>
-      <a:fillRef idx="1">
-        <a:scrgbClr r="0" g="0" b="0"/>
-      </a:fillRef>
-      <a:effectRef idx="0">
-        <a:scrgbClr r="0" g="0" b="0"/>
-      </a:effectRef>
-      <a:fontRef idx="minor">
-        <a:schemeClr val="lt1"/>
-      </a:fontRef>
-    </dgm:style>
-  </dgm:styleLbl>
-  <dgm:styleLbl name="parChTrans1D1">
-    <dgm:scene3d>
-      <a:camera prst="orthographicFront"/>
-      <a:lightRig rig="threePt" dir="t"/>
-    </dgm:scene3d>
-    <dgm:sp3d/>
-    <dgm:txPr/>
-    <dgm:style>
-      <a:lnRef idx="2">
-        <a:scrgbClr r="0" g="0" b="0"/>
-      </a:lnRef>
-      <a:fillRef idx="0">
-        <a:scrgbClr r="0" g="0" b="0"/>
-      </a:fillRef>
-      <a:effectRef idx="0">
-        <a:scrgbClr r="0" g="0" b="0"/>
-      </a:effectRef>
-      <a:fontRef idx="minor"/>
-    </dgm:style>
-  </dgm:styleLbl>
-  <dgm:styleLbl name="parChTrans1D2">
-    <dgm:scene3d>
-      <a:camera prst="orthographicFront"/>
-      <a:lightRig rig="threePt" dir="t"/>
-    </dgm:scene3d>
-    <dgm:sp3d/>
-    <dgm:txPr/>
-    <dgm:style>
-      <a:lnRef idx="2">
-        <a:scrgbClr r="0" g="0" b="0"/>
-      </a:lnRef>
-      <a:fillRef idx="0">
-        <a:scrgbClr r="0" g="0" b="0"/>
-      </a:fillRef>
-      <a:effectRef idx="0">
-        <a:scrgbClr r="0" g="0" b="0"/>
-      </a:effectRef>
-      <a:fontRef idx="minor"/>
-    </dgm:style>
-  </dgm:styleLbl>
-  <dgm:styleLbl name="parChTrans1D3">
-    <dgm:scene3d>
-      <a:camera prst="orthographicFront"/>
-      <a:lightRig rig="threePt" dir="t"/>
-    </dgm:scene3d>
-    <dgm:sp3d/>
-    <dgm:txPr/>
-    <dgm:style>
-      <a:lnRef idx="2">
-        <a:scrgbClr r="0" g="0" b="0"/>
-      </a:lnRef>
-      <a:fillRef idx="0">
-        <a:scrgbClr r="0" g="0" b="0"/>
-      </a:fillRef>
-      <a:effectRef idx="0">
-        <a:scrgbClr r="0" g="0" b="0"/>
-      </a:effectRef>
-      <a:fontRef idx="minor"/>
-    </dgm:style>
-  </dgm:styleLbl>
-  <dgm:styleLbl name="parChTrans1D4">
-    <dgm:scene3d>
-      <a:camera prst="orthographicFront"/>
-      <a:lightRig rig="threePt" dir="t"/>
-    </dgm:scene3d>
-    <dgm:sp3d/>
-    <dgm:txPr/>
-    <dgm:style>
-      <a:lnRef idx="2">
-        <a:scrgbClr r="0" g="0" b="0"/>
-      </a:lnRef>
-      <a:fillRef idx="0">
-        <a:scrgbClr r="0" g="0" b="0"/>
-      </a:fillRef>
-      <a:effectRef idx="0">
-        <a:scrgbClr r="0" g="0" b="0"/>
-      </a:effectRef>
-      <a:fontRef idx="minor"/>
-    </dgm:style>
-  </dgm:styleLbl>
-  <dgm:styleLbl name="fgAcc1">
-    <dgm:scene3d>
-      <a:camera prst="orthographicFront"/>
-      <a:lightRig rig="threePt" dir="t"/>
-    </dgm:scene3d>
-    <dgm:sp3d/>
-    <dgm:txPr/>
-    <dgm:style>
-      <a:lnRef idx="2">
-        <a:scrgbClr r="0" g="0" b="0"/>
-      </a:lnRef>
-      <a:fillRef idx="1">
-        <a:scrgbClr r="0" g="0" b="0"/>
-      </a:fillRef>
-      <a:effectRef idx="0">
-        <a:scrgbClr r="0" g="0" b="0"/>
-      </a:effectRef>
-      <a:fontRef idx="minor"/>
-    </dgm:style>
-  </dgm:styleLbl>
-  <dgm:styleLbl name="conFgAcc1">
-    <dgm:scene3d>
-      <a:camera prst="orthographicFront"/>
-      <a:lightRig rig="threePt" dir="t"/>
-    </dgm:scene3d>
-    <dgm:sp3d/>
-    <dgm:txPr/>
-    <dgm:style>
-      <a:lnRef idx="2">
-        <a:scrgbClr r="0" g="0" b="0"/>
-      </a:lnRef>
-      <a:fillRef idx="1">
-        <a:scrgbClr r="0" g="0" b="0"/>
-      </a:fillRef>
-      <a:effectRef idx="0">
-        <a:scrgbClr r="0" g="0" b="0"/>
-      </a:effectRef>
-      <a:fontRef idx="minor"/>
-    </dgm:style>
-  </dgm:styleLbl>
-  <dgm:styleLbl name="alignAcc1">
-    <dgm:scene3d>
-      <a:camera prst="orthographicFront"/>
-      <a:lightRig rig="threePt" dir="t"/>
-    </dgm:scene3d>
-    <dgm:sp3d/>
-    <dgm:txPr/>
-    <dgm:style>
-      <a:lnRef idx="2">
-        <a:scrgbClr r="0" g="0" b="0"/>
-      </a:lnRef>
-      <a:fillRef idx="1">
-        <a:scrgbClr r="0" g="0" b="0"/>
-      </a:fillRef>
-      <a:effectRef idx="0">
-        <a:scrgbClr r="0" g="0" b="0"/>
-      </a:effectRef>
-      <a:fontRef idx="minor"/>
-    </dgm:style>
-  </dgm:styleLbl>
-  <dgm:styleLbl name="trAlignAcc1">
-    <dgm:scene3d>
-      <a:camera prst="orthographicFront"/>
-      <a:lightRig rig="threePt" dir="t"/>
-    </dgm:scene3d>
-    <dgm:sp3d/>
-    <dgm:txPr/>
-    <dgm:style>
-      <a:lnRef idx="1">
-        <a:scrgbClr r="0" g="0" b="0"/>
-      </a:lnRef>
-      <a:fillRef idx="1">
-        <a:scrgbClr r="0" g="0" b="0"/>
-      </a:fillRef>
-      <a:effectRef idx="0">
-        <a:scrgbClr r="0" g="0" b="0"/>
-      </a:effectRef>
-      <a:fontRef idx="minor"/>
-    </dgm:style>
-  </dgm:styleLbl>
-  <dgm:styleLbl name="bgAcc1">
-    <dgm:scene3d>
-      <a:camera prst="orthographicFront"/>
-      <a:lightRig rig="threePt" dir="t"/>
-    </dgm:scene3d>
-    <dgm:sp3d/>
-    <dgm:txPr/>
-    <dgm:style>
-      <a:lnRef idx="2">
-        <a:scrgbClr r="0" g="0" b="0"/>
-      </a:lnRef>
-      <a:fillRef idx="1">
-        <a:scrgbClr r="0" g="0" b="0"/>
-      </a:fillRef>
-      <a:effectRef idx="0">
-        <a:scrgbClr r="0" g="0" b="0"/>
-      </a:effectRef>
-      <a:fontRef idx="minor"/>
-    </dgm:style>
-  </dgm:styleLbl>
-  <dgm:styleLbl name="solidFgAcc1">
-    <dgm:scene3d>
-      <a:camera prst="orthographicFront"/>
-      <a:lightRig rig="threePt" dir="t"/>
-    </dgm:scene3d>
-    <dgm:sp3d/>
-    <dgm:txPr/>
-    <dgm:style>
-      <a:lnRef idx="2">
-        <a:scrgbClr r="0" g="0" b="0"/>
-      </a:lnRef>
-      <a:fillRef idx="1">
-        <a:scrgbClr r="0" g="0" b="0"/>
-      </a:fillRef>
-      <a:effectRef idx="0">
-        <a:scrgbClr r="0" g="0" b="0"/>
-      </a:effectRef>
-      <a:fontRef idx="minor"/>
-    </dgm:style>
-  </dgm:styleLbl>
-  <dgm:styleLbl name="solidAlignAcc1">
-    <dgm:scene3d>
-      <a:camera prst="orthographicFront"/>
-      <a:lightRig rig="threePt" dir="t"/>
-    </dgm:scene3d>
-    <dgm:sp3d/>
-    <dgm:txPr/>
-    <dgm:style>
-      <a:lnRef idx="2">
-        <a:scrgbClr r="0" g="0" b="0"/>
-      </a:lnRef>
-      <a:fillRef idx="1">
-        <a:scrgbClr r="0" g="0" b="0"/>
-      </a:fillRef>
-      <a:effectRef idx="0">
-        <a:scrgbClr r="0" g="0" b="0"/>
-      </a:effectRef>
-      <a:fontRef idx="minor"/>
-    </dgm:style>
-  </dgm:styleLbl>
-  <dgm:styleLbl name="solidBgAcc1">
-    <dgm:scene3d>
-      <a:camera prst="orthographicFront"/>
-      <a:lightRig rig="threePt" dir="t"/>
-    </dgm:scene3d>
-    <dgm:sp3d/>
-    <dgm:txPr/>
-    <dgm:style>
-      <a:lnRef idx="2">
-        <a:scrgbClr r="0" g="0" b="0"/>
-      </a:lnRef>
-      <a:fillRef idx="1">
-        <a:scrgbClr r="0" g="0" b="0"/>
-      </a:fillRef>
-      <a:effectRef idx="0">
-        <a:scrgbClr r="0" g="0" b="0"/>
-      </a:effectRef>
-      <a:fontRef idx="minor"/>
-    </dgm:style>
-  </dgm:styleLbl>
-  <dgm:styleLbl name="fgAccFollowNode1">
-    <dgm:scene3d>
-      <a:camera prst="orthographicFront"/>
-      <a:lightRig rig="threePt" dir="t"/>
-    </dgm:scene3d>
-    <dgm:sp3d/>
-    <dgm:txPr/>
-    <dgm:style>
-      <a:lnRef idx="2">
-        <a:scrgbClr r="0" g="0" b="0"/>
-      </a:lnRef>
-      <a:fillRef idx="1">
-        <a:scrgbClr r="0" g="0" b="0"/>
-      </a:fillRef>
-      <a:effectRef idx="0">
-        <a:scrgbClr r="0" g="0" b="0"/>
-      </a:effectRef>
-      <a:fontRef idx="minor"/>
-    </dgm:style>
-  </dgm:styleLbl>
-  <dgm:styleLbl name="alignAccFollowNode1">
-    <dgm:scene3d>
-      <a:camera prst="orthographicFront"/>
-      <a:lightRig rig="threePt" dir="t"/>
-    </dgm:scene3d>
-    <dgm:sp3d/>
-    <dgm:txPr/>
-    <dgm:style>
-      <a:lnRef idx="2">
-        <a:scrgbClr r="0" g="0" b="0"/>
-      </a:lnRef>
-      <a:fillRef idx="1">
-        <a:scrgbClr r="0" g="0" b="0"/>
-      </a:fillRef>
-      <a:effectRef idx="0">
-        <a:scrgbClr r="0" g="0" b="0"/>
-      </a:effectRef>
-      <a:fontRef idx="minor"/>
-    </dgm:style>
-  </dgm:styleLbl>
-  <dgm:styleLbl name="bgAccFollowNode1">
-    <dgm:scene3d>
-      <a:camera prst="orthographicFront"/>
-      <a:lightRig rig="threePt" dir="t"/>
-    </dgm:scene3d>
-    <dgm:sp3d/>
-    <dgm:txPr/>
-    <dgm:style>
-      <a:lnRef idx="2">
-        <a:scrgbClr r="0" g="0" b="0"/>
-      </a:lnRef>
-      <a:fillRef idx="1">
-        <a:scrgbClr r="0" g="0" b="0"/>
-      </a:fillRef>
-      <a:effectRef idx="0">
-        <a:scrgbClr r="0" g="0" b="0"/>
-      </a:effectRef>
-      <a:fontRef idx="minor"/>
-    </dgm:style>
-  </dgm:styleLbl>
-  <dgm:styleLbl name="fgAcc0">
-    <dgm:scene3d>
-      <a:camera prst="orthographicFront"/>
-      <a:lightRig rig="threePt" dir="t"/>
-    </dgm:scene3d>
-    <dgm:sp3d/>
-    <dgm:txPr/>
-    <dgm:style>
-      <a:lnRef idx="2">
-        <a:scrgbClr r="0" g="0" b="0"/>
-      </a:lnRef>
-      <a:fillRef idx="1">
-        <a:scrgbClr r="0" g="0" b="0"/>
-      </a:fillRef>
-      <a:effectRef idx="0">
-        <a:scrgbClr r="0" g="0" b="0"/>
-      </a:effectRef>
-      <a:fontRef idx="minor"/>
-    </dgm:style>
-  </dgm:styleLbl>
-  <dgm:styleLbl name="fgAcc2">
-    <dgm:scene3d>
-      <a:camera prst="orthographicFront"/>
-      <a:lightRig rig="threePt" dir="t"/>
-    </dgm:scene3d>
-    <dgm:sp3d/>
-    <dgm:txPr/>
-    <dgm:style>
-      <a:lnRef idx="2">
-        <a:scrgbClr r="0" g="0" b="0"/>
-      </a:lnRef>
-      <a:fillRef idx="1">
-        <a:scrgbClr r="0" g="0" b="0"/>
-      </a:fillRef>
-      <a:effectRef idx="0">
-        <a:scrgbClr r="0" g="0" b="0"/>
-      </a:effectRef>
-      <a:fontRef idx="minor"/>
-    </dgm:style>
-  </dgm:styleLbl>
-  <dgm:styleLbl name="fgAcc3">
-    <dgm:scene3d>
-      <a:camera prst="orthographicFront"/>
-      <a:lightRig rig="threePt" dir="t"/>
-    </dgm:scene3d>
-    <dgm:sp3d/>
-    <dgm:txPr/>
-    <dgm:style>
-      <a:lnRef idx="2">
-        <a:scrgbClr r="0" g="0" b="0"/>
-      </a:lnRef>
-      <a:fillRef idx="1">
-        <a:scrgbClr r="0" g="0" b="0"/>
-      </a:fillRef>
-      <a:effectRef idx="0">
-        <a:scrgbClr r="0" g="0" b="0"/>
-      </a:effectRef>
-      <a:fontRef idx="minor"/>
-    </dgm:style>
-  </dgm:styleLbl>
-  <dgm:styleLbl name="fgAcc4">
-    <dgm:scene3d>
-      <a:camera prst="orthographicFront"/>
-      <a:lightRig rig="threePt" dir="t"/>
-    </dgm:scene3d>
-    <dgm:sp3d/>
-    <dgm:txPr/>
-    <dgm:style>
-      <a:lnRef idx="2">
-        <a:scrgbClr r="0" g="0" b="0"/>
-      </a:lnRef>
-      <a:fillRef idx="1">
-        <a:scrgbClr r="0" g="0" b="0"/>
-      </a:fillRef>
-      <a:effectRef idx="0">
-        <a:scrgbClr r="0" g="0" b="0"/>
-      </a:effectRef>
-      <a:fontRef idx="minor"/>
-    </dgm:style>
-  </dgm:styleLbl>
-  <dgm:styleLbl name="bgShp">
-    <dgm:scene3d>
-      <a:camera prst="orthographicFront"/>
-      <a:lightRig rig="threePt" dir="t"/>
-    </dgm:scene3d>
-    <dgm:sp3d/>
-    <dgm:txPr/>
-    <dgm:style>
-      <a:lnRef idx="0">
-        <a:scrgbClr r="0" g="0" b="0"/>
-      </a:lnRef>
-      <a:fillRef idx="1">
-        <a:scrgbClr r="0" g="0" b="0"/>
-      </a:fillRef>
-      <a:effectRef idx="0">
-        <a:scrgbClr r="0" g="0" b="0"/>
-      </a:effectRef>
-      <a:fontRef idx="minor"/>
-    </dgm:style>
-  </dgm:styleLbl>
-  <dgm:styleLbl name="dkBgShp">
-    <dgm:scene3d>
-      <a:camera prst="orthographicFront"/>
-      <a:lightRig rig="threePt" dir="t"/>
-    </dgm:scene3d>
-    <dgm:sp3d/>
-    <dgm:txPr/>
-    <dgm:style>
-      <a:lnRef idx="0">
-        <a:scrgbClr r="0" g="0" b="0"/>
-      </a:lnRef>
-      <a:fillRef idx="1">
-        <a:scrgbClr r="0" g="0" b="0"/>
-      </a:fillRef>
-      <a:effectRef idx="0">
-        <a:scrgbClr r="0" g="0" b="0"/>
-      </a:effectRef>
-      <a:fontRef idx="minor"/>
-    </dgm:style>
-  </dgm:styleLbl>
-  <dgm:styleLbl name="trBgShp">
-    <dgm:scene3d>
-      <a:camera prst="orthographicFront"/>
-      <a:lightRig rig="threePt" dir="t"/>
-    </dgm:scene3d>
-    <dgm:sp3d/>
-    <dgm:txPr/>
-    <dgm:style>
-      <a:lnRef idx="0">
-        <a:scrgbClr r="0" g="0" b="0"/>
-      </a:lnRef>
-      <a:fillRef idx="1">
-        <a:scrgbClr r="0" g="0" b="0"/>
-      </a:fillRef>
-      <a:effectRef idx="0">
-        <a:scrgbClr r="0" g="0" b="0"/>
-      </a:effectRef>
-      <a:fontRef idx="minor"/>
-    </dgm:style>
-  </dgm:styleLbl>
-  <dgm:styleLbl name="fgShp">
-    <dgm:scene3d>
-      <a:camera prst="orthographicFront"/>
-      <a:lightRig rig="threePt" dir="t"/>
-    </dgm:scene3d>
-    <dgm:sp3d/>
-    <dgm:txPr/>
-    <dgm:style>
-      <a:lnRef idx="2">
-        <a:scrgbClr r="0" g="0" b="0"/>
-      </a:lnRef>
-      <a:fillRef idx="1">
-        <a:scrgbClr r="0" g="0" b="0"/>
-      </a:fillRef>
-      <a:effectRef idx="0">
-        <a:scrgbClr r="0" g="0" b="0"/>
-      </a:effectRef>
-      <a:fontRef idx="minor"/>
-    </dgm:style>
-  </dgm:styleLbl>
-  <dgm:styleLbl name="revTx">
-    <dgm:scene3d>
-      <a:camera prst="orthographicFront"/>
-      <a:lightRig rig="threePt" dir="t"/>
-    </dgm:scene3d>
-    <dgm:sp3d/>
-    <dgm:txPr/>
-    <dgm:style>
-      <a:lnRef idx="0">
-        <a:scrgbClr r="0" g="0" b="0"/>
-      </a:lnRef>
-      <a:fillRef idx="0">
-        <a:scrgbClr r="0" g="0" b="0"/>
-      </a:fillRef>
-      <a:effectRef idx="0">
-        <a:scrgbClr r="0" g="0" b="0"/>
-      </a:effectRef>
-      <a:fontRef idx="minor"/>
-    </dgm:style>
-  </dgm:styleLbl>
-</dgm:styleDef>
-</file>
-
-<file path=ppt/diagrams/quickStyle4.xml><?xml version="1.0" encoding="utf-8"?>
 <dgm:styleDef xmlns:dgm="http://schemas.openxmlformats.org/drawingml/2006/diagram" xmlns:a="http://schemas.openxmlformats.org/drawingml/2006/main" uniqueId="urn:microsoft.com/office/officeart/2005/8/quickstyle/simple1">
   <dgm:title val=""/>
   <dgm:desc val=""/>
@@ -18008,7 +13586,7 @@
           <a:p>
             <a:fld id="{81533042-4C13-467C-AFC4-94862FD4A84E}" type="datetimeFigureOut">
               <a:rPr lang="en-AU" smtClean="0"/>
-              <a:t>30/04/2021</a:t>
+              <a:t>3/05/2021</a:t>
             </a:fld>
             <a:endParaRPr lang="en-AU"/>
           </a:p>
@@ -18320,7 +13898,10 @@
           <a:bodyPr/>
           <a:lstStyle/>
           <a:p>
-            <a:endParaRPr lang="en-AU" dirty="0"/>
+            <a:r>
+              <a:rPr lang="en-AU" dirty="0"/>
+              <a:t>BG</a:t>
+            </a:r>
           </a:p>
         </p:txBody>
       </p:sp>
@@ -18406,69 +13987,8 @@
           <a:p>
             <a:r>
               <a:rPr lang="en-AU" dirty="0"/>
-              <a:t>Characteristics:</a:t>
+              <a:t>AS</a:t>
             </a:r>
-          </a:p>
-          <a:p>
-            <a:pPr marL="1143000" lvl="2" indent="-228600">
-              <a:buFont typeface="+mj-lt"/>
-              <a:buAutoNum type="arabicPeriod"/>
-            </a:pPr>
-            <a:r>
-              <a:rPr lang="en-US" dirty="0"/>
-              <a:t>Trust (Government Corruption)</a:t>
-            </a:r>
-          </a:p>
-          <a:p>
-            <a:pPr marL="1143000" lvl="2" indent="-228600">
-              <a:buFont typeface="+mj-lt"/>
-              <a:buAutoNum type="arabicPeriod"/>
-            </a:pPr>
-            <a:r>
-              <a:rPr lang="en-US" dirty="0"/>
-              <a:t>Generosity</a:t>
-            </a:r>
-          </a:p>
-          <a:p>
-            <a:pPr marL="1143000" lvl="2" indent="-228600">
-              <a:buFont typeface="+mj-lt"/>
-              <a:buAutoNum type="arabicPeriod"/>
-            </a:pPr>
-            <a:r>
-              <a:rPr lang="en-US" dirty="0"/>
-              <a:t>Health (Life Expectancy)</a:t>
-            </a:r>
-          </a:p>
-          <a:p>
-            <a:pPr marL="1143000" lvl="2" indent="-228600">
-              <a:buFont typeface="+mj-lt"/>
-              <a:buAutoNum type="arabicPeriod"/>
-            </a:pPr>
-            <a:r>
-              <a:rPr lang="en-US" dirty="0"/>
-              <a:t>Family</a:t>
-            </a:r>
-          </a:p>
-          <a:p>
-            <a:pPr marL="1143000" lvl="2" indent="-228600">
-              <a:buFont typeface="+mj-lt"/>
-              <a:buAutoNum type="arabicPeriod"/>
-            </a:pPr>
-            <a:r>
-              <a:rPr lang="en-US" dirty="0"/>
-              <a:t>Freedom</a:t>
-            </a:r>
-          </a:p>
-          <a:p>
-            <a:pPr marL="1143000" lvl="2" indent="-228600">
-              <a:buFont typeface="+mj-lt"/>
-              <a:buAutoNum type="arabicPeriod"/>
-            </a:pPr>
-            <a:r>
-              <a:rPr lang="en-US" dirty="0"/>
-              <a:t>Economy (GDP per Capita) </a:t>
-            </a:r>
-            <a:endParaRPr lang="en-AU" dirty="0"/>
           </a:p>
         </p:txBody>
       </p:sp>
@@ -18498,7 +14018,7 @@
     </p:spTree>
     <p:extLst>
       <p:ext uri="{BB962C8B-B14F-4D97-AF65-F5344CB8AC3E}">
-        <p14:creationId xmlns:p14="http://schemas.microsoft.com/office/powerpoint/2010/main" val="1210365297"/>
+        <p14:creationId xmlns:p14="http://schemas.microsoft.com/office/powerpoint/2010/main" val="3246149487"/>
       </p:ext>
     </p:extLst>
   </p:cSld>
@@ -18552,7 +14072,10 @@
           <a:bodyPr/>
           <a:lstStyle/>
           <a:p>
-            <a:endParaRPr lang="en-AU" dirty="0"/>
+            <a:r>
+              <a:rPr lang="en-AU" dirty="0"/>
+              <a:t>EB</a:t>
+            </a:r>
           </a:p>
         </p:txBody>
       </p:sp>
@@ -18636,13 +14159,9 @@
           <a:bodyPr/>
           <a:lstStyle/>
           <a:p>
-            <a:pPr marL="171450" indent="-171450">
-              <a:buFont typeface="Arial" panose="020B0604020202020204" pitchFamily="34" charset="0"/>
-              <a:buChar char="•"/>
-            </a:pPr>
             <a:r>
               <a:rPr lang="en-AU" dirty="0"/>
-              <a:t>Geopandas Choropleth Map</a:t>
+              <a:t>EB</a:t>
             </a:r>
           </a:p>
         </p:txBody>
@@ -18664,7 +14183,7 @@
           <a:p>
             <a:fld id="{8C7BEE1C-C667-49A6-A99C-E3A9100A1368}" type="slidenum">
               <a:rPr lang="en-AU" smtClean="0"/>
-              <a:t>13</a:t>
+              <a:t>12</a:t>
             </a:fld>
             <a:endParaRPr lang="en-AU"/>
           </a:p>
@@ -18673,7 +14192,7 @@
     </p:spTree>
     <p:extLst>
       <p:ext uri="{BB962C8B-B14F-4D97-AF65-F5344CB8AC3E}">
-        <p14:creationId xmlns:p14="http://schemas.microsoft.com/office/powerpoint/2010/main" val="986658036"/>
+        <p14:creationId xmlns:p14="http://schemas.microsoft.com/office/powerpoint/2010/main" val="203492617"/>
       </p:ext>
     </p:extLst>
   </p:cSld>
@@ -18727,14 +14246,160 @@
           <a:bodyPr/>
           <a:lstStyle/>
           <a:p>
-            <a:pPr marL="171450" indent="-171450">
-              <a:buFont typeface="Arial" panose="020B0604020202020204" pitchFamily="34" charset="0"/>
-              <a:buChar char="•"/>
+            <a:r>
+              <a:rPr lang="en-AU" dirty="0"/>
+              <a:t>AS</a:t>
+            </a:r>
+          </a:p>
+          <a:p>
+            <a:r>
+              <a:rPr lang="en-AU" dirty="0"/>
+              <a:t>Characteristics:</a:t>
+            </a:r>
+          </a:p>
+          <a:p>
+            <a:pPr marL="1143000" lvl="2" indent="-228600">
+              <a:buFont typeface="+mj-lt"/>
+              <a:buAutoNum type="arabicPeriod"/>
             </a:pPr>
             <a:r>
-              <a:rPr lang="en-AU" dirty="0"/>
-              <a:t>Seaborn Correlation Heatmap</a:t>
+              <a:rPr lang="en-US" dirty="0"/>
+              <a:t>Trust (Government Corruption)</a:t>
             </a:r>
+          </a:p>
+          <a:p>
+            <a:pPr marL="1143000" lvl="2" indent="-228600">
+              <a:buFont typeface="+mj-lt"/>
+              <a:buAutoNum type="arabicPeriod"/>
+            </a:pPr>
+            <a:r>
+              <a:rPr lang="en-US" dirty="0"/>
+              <a:t>Generosity</a:t>
+            </a:r>
+          </a:p>
+          <a:p>
+            <a:pPr marL="1143000" lvl="2" indent="-228600">
+              <a:buFont typeface="+mj-lt"/>
+              <a:buAutoNum type="arabicPeriod"/>
+            </a:pPr>
+            <a:r>
+              <a:rPr lang="en-US" dirty="0"/>
+              <a:t>Health (Life Expectancy)</a:t>
+            </a:r>
+          </a:p>
+          <a:p>
+            <a:pPr marL="1143000" lvl="2" indent="-228600">
+              <a:buFont typeface="+mj-lt"/>
+              <a:buAutoNum type="arabicPeriod"/>
+            </a:pPr>
+            <a:r>
+              <a:rPr lang="en-US" dirty="0"/>
+              <a:t>Family</a:t>
+            </a:r>
+          </a:p>
+          <a:p>
+            <a:pPr marL="1143000" lvl="2" indent="-228600">
+              <a:buFont typeface="+mj-lt"/>
+              <a:buAutoNum type="arabicPeriod"/>
+            </a:pPr>
+            <a:r>
+              <a:rPr lang="en-US" dirty="0"/>
+              <a:t>Freedom</a:t>
+            </a:r>
+          </a:p>
+          <a:p>
+            <a:pPr marL="1143000" lvl="2" indent="-228600">
+              <a:buFont typeface="+mj-lt"/>
+              <a:buAutoNum type="arabicPeriod"/>
+            </a:pPr>
+            <a:r>
+              <a:rPr lang="en-US" dirty="0"/>
+              <a:t>Economy (GDP per Capita)  - </a:t>
+            </a:r>
+          </a:p>
+          <a:p>
+            <a:pPr marL="914400" lvl="2" indent="0">
+              <a:buFont typeface="+mj-lt"/>
+              <a:buNone/>
+            </a:pPr>
+            <a:endParaRPr lang="en-US" dirty="0"/>
+          </a:p>
+          <a:p>
+            <a:pPr marL="914400" lvl="2" indent="0">
+              <a:buFont typeface="+mj-lt"/>
+              <a:buNone/>
+            </a:pPr>
+            <a:r>
+              <a:rPr lang="en-US" dirty="0"/>
+              <a:t>GDP Gross Domestic Product </a:t>
+            </a:r>
+          </a:p>
+          <a:p>
+            <a:pPr marL="914400" lvl="2" indent="0">
+              <a:buFont typeface="+mj-lt"/>
+              <a:buNone/>
+            </a:pPr>
+            <a:r>
+              <a:rPr lang="en-US" b="1" i="0" dirty="0">
+                <a:solidFill>
+                  <a:srgbClr val="1D1C1D"/>
+                </a:solidFill>
+                <a:effectLst/>
+                <a:latin typeface="Slack-Lato"/>
+              </a:rPr>
+              <a:t>Definition</a:t>
+            </a:r>
+            <a:r>
+              <a:rPr lang="en-US" b="0" i="0" dirty="0">
+                <a:solidFill>
+                  <a:srgbClr val="1D1C1D"/>
+                </a:solidFill>
+                <a:effectLst/>
+                <a:latin typeface="Slack-Lato"/>
+              </a:rPr>
+              <a:t>: </a:t>
+            </a:r>
+            <a:r>
+              <a:rPr lang="en-US" b="1" i="0" dirty="0">
+                <a:solidFill>
+                  <a:srgbClr val="1D1C1D"/>
+                </a:solidFill>
+                <a:effectLst/>
+                <a:latin typeface="Slack-Lato"/>
+              </a:rPr>
+              <a:t>GDP</a:t>
+            </a:r>
+            <a:r>
+              <a:rPr lang="en-US" b="0" i="0" dirty="0">
+                <a:solidFill>
+                  <a:srgbClr val="1D1C1D"/>
+                </a:solidFill>
+                <a:effectLst/>
+                <a:latin typeface="Slack-Lato"/>
+              </a:rPr>
+              <a:t> is the final value of the goods and services produced within the geographic boundaries of a country during a specified period of time, normally a year. </a:t>
+            </a:r>
+            <a:r>
+              <a:rPr lang="en-US" b="1" i="0" dirty="0">
+                <a:solidFill>
+                  <a:srgbClr val="1D1C1D"/>
+                </a:solidFill>
+                <a:effectLst/>
+                <a:latin typeface="Slack-Lato"/>
+              </a:rPr>
+              <a:t>GDP</a:t>
+            </a:r>
+            <a:r>
+              <a:rPr lang="en-US" b="0" i="0" dirty="0">
+                <a:solidFill>
+                  <a:srgbClr val="1D1C1D"/>
+                </a:solidFill>
+                <a:effectLst/>
+                <a:latin typeface="Slack-Lato"/>
+              </a:rPr>
+              <a:t> growth rate is an important indicator of the economic performance of a country.</a:t>
+            </a:r>
+            <a:endParaRPr lang="en-AU" dirty="0"/>
           </a:p>
         </p:txBody>
       </p:sp>
@@ -18755,7 +14420,7 @@
           <a:p>
             <a:fld id="{8C7BEE1C-C667-49A6-A99C-E3A9100A1368}" type="slidenum">
               <a:rPr lang="en-AU" smtClean="0"/>
-              <a:t>14</a:t>
+              <a:t>13</a:t>
             </a:fld>
             <a:endParaRPr lang="en-AU"/>
           </a:p>
@@ -18764,7 +14429,7 @@
     </p:spTree>
     <p:extLst>
       <p:ext uri="{BB962C8B-B14F-4D97-AF65-F5344CB8AC3E}">
-        <p14:creationId xmlns:p14="http://schemas.microsoft.com/office/powerpoint/2010/main" val="3471987341"/>
+        <p14:creationId xmlns:p14="http://schemas.microsoft.com/office/powerpoint/2010/main" val="1210365297"/>
       </p:ext>
     </p:extLst>
   </p:cSld>
@@ -18818,30 +14483,24 @@
           <a:bodyPr/>
           <a:lstStyle/>
           <a:p>
-            <a:pPr marL="171450" marR="0" lvl="0" indent="-171450" algn="l" defTabSz="914400" rtl="0" eaLnBrk="1" fontAlgn="auto" latinLnBrk="0" hangingPunct="1">
-              <a:lnSpc>
-                <a:spcPct val="100000"/>
-              </a:lnSpc>
-              <a:spcBef>
-                <a:spcPts val="0"/>
-              </a:spcBef>
-              <a:spcAft>
-                <a:spcPts val="0"/>
-              </a:spcAft>
-              <a:buClrTx/>
-              <a:buSzTx/>
+            <a:pPr marL="0" indent="0">
               <a:buFont typeface="Arial" panose="020B0604020202020204" pitchFamily="34" charset="0"/>
-              <a:buChar char="•"/>
-              <a:tabLst/>
-              <a:defRPr/>
+              <a:buNone/>
             </a:pPr>
             <a:r>
               <a:rPr lang="en-AU" dirty="0"/>
-              <a:t>Discuss your findings. Did you find what you expected to Find? If not, why not? What interferences or general conclusions can you draw from your analysis.</a:t>
+              <a:t>AS</a:t>
             </a:r>
           </a:p>
           <a:p>
-            <a:endParaRPr lang="en-AU" dirty="0"/>
+            <a:pPr marL="171450" indent="-171450">
+              <a:buFont typeface="Arial" panose="020B0604020202020204" pitchFamily="34" charset="0"/>
+              <a:buChar char="•"/>
+            </a:pPr>
+            <a:r>
+              <a:rPr lang="en-AU" dirty="0"/>
+              <a:t>Seaborn Correlation Heatmap</a:t>
+            </a:r>
           </a:p>
         </p:txBody>
       </p:sp>
@@ -18862,7 +14521,7 @@
           <a:p>
             <a:fld id="{8C7BEE1C-C667-49A6-A99C-E3A9100A1368}" type="slidenum">
               <a:rPr lang="en-AU" smtClean="0"/>
-              <a:t>15</a:t>
+              <a:t>14</a:t>
             </a:fld>
             <a:endParaRPr lang="en-AU"/>
           </a:p>
@@ -18871,7 +14530,7 @@
     </p:spTree>
     <p:extLst>
       <p:ext uri="{BB962C8B-B14F-4D97-AF65-F5344CB8AC3E}">
-        <p14:creationId xmlns:p14="http://schemas.microsoft.com/office/powerpoint/2010/main" val="1122572693"/>
+        <p14:creationId xmlns:p14="http://schemas.microsoft.com/office/powerpoint/2010/main" val="3471987341"/>
       </p:ext>
     </p:extLst>
   </p:cSld>
@@ -18925,27 +14584,14 @@
           <a:bodyPr/>
           <a:lstStyle/>
           <a:p>
-            <a:pPr marL="171450" indent="-171450">
+            <a:pPr marL="0" indent="0">
               <a:buFont typeface="Arial" panose="020B0604020202020204" pitchFamily="34" charset="0"/>
-              <a:buChar char="•"/>
+              <a:buNone/>
             </a:pPr>
             <a:r>
               <a:rPr lang="en-AU" dirty="0"/>
-              <a:t>Discuss any difficulties that arose, and how you dealt with them.</a:t>
+              <a:t>EB</a:t>
             </a:r>
-          </a:p>
-          <a:p>
-            <a:pPr marL="171450" indent="-171450">
-              <a:buFont typeface="Arial" panose="020B0604020202020204" pitchFamily="34" charset="0"/>
-              <a:buChar char="•"/>
-            </a:pPr>
-            <a:r>
-              <a:rPr lang="en-AU" dirty="0"/>
-              <a:t>Discuss any additional questions that came up, but which you didn’t have time to answer. What would you research next, if you had two more weeks</a:t>
-            </a:r>
-          </a:p>
-          <a:p>
-            <a:endParaRPr lang="en-AU" dirty="0"/>
           </a:p>
         </p:txBody>
       </p:sp>
@@ -18966,7 +14612,7 @@
           <a:p>
             <a:fld id="{8C7BEE1C-C667-49A6-A99C-E3A9100A1368}" type="slidenum">
               <a:rPr lang="en-AU" smtClean="0"/>
-              <a:t>16</a:t>
+              <a:t>15</a:t>
             </a:fld>
             <a:endParaRPr lang="en-AU"/>
           </a:p>
@@ -18975,7 +14621,7 @@
     </p:spTree>
     <p:extLst>
       <p:ext uri="{BB962C8B-B14F-4D97-AF65-F5344CB8AC3E}">
-        <p14:creationId xmlns:p14="http://schemas.microsoft.com/office/powerpoint/2010/main" val="1119077145"/>
+        <p14:creationId xmlns:p14="http://schemas.microsoft.com/office/powerpoint/2010/main" val="660915943"/>
       </p:ext>
     </p:extLst>
   </p:cSld>
@@ -19029,6 +14675,337 @@
           <a:bodyPr/>
           <a:lstStyle/>
           <a:p>
+            <a:r>
+              <a:rPr lang="en-AU" dirty="0"/>
+              <a:t>AL</a:t>
+            </a:r>
+          </a:p>
+        </p:txBody>
+      </p:sp>
+      <p:sp>
+        <p:nvSpPr>
+          <p:cNvPr id="4" name="Slide Number Placeholder 3"/>
+          <p:cNvSpPr>
+            <a:spLocks noGrp="1"/>
+          </p:cNvSpPr>
+          <p:nvPr>
+            <p:ph type="sldNum" sz="quarter" idx="5"/>
+          </p:nvPr>
+        </p:nvSpPr>
+        <p:spPr/>
+        <p:txBody>
+          <a:bodyPr/>
+          <a:lstStyle/>
+          <a:p>
+            <a:fld id="{8C7BEE1C-C667-49A6-A99C-E3A9100A1368}" type="slidenum">
+              <a:rPr lang="en-AU" smtClean="0"/>
+              <a:t>16</a:t>
+            </a:fld>
+            <a:endParaRPr lang="en-AU"/>
+          </a:p>
+        </p:txBody>
+      </p:sp>
+    </p:spTree>
+    <p:extLst>
+      <p:ext uri="{BB962C8B-B14F-4D97-AF65-F5344CB8AC3E}">
+        <p14:creationId xmlns:p14="http://schemas.microsoft.com/office/powerpoint/2010/main" val="3436616941"/>
+      </p:ext>
+    </p:extLst>
+  </p:cSld>
+  <p:clrMapOvr>
+    <a:masterClrMapping/>
+  </p:clrMapOvr>
+</p:notes>
+</file>
+
+<file path=ppt/notesSlides/notesSlide17.xml><?xml version="1.0" encoding="utf-8"?>
+<p:notes xmlns:a="http://schemas.openxmlformats.org/drawingml/2006/main" xmlns:r="http://schemas.openxmlformats.org/officeDocument/2006/relationships" xmlns:p="http://schemas.openxmlformats.org/presentationml/2006/main">
+  <p:cSld>
+    <p:spTree>
+      <p:nvGrpSpPr>
+        <p:cNvPr id="1" name=""/>
+        <p:cNvGrpSpPr/>
+        <p:nvPr/>
+      </p:nvGrpSpPr>
+      <p:grpSpPr>
+        <a:xfrm>
+          <a:off x="0" y="0"/>
+          <a:ext cx="0" cy="0"/>
+          <a:chOff x="0" y="0"/>
+          <a:chExt cx="0" cy="0"/>
+        </a:xfrm>
+      </p:grpSpPr>
+      <p:sp>
+        <p:nvSpPr>
+          <p:cNvPr id="2" name="Slide Image Placeholder 1"/>
+          <p:cNvSpPr>
+            <a:spLocks noGrp="1" noRot="1" noChangeAspect="1"/>
+          </p:cNvSpPr>
+          <p:nvPr>
+            <p:ph type="sldImg"/>
+          </p:nvPr>
+        </p:nvSpPr>
+        <p:spPr/>
+      </p:sp>
+      <p:sp>
+        <p:nvSpPr>
+          <p:cNvPr id="3" name="Notes Placeholder 2"/>
+          <p:cNvSpPr>
+            <a:spLocks noGrp="1"/>
+          </p:cNvSpPr>
+          <p:nvPr>
+            <p:ph type="body" idx="1"/>
+          </p:nvPr>
+        </p:nvSpPr>
+        <p:spPr/>
+        <p:txBody>
+          <a:bodyPr/>
+          <a:lstStyle/>
+          <a:p>
+            <a:pPr marL="0" marR="0" lvl="0" indent="0" algn="l" defTabSz="914400" rtl="0" eaLnBrk="1" fontAlgn="auto" latinLnBrk="0" hangingPunct="1">
+              <a:lnSpc>
+                <a:spcPct val="100000"/>
+              </a:lnSpc>
+              <a:spcBef>
+                <a:spcPts val="0"/>
+              </a:spcBef>
+              <a:spcAft>
+                <a:spcPts val="0"/>
+              </a:spcAft>
+              <a:buClrTx/>
+              <a:buSzTx/>
+              <a:buFont typeface="Arial" panose="020B0604020202020204" pitchFamily="34" charset="0"/>
+              <a:buNone/>
+              <a:tabLst/>
+              <a:defRPr/>
+            </a:pPr>
+            <a:r>
+              <a:rPr lang="en-AU" dirty="0"/>
+              <a:t>AL</a:t>
+            </a:r>
+          </a:p>
+          <a:p>
+            <a:pPr marL="171450" marR="0" lvl="0" indent="-171450" algn="l" defTabSz="914400" rtl="0" eaLnBrk="1" fontAlgn="auto" latinLnBrk="0" hangingPunct="1">
+              <a:lnSpc>
+                <a:spcPct val="100000"/>
+              </a:lnSpc>
+              <a:spcBef>
+                <a:spcPts val="0"/>
+              </a:spcBef>
+              <a:spcAft>
+                <a:spcPts val="0"/>
+              </a:spcAft>
+              <a:buClrTx/>
+              <a:buSzTx/>
+              <a:buFont typeface="Arial" panose="020B0604020202020204" pitchFamily="34" charset="0"/>
+              <a:buChar char="•"/>
+              <a:tabLst/>
+              <a:defRPr/>
+            </a:pPr>
+            <a:r>
+              <a:rPr lang="en-AU" dirty="0"/>
+              <a:t>Discuss your findings. Did you find what you expected to Find? If not, why not? What interferences or general conclusions can you draw from your analysis.</a:t>
+            </a:r>
+          </a:p>
+          <a:p>
+            <a:endParaRPr lang="en-AU" dirty="0"/>
+          </a:p>
+        </p:txBody>
+      </p:sp>
+      <p:sp>
+        <p:nvSpPr>
+          <p:cNvPr id="4" name="Slide Number Placeholder 3"/>
+          <p:cNvSpPr>
+            <a:spLocks noGrp="1"/>
+          </p:cNvSpPr>
+          <p:nvPr>
+            <p:ph type="sldNum" sz="quarter" idx="5"/>
+          </p:nvPr>
+        </p:nvSpPr>
+        <p:spPr/>
+        <p:txBody>
+          <a:bodyPr/>
+          <a:lstStyle/>
+          <a:p>
+            <a:fld id="{8C7BEE1C-C667-49A6-A99C-E3A9100A1368}" type="slidenum">
+              <a:rPr lang="en-AU" smtClean="0"/>
+              <a:t>17</a:t>
+            </a:fld>
+            <a:endParaRPr lang="en-AU"/>
+          </a:p>
+        </p:txBody>
+      </p:sp>
+    </p:spTree>
+    <p:extLst>
+      <p:ext uri="{BB962C8B-B14F-4D97-AF65-F5344CB8AC3E}">
+        <p14:creationId xmlns:p14="http://schemas.microsoft.com/office/powerpoint/2010/main" val="1122572693"/>
+      </p:ext>
+    </p:extLst>
+  </p:cSld>
+  <p:clrMapOvr>
+    <a:masterClrMapping/>
+  </p:clrMapOvr>
+</p:notes>
+</file>
+
+<file path=ppt/notesSlides/notesSlide18.xml><?xml version="1.0" encoding="utf-8"?>
+<p:notes xmlns:a="http://schemas.openxmlformats.org/drawingml/2006/main" xmlns:r="http://schemas.openxmlformats.org/officeDocument/2006/relationships" xmlns:p="http://schemas.openxmlformats.org/presentationml/2006/main">
+  <p:cSld>
+    <p:spTree>
+      <p:nvGrpSpPr>
+        <p:cNvPr id="1" name=""/>
+        <p:cNvGrpSpPr/>
+        <p:nvPr/>
+      </p:nvGrpSpPr>
+      <p:grpSpPr>
+        <a:xfrm>
+          <a:off x="0" y="0"/>
+          <a:ext cx="0" cy="0"/>
+          <a:chOff x="0" y="0"/>
+          <a:chExt cx="0" cy="0"/>
+        </a:xfrm>
+      </p:grpSpPr>
+      <p:sp>
+        <p:nvSpPr>
+          <p:cNvPr id="2" name="Slide Image Placeholder 1"/>
+          <p:cNvSpPr>
+            <a:spLocks noGrp="1" noRot="1" noChangeAspect="1"/>
+          </p:cNvSpPr>
+          <p:nvPr>
+            <p:ph type="sldImg"/>
+          </p:nvPr>
+        </p:nvSpPr>
+        <p:spPr/>
+      </p:sp>
+      <p:sp>
+        <p:nvSpPr>
+          <p:cNvPr id="3" name="Notes Placeholder 2"/>
+          <p:cNvSpPr>
+            <a:spLocks noGrp="1"/>
+          </p:cNvSpPr>
+          <p:nvPr>
+            <p:ph type="body" idx="1"/>
+          </p:nvPr>
+        </p:nvSpPr>
+        <p:spPr/>
+        <p:txBody>
+          <a:bodyPr/>
+          <a:lstStyle/>
+          <a:p>
+            <a:pPr marL="0" indent="0">
+              <a:buFont typeface="Arial" panose="020B0604020202020204" pitchFamily="34" charset="0"/>
+              <a:buNone/>
+            </a:pPr>
+            <a:r>
+              <a:rPr lang="en-AU" dirty="0"/>
+              <a:t>BG</a:t>
+            </a:r>
+          </a:p>
+          <a:p>
+            <a:pPr marL="171450" indent="-171450">
+              <a:buFont typeface="Arial" panose="020B0604020202020204" pitchFamily="34" charset="0"/>
+              <a:buChar char="•"/>
+            </a:pPr>
+            <a:r>
+              <a:rPr lang="en-AU" dirty="0"/>
+              <a:t>Discuss any difficulties that arose, and how you dealt with them.</a:t>
+            </a:r>
+          </a:p>
+          <a:p>
+            <a:pPr marL="171450" indent="-171450">
+              <a:buFont typeface="Arial" panose="020B0604020202020204" pitchFamily="34" charset="0"/>
+              <a:buChar char="•"/>
+            </a:pPr>
+            <a:r>
+              <a:rPr lang="en-AU" dirty="0"/>
+              <a:t>Discuss any additional questions that came up, but which you didn’t have time to answer. What would you research next, if you had two more weeks</a:t>
+            </a:r>
+          </a:p>
+          <a:p>
+            <a:endParaRPr lang="en-AU" dirty="0"/>
+          </a:p>
+        </p:txBody>
+      </p:sp>
+      <p:sp>
+        <p:nvSpPr>
+          <p:cNvPr id="4" name="Slide Number Placeholder 3"/>
+          <p:cNvSpPr>
+            <a:spLocks noGrp="1"/>
+          </p:cNvSpPr>
+          <p:nvPr>
+            <p:ph type="sldNum" sz="quarter" idx="5"/>
+          </p:nvPr>
+        </p:nvSpPr>
+        <p:spPr/>
+        <p:txBody>
+          <a:bodyPr/>
+          <a:lstStyle/>
+          <a:p>
+            <a:fld id="{8C7BEE1C-C667-49A6-A99C-E3A9100A1368}" type="slidenum">
+              <a:rPr lang="en-AU" smtClean="0"/>
+              <a:t>18</a:t>
+            </a:fld>
+            <a:endParaRPr lang="en-AU"/>
+          </a:p>
+        </p:txBody>
+      </p:sp>
+    </p:spTree>
+    <p:extLst>
+      <p:ext uri="{BB962C8B-B14F-4D97-AF65-F5344CB8AC3E}">
+        <p14:creationId xmlns:p14="http://schemas.microsoft.com/office/powerpoint/2010/main" val="1119077145"/>
+      </p:ext>
+    </p:extLst>
+  </p:cSld>
+  <p:clrMapOvr>
+    <a:masterClrMapping/>
+  </p:clrMapOvr>
+</p:notes>
+</file>
+
+<file path=ppt/notesSlides/notesSlide19.xml><?xml version="1.0" encoding="utf-8"?>
+<p:notes xmlns:a="http://schemas.openxmlformats.org/drawingml/2006/main" xmlns:r="http://schemas.openxmlformats.org/officeDocument/2006/relationships" xmlns:p="http://schemas.openxmlformats.org/presentationml/2006/main">
+  <p:cSld>
+    <p:spTree>
+      <p:nvGrpSpPr>
+        <p:cNvPr id="1" name=""/>
+        <p:cNvGrpSpPr/>
+        <p:nvPr/>
+      </p:nvGrpSpPr>
+      <p:grpSpPr>
+        <a:xfrm>
+          <a:off x="0" y="0"/>
+          <a:ext cx="0" cy="0"/>
+          <a:chOff x="0" y="0"/>
+          <a:chExt cx="0" cy="0"/>
+        </a:xfrm>
+      </p:grpSpPr>
+      <p:sp>
+        <p:nvSpPr>
+          <p:cNvPr id="2" name="Slide Image Placeholder 1"/>
+          <p:cNvSpPr>
+            <a:spLocks noGrp="1" noRot="1" noChangeAspect="1"/>
+          </p:cNvSpPr>
+          <p:nvPr>
+            <p:ph type="sldImg"/>
+          </p:nvPr>
+        </p:nvSpPr>
+        <p:spPr/>
+      </p:sp>
+      <p:sp>
+        <p:nvSpPr>
+          <p:cNvPr id="3" name="Notes Placeholder 2"/>
+          <p:cNvSpPr>
+            <a:spLocks noGrp="1"/>
+          </p:cNvSpPr>
+          <p:nvPr>
+            <p:ph type="body" idx="1"/>
+          </p:nvPr>
+        </p:nvSpPr>
+        <p:spPr/>
+        <p:txBody>
+          <a:bodyPr/>
+          <a:lstStyle/>
+          <a:p>
             <a:pPr marL="171450" marR="0" lvl="0" indent="-171450" algn="l" defTabSz="914400" rtl="0" eaLnBrk="1" fontAlgn="auto" latinLnBrk="0" hangingPunct="1">
               <a:lnSpc>
                 <a:spcPct val="100000"/>
@@ -19073,7 +15050,7 @@
           <a:p>
             <a:fld id="{8C7BEE1C-C667-49A6-A99C-E3A9100A1368}" type="slidenum">
               <a:rPr lang="en-AU" smtClean="0"/>
-              <a:t>17</a:t>
+              <a:t>19</a:t>
             </a:fld>
             <a:endParaRPr lang="en-AU"/>
           </a:p>
@@ -19136,7 +15113,10 @@
           <a:bodyPr/>
           <a:lstStyle/>
           <a:p>
-            <a:endParaRPr lang="en-AU" dirty="0"/>
+            <a:r>
+              <a:rPr lang="en-AU" dirty="0"/>
+              <a:t>BG</a:t>
+            </a:r>
           </a:p>
         </p:txBody>
       </p:sp>
@@ -19220,6 +15200,29 @@
           <a:bodyPr/>
           <a:lstStyle/>
           <a:p>
+            <a:pPr marL="0" marR="0" lvl="0" indent="0" algn="l" defTabSz="914400" rtl="0" eaLnBrk="1" fontAlgn="auto" latinLnBrk="0" hangingPunct="1">
+              <a:lnSpc>
+                <a:spcPct val="100000"/>
+              </a:lnSpc>
+              <a:spcBef>
+                <a:spcPts val="0"/>
+              </a:spcBef>
+              <a:spcAft>
+                <a:spcPts val="0"/>
+              </a:spcAft>
+              <a:buClrTx/>
+              <a:buSzTx/>
+              <a:buFont typeface="Arial" panose="020B0604020202020204" pitchFamily="34" charset="0"/>
+              <a:buNone/>
+              <a:tabLst/>
+              <a:defRPr/>
+            </a:pPr>
+            <a:r>
+              <a:rPr lang="en-AU" dirty="0"/>
+              <a:t>BG</a:t>
+            </a:r>
+          </a:p>
+          <a:p>
             <a:pPr marL="171450" marR="0" lvl="0" indent="-171450" algn="l" defTabSz="914400" rtl="0" eaLnBrk="1" fontAlgn="auto" latinLnBrk="0" hangingPunct="1">
               <a:lnSpc>
                 <a:spcPct val="100000"/>
@@ -19327,6 +15330,29 @@
           <a:bodyPr/>
           <a:lstStyle/>
           <a:p>
+            <a:pPr marL="0" marR="0" lvl="0" indent="0" algn="l" defTabSz="914400" rtl="0" eaLnBrk="1" fontAlgn="auto" latinLnBrk="0" hangingPunct="1">
+              <a:lnSpc>
+                <a:spcPct val="100000"/>
+              </a:lnSpc>
+              <a:spcBef>
+                <a:spcPts val="0"/>
+              </a:spcBef>
+              <a:spcAft>
+                <a:spcPts val="0"/>
+              </a:spcAft>
+              <a:buClrTx/>
+              <a:buSzTx/>
+              <a:buFont typeface="Arial" panose="020B0604020202020204" pitchFamily="34" charset="0"/>
+              <a:buNone/>
+              <a:tabLst/>
+              <a:defRPr/>
+            </a:pPr>
+            <a:r>
+              <a:rPr lang="en-AU" dirty="0"/>
+              <a:t>BG</a:t>
+            </a:r>
+          </a:p>
+          <a:p>
             <a:pPr marL="171450" marR="0" lvl="0" indent="-171450" algn="l" defTabSz="914400" rtl="0" eaLnBrk="1" fontAlgn="auto" latinLnBrk="0" hangingPunct="1">
               <a:lnSpc>
                 <a:spcPct val="100000"/>
@@ -19346,38 +15372,7 @@
             </a:pPr>
             <a:r>
               <a:rPr lang="en-AU" dirty="0"/>
-              <a:t>Recommended presentation structure</a:t>
-            </a:r>
-          </a:p>
-          <a:p>
-            <a:pPr marL="171450" marR="0" lvl="0" indent="-171450" algn="l" defTabSz="914400" rtl="0" eaLnBrk="1" fontAlgn="auto" latinLnBrk="0" hangingPunct="1">
-              <a:lnSpc>
-                <a:spcPct val="100000"/>
-              </a:lnSpc>
-              <a:spcBef>
-                <a:spcPts val="0"/>
-              </a:spcBef>
-              <a:spcAft>
-                <a:spcPts val="0"/>
-              </a:spcAft>
-              <a:buClrTx/>
-              <a:buSzTx/>
-              <a:buFont typeface="Arial" panose="020B0604020202020204" pitchFamily="34" charset="0"/>
-              <a:buChar char="•"/>
-              <a:tabLst/>
-              <a:defRPr/>
-            </a:pPr>
-            <a:r>
-              <a:rPr lang="en-AU" dirty="0"/>
-              <a:t>Update to align with </a:t>
-            </a:r>
-            <a:r>
-              <a:rPr lang="en-AU" dirty="0" err="1"/>
-              <a:t>powerpoint</a:t>
-            </a:r>
-            <a:r>
-              <a:rPr lang="en-AU" dirty="0"/>
-              <a:t> once completed</a:t>
+              <a:t>Just some housekeeping – please post questions in the chat and we will answer them in our Q&amp;A. </a:t>
             </a:r>
           </a:p>
           <a:p>
@@ -19467,6 +15462,15 @@
           <a:p>
             <a:r>
               <a:rPr lang="en-AU" dirty="0"/>
+              <a:t>BG</a:t>
+            </a:r>
+          </a:p>
+          <a:p>
+            <a:endParaRPr lang="en-AU" dirty="0"/>
+          </a:p>
+          <a:p>
+            <a:r>
+              <a:rPr lang="en-AU" dirty="0"/>
               <a:t>Write overview of “happiness” and brief summary of the world happiness report</a:t>
             </a:r>
           </a:p>
@@ -19653,79 +15657,13 @@
           <a:bodyPr/>
           <a:lstStyle/>
           <a:p>
-            <a:r>
-              <a:rPr lang="en-AU" dirty="0"/>
-              <a:t>Define the core message or hypothesis of your project.</a:t>
-            </a:r>
-          </a:p>
-          <a:p>
-            <a:endParaRPr lang="en-AU" dirty="0"/>
-          </a:p>
-          <a:p>
             <a:pPr marL="0" indent="0">
-              <a:buFont typeface="Arial" panose="020B0604020202020204" pitchFamily="34" charset="0"/>
+              <a:buFont typeface="+mj-lt"/>
               <a:buNone/>
             </a:pPr>
             <a:r>
               <a:rPr lang="en-AU" dirty="0"/>
-              <a:t>	Is happiness dependent on </a:t>
-            </a:r>
-            <a:r>
-              <a:rPr lang="en-US" dirty="0"/>
-              <a:t>Economy (GDP per Capita) </a:t>
-            </a:r>
-            <a:endParaRPr lang="en-AU" dirty="0"/>
-          </a:p>
-          <a:p>
-            <a:endParaRPr lang="en-AU" dirty="0"/>
-          </a:p>
-          <a:p>
-            <a:r>
-              <a:rPr lang="en-AU" dirty="0"/>
-              <a:t>Describe the questions you asked, and why you asked them.</a:t>
-            </a:r>
-          </a:p>
-          <a:p>
-            <a:pPr marL="1143000" lvl="2" indent="-228600">
-              <a:buFont typeface="+mj-lt"/>
-              <a:buAutoNum type="arabicPeriod"/>
-            </a:pPr>
-            <a:r>
-              <a:rPr lang="en-AU" dirty="0"/>
-              <a:t>What are the ten Happiest Countries in the world?</a:t>
-            </a:r>
-          </a:p>
-          <a:p>
-            <a:pPr marL="1143000" lvl="2" indent="-228600">
-              <a:buFont typeface="+mj-lt"/>
-              <a:buAutoNum type="arabicPeriod"/>
-            </a:pPr>
-            <a:r>
-              <a:rPr lang="en-AU" dirty="0"/>
-              <a:t>Why are they the Happiest Countries?</a:t>
-            </a:r>
-          </a:p>
-          <a:p>
-            <a:pPr marL="1143000" lvl="2" indent="-228600">
-              <a:buFont typeface="+mj-lt"/>
-              <a:buAutoNum type="arabicPeriod"/>
-            </a:pPr>
-            <a:r>
-              <a:rPr lang="en-AU" dirty="0"/>
-              <a:t>Where does Australia rank in the world?</a:t>
-            </a:r>
-          </a:p>
-          <a:p>
-            <a:pPr marL="228600" indent="-228600">
-              <a:buFont typeface="+mj-lt"/>
-              <a:buAutoNum type="arabicPeriod"/>
-            </a:pPr>
-            <a:endParaRPr lang="en-AU" dirty="0"/>
-          </a:p>
-          <a:p>
-            <a:r>
-              <a:rPr lang="en-AU" dirty="0"/>
-              <a:t>Describe whether you were able to answer these questions to your satisfaction, and briefly summarize your findings.</a:t>
+              <a:t>BG</a:t>
             </a:r>
           </a:p>
           <a:p>
@@ -19762,7 +15700,7 @@
     </p:spTree>
     <p:extLst>
       <p:ext uri="{BB962C8B-B14F-4D97-AF65-F5344CB8AC3E}">
-        <p14:creationId xmlns:p14="http://schemas.microsoft.com/office/powerpoint/2010/main" val="1198969562"/>
+        <p14:creationId xmlns:p14="http://schemas.microsoft.com/office/powerpoint/2010/main" val="874934092"/>
       </p:ext>
     </p:extLst>
   </p:cSld>
@@ -19815,6 +15753,29 @@
         <p:txBody>
           <a:bodyPr/>
           <a:lstStyle/>
+          <a:p>
+            <a:pPr marL="0" marR="0" lvl="0" indent="0" algn="l" defTabSz="914400" rtl="0" eaLnBrk="1" fontAlgn="auto" latinLnBrk="0" hangingPunct="1">
+              <a:lnSpc>
+                <a:spcPct val="100000"/>
+              </a:lnSpc>
+              <a:spcBef>
+                <a:spcPts val="0"/>
+              </a:spcBef>
+              <a:spcAft>
+                <a:spcPts val="0"/>
+              </a:spcAft>
+              <a:buClrTx/>
+              <a:buSzTx/>
+              <a:buFont typeface="Arial" panose="020B0604020202020204" pitchFamily="34" charset="0"/>
+              <a:buNone/>
+              <a:tabLst/>
+              <a:defRPr/>
+            </a:pPr>
+            <a:r>
+              <a:rPr lang="en-AU" dirty="0"/>
+              <a:t>AL</a:t>
+            </a:r>
+          </a:p>
           <a:p>
             <a:pPr marL="171450" marR="0" lvl="0" indent="-171450" algn="l" defTabSz="914400" rtl="0" eaLnBrk="1" fontAlgn="auto" latinLnBrk="0" hangingPunct="1">
               <a:lnSpc>
@@ -19923,6 +15884,16 @@
           <a:bodyPr/>
           <a:lstStyle/>
           <a:p>
+            <a:pPr marL="0" indent="0">
+              <a:buFont typeface="Arial" panose="020B0604020202020204" pitchFamily="34" charset="0"/>
+              <a:buNone/>
+            </a:pPr>
+            <a:r>
+              <a:rPr lang="en-AU" dirty="0"/>
+              <a:t>AL</a:t>
+            </a:r>
+          </a:p>
+          <a:p>
             <a:pPr marL="171450" indent="-171450">
               <a:buFont typeface="Arial" panose="020B0604020202020204" pitchFamily="34" charset="0"/>
               <a:buChar char="•"/>
@@ -20055,35 +16026,28 @@
           <a:bodyPr/>
           <a:lstStyle/>
           <a:p>
+            <a:pPr marL="0" indent="0">
+              <a:buFont typeface="Arial" panose="020B0604020202020204" pitchFamily="34" charset="0"/>
+              <a:buNone/>
+            </a:pPr>
+            <a:r>
+              <a:rPr lang="en-AU" dirty="0"/>
+              <a:t>AS</a:t>
+            </a:r>
+          </a:p>
+          <a:p>
             <a:pPr marL="171450" indent="-171450">
               <a:buFont typeface="Arial" panose="020B0604020202020204" pitchFamily="34" charset="0"/>
               <a:buChar char="•"/>
             </a:pPr>
             <a:r>
-              <a:rPr lang="en-AU" dirty="0"/>
-              <a:t>Discuss the steps you took to analyse the data and answer each question you asked in your proposal</a:t>
-            </a:r>
-          </a:p>
-          <a:p>
-            <a:pPr marL="171450" indent="-171450">
-              <a:buFont typeface="Arial" panose="020B0604020202020204" pitchFamily="34" charset="0"/>
-              <a:buChar char="•"/>
-            </a:pPr>
-            <a:r>
-              <a:rPr lang="en-AU" dirty="0"/>
-              <a:t>Present and discuss interesting figures developed during analysis, ideally with the help of </a:t>
-            </a:r>
-            <a:r>
               <a:rPr lang="en-AU" dirty="0" err="1"/>
-              <a:t>Jupyter</a:t>
+              <a:t>Geopandas</a:t>
             </a:r>
             <a:r>
               <a:rPr lang="en-AU" dirty="0"/>
-              <a:t> Notebook</a:t>
+              <a:t> Choropleth Map</a:t>
             </a:r>
-          </a:p>
-          <a:p>
-            <a:endParaRPr lang="en-AU" dirty="0"/>
           </a:p>
         </p:txBody>
       </p:sp>
@@ -20113,7 +16077,7 @@
     </p:spTree>
     <p:extLst>
       <p:ext uri="{BB962C8B-B14F-4D97-AF65-F5344CB8AC3E}">
-        <p14:creationId xmlns:p14="http://schemas.microsoft.com/office/powerpoint/2010/main" val="2603899664"/>
+        <p14:creationId xmlns:p14="http://schemas.microsoft.com/office/powerpoint/2010/main" val="986658036"/>
       </p:ext>
     </p:extLst>
   </p:cSld>
@@ -20272,7 +16236,7 @@
           <a:p>
             <a:fld id="{F89807AA-300D-432C-BE9B-E699408905B4}" type="datetimeFigureOut">
               <a:rPr lang="en-AU" smtClean="0"/>
-              <a:t>30/04/2021</a:t>
+              <a:t>3/05/2021</a:t>
             </a:fld>
             <a:endParaRPr lang="en-AU"/>
           </a:p>
@@ -20472,7 +16436,7 @@
           <a:p>
             <a:fld id="{F89807AA-300D-432C-BE9B-E699408905B4}" type="datetimeFigureOut">
               <a:rPr lang="en-AU" smtClean="0"/>
-              <a:t>30/04/2021</a:t>
+              <a:t>3/05/2021</a:t>
             </a:fld>
             <a:endParaRPr lang="en-AU"/>
           </a:p>
@@ -20682,7 +16646,7 @@
           <a:p>
             <a:fld id="{F89807AA-300D-432C-BE9B-E699408905B4}" type="datetimeFigureOut">
               <a:rPr lang="en-AU" smtClean="0"/>
-              <a:t>30/04/2021</a:t>
+              <a:t>3/05/2021</a:t>
             </a:fld>
             <a:endParaRPr lang="en-AU"/>
           </a:p>
@@ -20853,7 +16817,7 @@
           <a:p>
             <a:fld id="{F89807AA-300D-432C-BE9B-E699408905B4}" type="datetimeFigureOut">
               <a:rPr lang="en-AU" smtClean="0"/>
-              <a:t>30/04/2021</a:t>
+              <a:t>3/05/2021</a:t>
             </a:fld>
             <a:endParaRPr lang="en-AU"/>
           </a:p>
@@ -21129,7 +17093,7 @@
           <a:p>
             <a:fld id="{F89807AA-300D-432C-BE9B-E699408905B4}" type="datetimeFigureOut">
               <a:rPr lang="en-AU" smtClean="0"/>
-              <a:t>30/04/2021</a:t>
+              <a:t>3/05/2021</a:t>
             </a:fld>
             <a:endParaRPr lang="en-AU"/>
           </a:p>
@@ -21457,7 +17421,7 @@
           <a:p>
             <a:fld id="{F89807AA-300D-432C-BE9B-E699408905B4}" type="datetimeFigureOut">
               <a:rPr lang="en-AU" smtClean="0"/>
-              <a:t>30/04/2021</a:t>
+              <a:t>3/05/2021</a:t>
             </a:fld>
             <a:endParaRPr lang="en-AU"/>
           </a:p>
@@ -21733,7 +17697,7 @@
           <a:p>
             <a:fld id="{F89807AA-300D-432C-BE9B-E699408905B4}" type="datetimeFigureOut">
               <a:rPr lang="en-AU" smtClean="0"/>
-              <a:t>30/04/2021</a:t>
+              <a:t>3/05/2021</a:t>
             </a:fld>
             <a:endParaRPr lang="en-AU"/>
           </a:p>
@@ -22241,7 +18205,7 @@
           <a:p>
             <a:fld id="{F89807AA-300D-432C-BE9B-E699408905B4}" type="datetimeFigureOut">
               <a:rPr lang="en-AU" smtClean="0"/>
-              <a:t>30/04/2021</a:t>
+              <a:t>3/05/2021</a:t>
             </a:fld>
             <a:endParaRPr lang="en-AU"/>
           </a:p>
@@ -22656,7 +18620,7 @@
           <a:p>
             <a:fld id="{F89807AA-300D-432C-BE9B-E699408905B4}" type="datetimeFigureOut">
               <a:rPr lang="en-AU" smtClean="0"/>
-              <a:t>30/04/2021</a:t>
+              <a:t>3/05/2021</a:t>
             </a:fld>
             <a:endParaRPr lang="en-AU"/>
           </a:p>
@@ -22798,7 +18762,7 @@
           <a:p>
             <a:fld id="{F89807AA-300D-432C-BE9B-E699408905B4}" type="datetimeFigureOut">
               <a:rPr lang="en-AU" smtClean="0"/>
-              <a:t>30/04/2021</a:t>
+              <a:t>3/05/2021</a:t>
             </a:fld>
             <a:endParaRPr lang="en-AU"/>
           </a:p>
@@ -22911,7 +18875,7 @@
           <a:p>
             <a:fld id="{F89807AA-300D-432C-BE9B-E699408905B4}" type="datetimeFigureOut">
               <a:rPr lang="en-AU" smtClean="0"/>
-              <a:t>30/04/2021</a:t>
+              <a:t>3/05/2021</a:t>
             </a:fld>
             <a:endParaRPr lang="en-AU"/>
           </a:p>
@@ -23224,7 +19188,7 @@
           <a:p>
             <a:fld id="{F89807AA-300D-432C-BE9B-E699408905B4}" type="datetimeFigureOut">
               <a:rPr lang="en-AU" smtClean="0"/>
-              <a:t>30/04/2021</a:t>
+              <a:t>3/05/2021</a:t>
             </a:fld>
             <a:endParaRPr lang="en-AU"/>
           </a:p>
@@ -23517,7 +19481,7 @@
           <a:p>
             <a:fld id="{F89807AA-300D-432C-BE9B-E699408905B4}" type="datetimeFigureOut">
               <a:rPr lang="en-AU" smtClean="0"/>
-              <a:t>30/04/2021</a:t>
+              <a:t>3/05/2021</a:t>
             </a:fld>
             <a:endParaRPr lang="en-AU"/>
           </a:p>
@@ -23760,7 +19724,7 @@
           <a:p>
             <a:fld id="{F89807AA-300D-432C-BE9B-E699408905B4}" type="datetimeFigureOut">
               <a:rPr lang="en-AU" smtClean="0"/>
-              <a:t>30/04/2021</a:t>
+              <a:t>3/05/2021</a:t>
             </a:fld>
             <a:endParaRPr lang="en-AU"/>
           </a:p>
@@ -24435,75 +20399,152 @@
           <a:chExt cx="0" cy="0"/>
         </a:xfrm>
       </p:grpSpPr>
-      <p:sp>
-        <p:nvSpPr>
-          <p:cNvPr id="2" name="Title 1">
+      <p:pic>
+        <p:nvPicPr>
+          <p:cNvPr id="5" name="Picture 4" descr="Chart, bar chart&#10;&#10;Description automatically generated">
             <a:extLst>
               <a:ext uri="{FF2B5EF4-FFF2-40B4-BE49-F238E27FC236}">
-                <a16:creationId xmlns:a16="http://schemas.microsoft.com/office/drawing/2014/main" id="{45AE6FB9-B139-45DF-A0A3-CE9AB28DF5FB}"/>
+                <a16:creationId xmlns:a16="http://schemas.microsoft.com/office/drawing/2014/main" id="{11995FB7-DF49-41A9-9292-8F8EDF71EBC6}"/>
               </a:ext>
             </a:extLst>
           </p:cNvPr>
-          <p:cNvSpPr>
-            <a:spLocks noGrp="1"/>
+          <p:cNvPicPr>
+            <a:picLocks noChangeAspect="1"/>
+          </p:cNvPicPr>
+          <p:nvPr/>
+        </p:nvPicPr>
+        <p:blipFill>
+          <a:blip r:embed="rId3">
+            <a:extLst>
+              <a:ext uri="{28A0092B-C50C-407E-A947-70E740481C1C}">
+                <a14:useLocalDpi xmlns:a14="http://schemas.microsoft.com/office/drawing/2010/main" val="0"/>
+              </a:ext>
+            </a:extLst>
+          </a:blip>
+          <a:stretch>
+            <a:fillRect/>
+          </a:stretch>
+        </p:blipFill>
+        <p:spPr>
+          <a:xfrm>
+            <a:off x="672029" y="1327736"/>
+            <a:ext cx="7228598" cy="4819064"/>
+          </a:xfrm>
+          <a:prstGeom prst="rect">
+            <a:avLst/>
+          </a:prstGeom>
+          <a:ln>
+            <a:noFill/>
+          </a:ln>
+          <a:effectLst>
+            <a:outerShdw blurRad="292100" dist="139700" dir="2700000" algn="tl" rotWithShape="0">
+              <a:srgbClr val="333333">
+                <a:alpha val="65000"/>
+              </a:srgbClr>
+            </a:outerShdw>
+          </a:effectLst>
+        </p:spPr>
+      </p:pic>
+      <p:pic>
+        <p:nvPicPr>
+          <p:cNvPr id="3" name="Picture 2">
+            <a:extLst>
+              <a:ext uri="{FF2B5EF4-FFF2-40B4-BE49-F238E27FC236}">
+                <a16:creationId xmlns:a16="http://schemas.microsoft.com/office/drawing/2014/main" id="{F1BE9700-E389-4EB4-AA9E-450D9E5D06B6}"/>
+              </a:ext>
+            </a:extLst>
+          </p:cNvPr>
+          <p:cNvPicPr>
+            <a:picLocks noChangeAspect="1"/>
+          </p:cNvPicPr>
+          <p:nvPr/>
+        </p:nvPicPr>
+        <p:blipFill>
+          <a:blip r:embed="rId4"/>
+          <a:stretch>
+            <a:fillRect/>
+          </a:stretch>
+        </p:blipFill>
+        <p:spPr>
+          <a:xfrm>
+            <a:off x="8188248" y="1327736"/>
+            <a:ext cx="3449097" cy="4819064"/>
+          </a:xfrm>
+          <a:prstGeom prst="rect">
+            <a:avLst/>
+          </a:prstGeom>
+          <a:ln>
+            <a:noFill/>
+          </a:ln>
+          <a:effectLst>
+            <a:outerShdw blurRad="292100" dist="139700" dir="2700000" algn="tl" rotWithShape="0">
+              <a:srgbClr val="333333">
+                <a:alpha val="65000"/>
+              </a:srgbClr>
+            </a:outerShdw>
+          </a:effectLst>
+        </p:spPr>
+      </p:pic>
+      <p:sp>
+        <p:nvSpPr>
+          <p:cNvPr id="8" name="Title 1">
+            <a:extLst>
+              <a:ext uri="{FF2B5EF4-FFF2-40B4-BE49-F238E27FC236}">
+                <a16:creationId xmlns:a16="http://schemas.microsoft.com/office/drawing/2014/main" id="{89AD59D6-B7AC-453B-9C92-5578D1F40AB9}"/>
+              </a:ext>
+            </a:extLst>
+          </p:cNvPr>
+          <p:cNvSpPr txBox="1">
+            <a:spLocks/>
           </p:cNvSpPr>
-          <p:nvPr>
-            <p:ph type="title" idx="4294967295"/>
-          </p:nvPr>
+          <p:nvPr/>
         </p:nvSpPr>
         <p:spPr>
           <a:xfrm>
-            <a:off x="838200" y="174665"/>
-            <a:ext cx="10515600" cy="1325563"/>
+            <a:off x="890337" y="65516"/>
+            <a:ext cx="10567737" cy="1325563"/>
           </a:xfrm>
+          <a:prstGeom prst="rect">
+            <a:avLst/>
+          </a:prstGeom>
         </p:spPr>
         <p:txBody>
-          <a:bodyPr/>
-          <a:lstStyle/>
+          <a:bodyPr vert="horz" lIns="91440" tIns="45720" rIns="91440" bIns="45720" rtlCol="0" anchor="ctr">
+            <a:normAutofit/>
+          </a:bodyPr>
+          <a:lstStyle>
+            <a:lvl1pPr algn="l" defTabSz="914400" rtl="0" eaLnBrk="1" latinLnBrk="0" hangingPunct="1">
+              <a:lnSpc>
+                <a:spcPct val="90000"/>
+              </a:lnSpc>
+              <a:spcBef>
+                <a:spcPct val="0"/>
+              </a:spcBef>
+              <a:buNone/>
+              <a:defRPr sz="4400" kern="1200">
+                <a:solidFill>
+                  <a:schemeClr val="tx1"/>
+                </a:solidFill>
+                <a:latin typeface="+mj-lt"/>
+                <a:ea typeface="+mj-ea"/>
+                <a:cs typeface="+mj-cs"/>
+              </a:defRPr>
+            </a:lvl1pPr>
+          </a:lstStyle>
           <a:p>
             <a:r>
-              <a:rPr lang="en-AU" dirty="0">
+              <a:rPr lang="en-AU" sz="4400" dirty="0">
                 <a:latin typeface="+mn-lt"/>
               </a:rPr>
-              <a:t>Happiness Variables</a:t>
+              <a:t>What are the top 10 happiest countries? </a:t>
             </a:r>
           </a:p>
         </p:txBody>
       </p:sp>
-      <p:graphicFrame>
-        <p:nvGraphicFramePr>
-          <p:cNvPr id="4" name="Content Placeholder 3">
-            <a:extLst>
-              <a:ext uri="{FF2B5EF4-FFF2-40B4-BE49-F238E27FC236}">
-                <a16:creationId xmlns:a16="http://schemas.microsoft.com/office/drawing/2014/main" id="{740C41CB-C4F8-4BDC-B3A3-925002F2F957}"/>
-              </a:ext>
-            </a:extLst>
-          </p:cNvPr>
-          <p:cNvGraphicFramePr>
-            <a:graphicFrameLocks/>
-          </p:cNvGraphicFramePr>
-          <p:nvPr>
-            <p:extLst>
-              <p:ext uri="{D42A27DB-BD31-4B8C-83A1-F6EECF244321}">
-                <p14:modId xmlns:p14="http://schemas.microsoft.com/office/powerpoint/2010/main" val="1217143596"/>
-              </p:ext>
-            </p:extLst>
-          </p:nvPr>
-        </p:nvGraphicFramePr>
-        <p:xfrm>
-          <a:off x="300789" y="1407695"/>
-          <a:ext cx="11397916" cy="5029952"/>
-        </p:xfrm>
-        <a:graphic>
-          <a:graphicData uri="http://schemas.openxmlformats.org/drawingml/2006/diagram">
-            <dgm:relIds xmlns:dgm="http://schemas.openxmlformats.org/drawingml/2006/diagram" xmlns:r="http://schemas.openxmlformats.org/officeDocument/2006/relationships" r:dm="rId3" r:lo="rId4" r:qs="rId5" r:cs="rId6"/>
-          </a:graphicData>
-        </a:graphic>
-      </p:graphicFrame>
     </p:spTree>
     <p:extLst>
       <p:ext uri="{BB962C8B-B14F-4D97-AF65-F5344CB8AC3E}">
-        <p14:creationId xmlns:p14="http://schemas.microsoft.com/office/powerpoint/2010/main" val="3125319103"/>
+        <p14:creationId xmlns:p14="http://schemas.microsoft.com/office/powerpoint/2010/main" val="1424396839"/>
       </p:ext>
     </p:extLst>
   </p:cSld>
@@ -24664,10 +20705,10 @@
           </a:lstStyle>
           <a:p>
             <a:r>
-              <a:rPr lang="en-AU" dirty="0">
+              <a:rPr lang="en-AU" sz="4000" dirty="0">
                 <a:latin typeface="+mn-lt"/>
               </a:rPr>
-              <a:t>Bar Graph: Region</a:t>
+              <a:t>Which region has the highest happiness score?</a:t>
             </a:r>
           </a:p>
         </p:txBody>
@@ -24702,98 +20743,12 @@
           <a:chExt cx="0" cy="0"/>
         </a:xfrm>
       </p:grpSpPr>
-      <p:pic>
-        <p:nvPicPr>
-          <p:cNvPr id="5" name="Picture 4" descr="Chart, bar chart&#10;&#10;Description automatically generated">
-            <a:extLst>
-              <a:ext uri="{FF2B5EF4-FFF2-40B4-BE49-F238E27FC236}">
-                <a16:creationId xmlns:a16="http://schemas.microsoft.com/office/drawing/2014/main" id="{11995FB7-DF49-41A9-9292-8F8EDF71EBC6}"/>
-              </a:ext>
-            </a:extLst>
-          </p:cNvPr>
-          <p:cNvPicPr>
-            <a:picLocks noChangeAspect="1"/>
-          </p:cNvPicPr>
-          <p:nvPr/>
-        </p:nvPicPr>
-        <p:blipFill>
-          <a:blip r:embed="rId2">
-            <a:extLst>
-              <a:ext uri="{28A0092B-C50C-407E-A947-70E740481C1C}">
-                <a14:useLocalDpi xmlns:a14="http://schemas.microsoft.com/office/drawing/2010/main" val="0"/>
-              </a:ext>
-            </a:extLst>
-          </a:blip>
-          <a:stretch>
-            <a:fillRect/>
-          </a:stretch>
-        </p:blipFill>
-        <p:spPr>
-          <a:xfrm>
-            <a:off x="672029" y="1327736"/>
-            <a:ext cx="7228598" cy="4819064"/>
-          </a:xfrm>
-          <a:prstGeom prst="rect">
-            <a:avLst/>
-          </a:prstGeom>
-          <a:ln>
-            <a:noFill/>
-          </a:ln>
-          <a:effectLst>
-            <a:outerShdw blurRad="292100" dist="139700" dir="2700000" algn="tl" rotWithShape="0">
-              <a:srgbClr val="333333">
-                <a:alpha val="65000"/>
-              </a:srgbClr>
-            </a:outerShdw>
-          </a:effectLst>
-        </p:spPr>
-      </p:pic>
-      <p:pic>
-        <p:nvPicPr>
-          <p:cNvPr id="3" name="Picture 2">
-            <a:extLst>
-              <a:ext uri="{FF2B5EF4-FFF2-40B4-BE49-F238E27FC236}">
-                <a16:creationId xmlns:a16="http://schemas.microsoft.com/office/drawing/2014/main" id="{F1BE9700-E389-4EB4-AA9E-450D9E5D06B6}"/>
-              </a:ext>
-            </a:extLst>
-          </p:cNvPr>
-          <p:cNvPicPr>
-            <a:picLocks noChangeAspect="1"/>
-          </p:cNvPicPr>
-          <p:nvPr/>
-        </p:nvPicPr>
-        <p:blipFill>
-          <a:blip r:embed="rId3"/>
-          <a:stretch>
-            <a:fillRect/>
-          </a:stretch>
-        </p:blipFill>
-        <p:spPr>
-          <a:xfrm>
-            <a:off x="8188248" y="1327736"/>
-            <a:ext cx="3449097" cy="4819064"/>
-          </a:xfrm>
-          <a:prstGeom prst="rect">
-            <a:avLst/>
-          </a:prstGeom>
-          <a:ln>
-            <a:noFill/>
-          </a:ln>
-          <a:effectLst>
-            <a:outerShdw blurRad="292100" dist="139700" dir="2700000" algn="tl" rotWithShape="0">
-              <a:srgbClr val="333333">
-                <a:alpha val="65000"/>
-              </a:srgbClr>
-            </a:outerShdw>
-          </a:effectLst>
-        </p:spPr>
-      </p:pic>
       <p:sp>
         <p:nvSpPr>
           <p:cNvPr id="8" name="Title 1">
             <a:extLst>
               <a:ext uri="{FF2B5EF4-FFF2-40B4-BE49-F238E27FC236}">
-                <a16:creationId xmlns:a16="http://schemas.microsoft.com/office/drawing/2014/main" id="{89AD59D6-B7AC-453B-9C92-5578D1F40AB9}"/>
+                <a16:creationId xmlns:a16="http://schemas.microsoft.com/office/drawing/2014/main" id="{3DC70CA1-17F2-45F2-9E5B-4005631F3895}"/>
               </a:ext>
             </a:extLst>
           </p:cNvPr>
@@ -24804,7 +20759,7 @@
         </p:nvSpPr>
         <p:spPr>
           <a:xfrm>
-            <a:off x="890337" y="65516"/>
+            <a:off x="691915" y="0"/>
             <a:ext cx="10567737" cy="1325563"/>
           </a:xfrm>
           <a:prstGeom prst="rect">
@@ -24836,27 +20791,98 @@
           </a:lstStyle>
           <a:p>
             <a:r>
-              <a:rPr lang="en-AU" dirty="0">
+              <a:rPr lang="en-AU" sz="4000" dirty="0">
                 <a:latin typeface="+mn-lt"/>
               </a:rPr>
-              <a:t>Bar Graph</a:t>
+              <a:t>Breakdown of regions</a:t>
             </a:r>
-            <a:r>
-              <a:rPr lang="en-AU">
-                <a:latin typeface="+mn-lt"/>
-              </a:rPr>
-              <a:t>: Country</a:t>
-            </a:r>
-            <a:endParaRPr lang="en-AU" dirty="0">
-              <a:latin typeface="+mn-lt"/>
-            </a:endParaRPr>
           </a:p>
         </p:txBody>
       </p:sp>
+      <p:pic>
+        <p:nvPicPr>
+          <p:cNvPr id="3" name="Picture 2">
+            <a:extLst>
+              <a:ext uri="{FF2B5EF4-FFF2-40B4-BE49-F238E27FC236}">
+                <a16:creationId xmlns:a16="http://schemas.microsoft.com/office/drawing/2014/main" id="{84C905BC-3C53-4ADB-BDC9-779DC89FFB6E}"/>
+              </a:ext>
+            </a:extLst>
+          </p:cNvPr>
+          <p:cNvPicPr>
+            <a:picLocks noChangeAspect="1"/>
+          </p:cNvPicPr>
+          <p:nvPr/>
+        </p:nvPicPr>
+        <p:blipFill>
+          <a:blip r:embed="rId3"/>
+          <a:stretch>
+            <a:fillRect/>
+          </a:stretch>
+        </p:blipFill>
+        <p:spPr>
+          <a:xfrm>
+            <a:off x="691915" y="1203685"/>
+            <a:ext cx="4920771" cy="5207746"/>
+          </a:xfrm>
+          <a:prstGeom prst="rect">
+            <a:avLst/>
+          </a:prstGeom>
+          <a:ln>
+            <a:noFill/>
+          </a:ln>
+          <a:effectLst>
+            <a:outerShdw blurRad="292100" dist="139700" dir="2700000" algn="tl" rotWithShape="0">
+              <a:srgbClr val="333333">
+                <a:alpha val="65000"/>
+              </a:srgbClr>
+            </a:outerShdw>
+          </a:effectLst>
+        </p:spPr>
+      </p:pic>
+      <p:pic>
+        <p:nvPicPr>
+          <p:cNvPr id="5" name="Picture 4">
+            <a:extLst>
+              <a:ext uri="{FF2B5EF4-FFF2-40B4-BE49-F238E27FC236}">
+                <a16:creationId xmlns:a16="http://schemas.microsoft.com/office/drawing/2014/main" id="{1FD34AD5-A71F-44A6-A2E7-B9DA9FEE0270}"/>
+              </a:ext>
+            </a:extLst>
+          </p:cNvPr>
+          <p:cNvPicPr>
+            <a:picLocks noChangeAspect="1"/>
+          </p:cNvPicPr>
+          <p:nvPr/>
+        </p:nvPicPr>
+        <p:blipFill>
+          <a:blip r:embed="rId4"/>
+          <a:stretch>
+            <a:fillRect/>
+          </a:stretch>
+        </p:blipFill>
+        <p:spPr>
+          <a:xfrm>
+            <a:off x="6003852" y="1203685"/>
+            <a:ext cx="5652644" cy="3845162"/>
+          </a:xfrm>
+          <a:prstGeom prst="rect">
+            <a:avLst/>
+          </a:prstGeom>
+          <a:ln>
+            <a:noFill/>
+          </a:ln>
+          <a:effectLst>
+            <a:outerShdw blurRad="292100" dist="139700" dir="2700000" algn="tl" rotWithShape="0">
+              <a:srgbClr val="333333">
+                <a:alpha val="65000"/>
+              </a:srgbClr>
+            </a:outerShdw>
+          </a:effectLst>
+        </p:spPr>
+      </p:pic>
     </p:spTree>
     <p:extLst>
       <p:ext uri="{BB962C8B-B14F-4D97-AF65-F5344CB8AC3E}">
-        <p14:creationId xmlns:p14="http://schemas.microsoft.com/office/powerpoint/2010/main" val="1424396839"/>
+        <p14:creationId xmlns:p14="http://schemas.microsoft.com/office/powerpoint/2010/main" val="2086064172"/>
       </p:ext>
     </p:extLst>
   </p:cSld>
@@ -24885,44 +20911,6 @@
       </p:grpSpPr>
       <p:sp>
         <p:nvSpPr>
-          <p:cNvPr id="3" name="Content Placeholder 2">
-            <a:extLst>
-              <a:ext uri="{FF2B5EF4-FFF2-40B4-BE49-F238E27FC236}">
-                <a16:creationId xmlns:a16="http://schemas.microsoft.com/office/drawing/2014/main" id="{D4C8A1EF-05D4-4682-AFF4-8A336CCF4EC5}"/>
-              </a:ext>
-            </a:extLst>
-          </p:cNvPr>
-          <p:cNvSpPr>
-            <a:spLocks noGrp="1"/>
-          </p:cNvSpPr>
-          <p:nvPr>
-            <p:ph idx="1"/>
-          </p:nvPr>
-        </p:nvSpPr>
-        <p:spPr>
-          <a:xfrm>
-            <a:off x="942474" y="1188824"/>
-            <a:ext cx="10515600" cy="621638"/>
-          </a:xfrm>
-        </p:spPr>
-        <p:txBody>
-          <a:bodyPr>
-            <a:normAutofit/>
-          </a:bodyPr>
-          <a:lstStyle/>
-          <a:p>
-            <a:pPr marL="0" indent="0">
-              <a:buNone/>
-            </a:pPr>
-            <a:r>
-              <a:rPr lang="en-AU" i="1" dirty="0"/>
-              <a:t>Where are the ten happiest Countries in the world?</a:t>
-            </a:r>
-          </a:p>
-        </p:txBody>
-      </p:sp>
-      <p:sp>
-        <p:nvSpPr>
           <p:cNvPr id="2" name="Title 1">
             <a:extLst>
               <a:ext uri="{FF2B5EF4-FFF2-40B4-BE49-F238E27FC236}">
@@ -24939,101 +20927,66 @@
         </p:nvSpPr>
         <p:spPr>
           <a:xfrm>
-            <a:off x="890337" y="65516"/>
-            <a:ext cx="10567737" cy="1325563"/>
+            <a:off x="838200" y="174665"/>
+            <a:ext cx="10515600" cy="1325563"/>
           </a:xfrm>
         </p:spPr>
         <p:txBody>
-          <a:bodyPr/>
+          <a:bodyPr>
+            <a:normAutofit/>
+          </a:bodyPr>
           <a:lstStyle/>
           <a:p>
+            <a:pPr marL="0" indent="0">
+              <a:buNone/>
+            </a:pPr>
             <a:r>
-              <a:rPr lang="en-AU" dirty="0">
-                <a:latin typeface="+mn-lt"/>
+              <a:rPr lang="en-AU" sz="3200" dirty="0">
+                <a:solidFill>
+                  <a:srgbClr val="303030"/>
+                </a:solidFill>
+                <a:latin typeface="-apple-system"/>
               </a:rPr>
-              <a:t>World Map:</a:t>
+              <a:t>What are the variables that are used to measure happiness? </a:t>
             </a:r>
+            <a:endParaRPr lang="en-AU" sz="3200" dirty="0"/>
           </a:p>
         </p:txBody>
       </p:sp>
-      <p:pic>
-        <p:nvPicPr>
-          <p:cNvPr id="16" name="Picture 15" descr="A picture containing timeline&#10;&#10;Description automatically generated">
+      <p:graphicFrame>
+        <p:nvGraphicFramePr>
+          <p:cNvPr id="4" name="Content Placeholder 3">
             <a:extLst>
               <a:ext uri="{FF2B5EF4-FFF2-40B4-BE49-F238E27FC236}">
-                <a16:creationId xmlns:a16="http://schemas.microsoft.com/office/drawing/2014/main" id="{7564A1D5-3E7F-48FF-BF4F-C1A64134335E}"/>
+                <a16:creationId xmlns:a16="http://schemas.microsoft.com/office/drawing/2014/main" id="{740C41CB-C4F8-4BDC-B3A3-925002F2F957}"/>
               </a:ext>
             </a:extLst>
           </p:cNvPr>
-          <p:cNvPicPr>
-            <a:picLocks noChangeAspect="1"/>
-          </p:cNvPicPr>
-          <p:nvPr/>
-        </p:nvPicPr>
-        <p:blipFill>
-          <a:blip r:embed="rId3">
-            <a:extLst>
-              <a:ext uri="{28A0092B-C50C-407E-A947-70E740481C1C}">
-                <a14:useLocalDpi xmlns:a14="http://schemas.microsoft.com/office/drawing/2010/main" val="0"/>
-              </a:ext>
-            </a:extLst>
-          </a:blip>
-          <a:stretch>
-            <a:fillRect/>
-          </a:stretch>
-        </p:blipFill>
-        <p:spPr>
-          <a:xfrm>
-            <a:off x="3410799" y="1771440"/>
-            <a:ext cx="7138170" cy="4758780"/>
-          </a:xfrm>
-          <a:prstGeom prst="rect">
-            <a:avLst/>
-          </a:prstGeom>
-          <a:ln>
-            <a:noFill/>
-          </a:ln>
-          <a:effectLst>
-            <a:outerShdw blurRad="292100" dist="139700" dir="2700000" algn="tl" rotWithShape="0">
-              <a:srgbClr val="333333">
-                <a:alpha val="65000"/>
-              </a:srgbClr>
-            </a:outerShdw>
-          </a:effectLst>
-        </p:spPr>
-      </p:pic>
-      <p:graphicFrame>
-        <p:nvGraphicFramePr>
-          <p:cNvPr id="17" name="Diagram 16">
-            <a:extLst>
-              <a:ext uri="{FF2B5EF4-FFF2-40B4-BE49-F238E27FC236}">
-                <a16:creationId xmlns:a16="http://schemas.microsoft.com/office/drawing/2014/main" id="{FAB82F0F-E1E7-4A53-A5BB-0A4077969130}"/>
-              </a:ext>
-            </a:extLst>
-          </p:cNvPr>
-          <p:cNvGraphicFramePr/>
+          <p:cNvGraphicFramePr>
+            <a:graphicFrameLocks/>
+          </p:cNvGraphicFramePr>
           <p:nvPr>
             <p:extLst>
               <p:ext uri="{D42A27DB-BD31-4B8C-83A1-F6EECF244321}">
-                <p14:modId xmlns:p14="http://schemas.microsoft.com/office/powerpoint/2010/main" val="950778891"/>
+                <p14:modId xmlns:p14="http://schemas.microsoft.com/office/powerpoint/2010/main" val="1217143596"/>
               </p:ext>
             </p:extLst>
           </p:nvPr>
         </p:nvGraphicFramePr>
         <p:xfrm>
-          <a:off x="1038159" y="1715006"/>
-          <a:ext cx="1989789" cy="4871649"/>
+          <a:off x="300789" y="1407695"/>
+          <a:ext cx="11397916" cy="5029952"/>
         </p:xfrm>
         <a:graphic>
           <a:graphicData uri="http://schemas.openxmlformats.org/drawingml/2006/diagram">
-            <dgm:relIds xmlns:dgm="http://schemas.openxmlformats.org/drawingml/2006/diagram" xmlns:r="http://schemas.openxmlformats.org/officeDocument/2006/relationships" r:dm="rId4" r:lo="rId5" r:qs="rId6" r:cs="rId7"/>
+            <dgm:relIds xmlns:dgm="http://schemas.openxmlformats.org/drawingml/2006/diagram" xmlns:r="http://schemas.openxmlformats.org/officeDocument/2006/relationships" r:dm="rId3" r:lo="rId4" r:qs="rId5" r:cs="rId6"/>
           </a:graphicData>
         </a:graphic>
       </p:graphicFrame>
     </p:spTree>
     <p:extLst>
       <p:ext uri="{BB962C8B-B14F-4D97-AF65-F5344CB8AC3E}">
-        <p14:creationId xmlns:p14="http://schemas.microsoft.com/office/powerpoint/2010/main" val="3141630884"/>
+        <p14:creationId xmlns:p14="http://schemas.microsoft.com/office/powerpoint/2010/main" val="3125319103"/>
       </p:ext>
     </p:extLst>
   </p:cSld>
@@ -25137,7 +21090,7 @@
               <a:rPr lang="en-AU" dirty="0">
                 <a:latin typeface="+mn-lt"/>
               </a:rPr>
-              <a:t>Correlation Matrix:</a:t>
+              <a:t>Why are they the happiest countries? </a:t>
             </a:r>
           </a:p>
         </p:txBody>
@@ -25156,7 +21109,7 @@
         </p:nvGrpSpPr>
         <p:grpSpPr>
           <a:xfrm>
-            <a:off x="890336" y="1165440"/>
+            <a:off x="986030" y="1137080"/>
             <a:ext cx="6882063" cy="5241632"/>
             <a:chOff x="890336" y="1165440"/>
             <a:chExt cx="6882063" cy="5241632"/>
@@ -25293,31 +21246,6 @@
       </p:grpSpPr>
       <p:sp>
         <p:nvSpPr>
-          <p:cNvPr id="3" name="Content Placeholder 2">
-            <a:extLst>
-              <a:ext uri="{FF2B5EF4-FFF2-40B4-BE49-F238E27FC236}">
-                <a16:creationId xmlns:a16="http://schemas.microsoft.com/office/drawing/2014/main" id="{D4C8A1EF-05D4-4682-AFF4-8A336CCF4EC5}"/>
-              </a:ext>
-            </a:extLst>
-          </p:cNvPr>
-          <p:cNvSpPr>
-            <a:spLocks noGrp="1"/>
-          </p:cNvSpPr>
-          <p:nvPr>
-            <p:ph idx="1"/>
-          </p:nvPr>
-        </p:nvSpPr>
-        <p:spPr/>
-        <p:txBody>
-          <a:bodyPr/>
-          <a:lstStyle/>
-          <a:p>
-            <a:endParaRPr lang="en-AU" dirty="0"/>
-          </a:p>
-        </p:txBody>
-      </p:sp>
-      <p:sp>
-        <p:nvSpPr>
           <p:cNvPr id="2" name="Title 1">
             <a:extLst>
               <a:ext uri="{FF2B5EF4-FFF2-40B4-BE49-F238E27FC236}">
@@ -25334,27 +21262,69 @@
         </p:nvSpPr>
         <p:spPr>
           <a:xfrm>
-            <a:off x="838200" y="18255"/>
-            <a:ext cx="10515600" cy="1325563"/>
+            <a:off x="890337" y="65516"/>
+            <a:ext cx="10567737" cy="1325563"/>
           </a:xfrm>
         </p:spPr>
         <p:txBody>
-          <a:bodyPr/>
+          <a:bodyPr>
+            <a:normAutofit/>
+          </a:bodyPr>
           <a:lstStyle/>
           <a:p>
             <a:r>
-              <a:rPr lang="en-AU" dirty="0">
+              <a:rPr lang="en-AU" sz="3600" dirty="0">
                 <a:latin typeface="+mn-lt"/>
               </a:rPr>
-              <a:t>Discussion</a:t>
+              <a:t>Does Economy (GDP Per Capita) correlate with happiness score? </a:t>
             </a:r>
           </a:p>
         </p:txBody>
       </p:sp>
+      <p:pic>
+        <p:nvPicPr>
+          <p:cNvPr id="10" name="Picture 9">
+            <a:extLst>
+              <a:ext uri="{FF2B5EF4-FFF2-40B4-BE49-F238E27FC236}">
+                <a16:creationId xmlns:a16="http://schemas.microsoft.com/office/drawing/2014/main" id="{3B36B648-5629-4772-8CA3-373227861C57}"/>
+              </a:ext>
+            </a:extLst>
+          </p:cNvPr>
+          <p:cNvPicPr>
+            <a:picLocks noChangeAspect="1"/>
+          </p:cNvPicPr>
+          <p:nvPr/>
+        </p:nvPicPr>
+        <p:blipFill>
+          <a:blip r:embed="rId3"/>
+          <a:stretch>
+            <a:fillRect/>
+          </a:stretch>
+        </p:blipFill>
+        <p:spPr>
+          <a:xfrm>
+            <a:off x="3103156" y="1242223"/>
+            <a:ext cx="5985688" cy="5299256"/>
+          </a:xfrm>
+          <a:prstGeom prst="rect">
+            <a:avLst/>
+          </a:prstGeom>
+          <a:ln>
+            <a:noFill/>
+          </a:ln>
+          <a:effectLst>
+            <a:outerShdw blurRad="292100" dist="139700" dir="2700000" algn="tl" rotWithShape="0">
+              <a:srgbClr val="333333">
+                <a:alpha val="65000"/>
+              </a:srgbClr>
+            </a:outerShdw>
+          </a:effectLst>
+        </p:spPr>
+      </p:pic>
     </p:spTree>
     <p:extLst>
       <p:ext uri="{BB962C8B-B14F-4D97-AF65-F5344CB8AC3E}">
-        <p14:creationId xmlns:p14="http://schemas.microsoft.com/office/powerpoint/2010/main" val="780445972"/>
+        <p14:creationId xmlns:p14="http://schemas.microsoft.com/office/powerpoint/2010/main" val="3897030188"/>
       </p:ext>
     </p:extLst>
   </p:cSld>
@@ -25365,6 +21335,172 @@
 </file>
 
 <file path=ppt/slides/slide16.xml><?xml version="1.0" encoding="utf-8"?>
+<p:sld xmlns:a="http://schemas.openxmlformats.org/drawingml/2006/main" xmlns:r="http://schemas.openxmlformats.org/officeDocument/2006/relationships" xmlns:p="http://schemas.openxmlformats.org/presentationml/2006/main">
+  <p:cSld>
+    <p:spTree>
+      <p:nvGrpSpPr>
+        <p:cNvPr id="1" name=""/>
+        <p:cNvGrpSpPr/>
+        <p:nvPr/>
+      </p:nvGrpSpPr>
+      <p:grpSpPr>
+        <a:xfrm>
+          <a:off x="0" y="0"/>
+          <a:ext cx="0" cy="0"/>
+          <a:chOff x="0" y="0"/>
+          <a:chExt cx="0" cy="0"/>
+        </a:xfrm>
+      </p:grpSpPr>
+      <p:sp>
+        <p:nvSpPr>
+          <p:cNvPr id="8" name="Title 1">
+            <a:extLst>
+              <a:ext uri="{FF2B5EF4-FFF2-40B4-BE49-F238E27FC236}">
+                <a16:creationId xmlns:a16="http://schemas.microsoft.com/office/drawing/2014/main" id="{3DC70CA1-17F2-45F2-9E5B-4005631F3895}"/>
+              </a:ext>
+            </a:extLst>
+          </p:cNvPr>
+          <p:cNvSpPr txBox="1">
+            <a:spLocks/>
+          </p:cNvSpPr>
+          <p:nvPr/>
+        </p:nvSpPr>
+        <p:spPr>
+          <a:xfrm>
+            <a:off x="890337" y="65516"/>
+            <a:ext cx="10567737" cy="1325563"/>
+          </a:xfrm>
+          <a:prstGeom prst="rect">
+            <a:avLst/>
+          </a:prstGeom>
+        </p:spPr>
+        <p:txBody>
+          <a:bodyPr vert="horz" lIns="91440" tIns="45720" rIns="91440" bIns="45720" rtlCol="0" anchor="ctr">
+            <a:normAutofit/>
+          </a:bodyPr>
+          <a:lstStyle>
+            <a:lvl1pPr algn="l" defTabSz="914400" rtl="0" eaLnBrk="1" latinLnBrk="0" hangingPunct="1">
+              <a:lnSpc>
+                <a:spcPct val="90000"/>
+              </a:lnSpc>
+              <a:spcBef>
+                <a:spcPct val="0"/>
+              </a:spcBef>
+              <a:buNone/>
+              <a:defRPr sz="4400" kern="1200">
+                <a:solidFill>
+                  <a:schemeClr val="tx1"/>
+                </a:solidFill>
+                <a:latin typeface="+mj-lt"/>
+                <a:ea typeface="+mj-ea"/>
+                <a:cs typeface="+mj-cs"/>
+              </a:defRPr>
+            </a:lvl1pPr>
+          </a:lstStyle>
+          <a:p>
+            <a:r>
+              <a:rPr lang="en-AU" sz="4000" dirty="0">
+                <a:latin typeface="+mn-lt"/>
+              </a:rPr>
+              <a:t>Where does Australia rank in the world?</a:t>
+            </a:r>
+          </a:p>
+        </p:txBody>
+      </p:sp>
+      <p:pic>
+        <p:nvPicPr>
+          <p:cNvPr id="3" name="Picture 2">
+            <a:extLst>
+              <a:ext uri="{FF2B5EF4-FFF2-40B4-BE49-F238E27FC236}">
+                <a16:creationId xmlns:a16="http://schemas.microsoft.com/office/drawing/2014/main" id="{8DBE47E9-AAF1-46CC-8F27-E68C21CB0879}"/>
+              </a:ext>
+            </a:extLst>
+          </p:cNvPr>
+          <p:cNvPicPr>
+            <a:picLocks noChangeAspect="1"/>
+          </p:cNvPicPr>
+          <p:nvPr/>
+        </p:nvPicPr>
+        <p:blipFill>
+          <a:blip r:embed="rId3"/>
+          <a:stretch>
+            <a:fillRect/>
+          </a:stretch>
+        </p:blipFill>
+        <p:spPr>
+          <a:xfrm>
+            <a:off x="1507718" y="1829464"/>
+            <a:ext cx="4200525" cy="3943350"/>
+          </a:xfrm>
+          <a:prstGeom prst="rect">
+            <a:avLst/>
+          </a:prstGeom>
+          <a:ln>
+            <a:noFill/>
+          </a:ln>
+          <a:effectLst>
+            <a:outerShdw blurRad="292100" dist="139700" dir="2700000" algn="tl" rotWithShape="0">
+              <a:srgbClr val="333333">
+                <a:alpha val="65000"/>
+              </a:srgbClr>
+            </a:outerShdw>
+          </a:effectLst>
+        </p:spPr>
+      </p:pic>
+      <p:pic>
+        <p:nvPicPr>
+          <p:cNvPr id="5" name="Picture 4">
+            <a:extLst>
+              <a:ext uri="{FF2B5EF4-FFF2-40B4-BE49-F238E27FC236}">
+                <a16:creationId xmlns:a16="http://schemas.microsoft.com/office/drawing/2014/main" id="{B01C8641-00AE-4D40-AD85-0B3522A641A8}"/>
+              </a:ext>
+            </a:extLst>
+          </p:cNvPr>
+          <p:cNvPicPr>
+            <a:picLocks noChangeAspect="1"/>
+          </p:cNvPicPr>
+          <p:nvPr/>
+        </p:nvPicPr>
+        <p:blipFill>
+          <a:blip r:embed="rId4"/>
+          <a:stretch>
+            <a:fillRect/>
+          </a:stretch>
+        </p:blipFill>
+        <p:spPr>
+          <a:xfrm>
+            <a:off x="6351181" y="1858039"/>
+            <a:ext cx="4038600" cy="3886200"/>
+          </a:xfrm>
+          <a:prstGeom prst="rect">
+            <a:avLst/>
+          </a:prstGeom>
+          <a:ln>
+            <a:noFill/>
+          </a:ln>
+          <a:effectLst>
+            <a:outerShdw blurRad="292100" dist="139700" dir="2700000" algn="tl" rotWithShape="0">
+              <a:srgbClr val="333333">
+                <a:alpha val="65000"/>
+              </a:srgbClr>
+            </a:outerShdw>
+          </a:effectLst>
+        </p:spPr>
+      </p:pic>
+    </p:spTree>
+    <p:extLst>
+      <p:ext uri="{BB962C8B-B14F-4D97-AF65-F5344CB8AC3E}">
+        <p14:creationId xmlns:p14="http://schemas.microsoft.com/office/powerpoint/2010/main" val="2417621711"/>
+      </p:ext>
+    </p:extLst>
+  </p:cSld>
+  <p:clrMapOvr>
+    <a:masterClrMapping/>
+  </p:clrMapOvr>
+</p:sld>
+</file>
+
+<file path=ppt/slides/slide17.xml><?xml version="1.0" encoding="utf-8"?>
 <p:sld xmlns:a="http://schemas.openxmlformats.org/drawingml/2006/main" xmlns:r="http://schemas.openxmlformats.org/officeDocument/2006/relationships" xmlns:p="http://schemas.openxmlformats.org/presentationml/2006/main">
   <p:cSld>
     <p:spTree>
@@ -25397,10 +21533,166 @@
             <p:ph idx="1"/>
           </p:nvPr>
         </p:nvSpPr>
-        <p:spPr/>
+        <p:spPr>
+          <a:xfrm>
+            <a:off x="838200" y="1102611"/>
+            <a:ext cx="10515600" cy="5393882"/>
+          </a:xfrm>
+        </p:spPr>
         <p:txBody>
           <a:bodyPr/>
           <a:lstStyle/>
+          <a:p>
+            <a:r>
+              <a:rPr lang="en-US" dirty="0"/>
+              <a:t>Australia is in the top 10 happiest countries.</a:t>
+            </a:r>
+          </a:p>
+          <a:p>
+            <a:r>
+              <a:rPr lang="en-US" dirty="0"/>
+              <a:t>Australia sits above the mean for each variable. </a:t>
+            </a:r>
+          </a:p>
+          <a:p>
+            <a:r>
+              <a:rPr lang="en-US" dirty="0"/>
+              <a:t>The happiest region is Australia and New Zealand</a:t>
+            </a:r>
+          </a:p>
+          <a:p>
+            <a:r>
+              <a:rPr lang="en-US" dirty="0"/>
+              <a:t>7 of the top 10 happiest countries are from one region however, that region only ranked third happiest. </a:t>
+            </a:r>
+          </a:p>
+          <a:p>
+            <a:r>
+              <a:rPr lang="en-US" dirty="0"/>
+              <a:t>The P value is less than 5% so we reject the null hypothesis and conclude that there is a relationship between Happiness and Economy (GDP per Capita). </a:t>
+            </a:r>
+          </a:p>
+          <a:p>
+            <a:endParaRPr lang="en-AU" dirty="0"/>
+          </a:p>
+        </p:txBody>
+      </p:sp>
+      <p:sp>
+        <p:nvSpPr>
+          <p:cNvPr id="2" name="Title 1">
+            <a:extLst>
+              <a:ext uri="{FF2B5EF4-FFF2-40B4-BE49-F238E27FC236}">
+                <a16:creationId xmlns:a16="http://schemas.microsoft.com/office/drawing/2014/main" id="{45AE6FB9-B139-45DF-A0A3-CE9AB28DF5FB}"/>
+              </a:ext>
+            </a:extLst>
+          </p:cNvPr>
+          <p:cNvSpPr>
+            <a:spLocks noGrp="1"/>
+          </p:cNvSpPr>
+          <p:nvPr>
+            <p:ph type="title" idx="4294967295"/>
+          </p:nvPr>
+        </p:nvSpPr>
+        <p:spPr>
+          <a:xfrm>
+            <a:off x="838200" y="18255"/>
+            <a:ext cx="10515600" cy="1325563"/>
+          </a:xfrm>
+        </p:spPr>
+        <p:txBody>
+          <a:bodyPr/>
+          <a:lstStyle/>
+          <a:p>
+            <a:r>
+              <a:rPr lang="en-AU" dirty="0">
+                <a:latin typeface="+mn-lt"/>
+              </a:rPr>
+              <a:t>Discussion</a:t>
+            </a:r>
+          </a:p>
+        </p:txBody>
+      </p:sp>
+    </p:spTree>
+    <p:extLst>
+      <p:ext uri="{BB962C8B-B14F-4D97-AF65-F5344CB8AC3E}">
+        <p14:creationId xmlns:p14="http://schemas.microsoft.com/office/powerpoint/2010/main" val="780445972"/>
+      </p:ext>
+    </p:extLst>
+  </p:cSld>
+  <p:clrMapOvr>
+    <a:masterClrMapping/>
+  </p:clrMapOvr>
+</p:sld>
+</file>
+
+<file path=ppt/slides/slide18.xml><?xml version="1.0" encoding="utf-8"?>
+<p:sld xmlns:a="http://schemas.openxmlformats.org/drawingml/2006/main" xmlns:r="http://schemas.openxmlformats.org/officeDocument/2006/relationships" xmlns:p="http://schemas.openxmlformats.org/presentationml/2006/main">
+  <p:cSld>
+    <p:spTree>
+      <p:nvGrpSpPr>
+        <p:cNvPr id="1" name=""/>
+        <p:cNvGrpSpPr/>
+        <p:nvPr/>
+      </p:nvGrpSpPr>
+      <p:grpSpPr>
+        <a:xfrm>
+          <a:off x="0" y="0"/>
+          <a:ext cx="0" cy="0"/>
+          <a:chOff x="0" y="0"/>
+          <a:chExt cx="0" cy="0"/>
+        </a:xfrm>
+      </p:grpSpPr>
+      <p:sp>
+        <p:nvSpPr>
+          <p:cNvPr id="3" name="Content Placeholder 2">
+            <a:extLst>
+              <a:ext uri="{FF2B5EF4-FFF2-40B4-BE49-F238E27FC236}">
+                <a16:creationId xmlns:a16="http://schemas.microsoft.com/office/drawing/2014/main" id="{D4C8A1EF-05D4-4682-AFF4-8A336CCF4EC5}"/>
+              </a:ext>
+            </a:extLst>
+          </p:cNvPr>
+          <p:cNvSpPr>
+            <a:spLocks noGrp="1"/>
+          </p:cNvSpPr>
+          <p:nvPr>
+            <p:ph idx="1"/>
+          </p:nvPr>
+        </p:nvSpPr>
+        <p:spPr>
+          <a:xfrm>
+            <a:off x="838200" y="975019"/>
+            <a:ext cx="10515600" cy="5564003"/>
+          </a:xfrm>
+        </p:spPr>
+        <p:txBody>
+          <a:bodyPr>
+            <a:normAutofit/>
+          </a:bodyPr>
+          <a:lstStyle/>
+          <a:p>
+            <a:r>
+              <a:rPr lang="en-AU" dirty="0"/>
+              <a:t>We originally planned on doing our project on Covid and how it affected the suicide rate, the divorce rate and was there an increase in births. We had issues with trying to find the data and also current data. </a:t>
+            </a:r>
+          </a:p>
+          <a:p>
+            <a:r>
+              <a:rPr lang="en-AU" dirty="0"/>
+              <a:t>Alysha identified a problem with the data when completing the correlation heat map. Our code was calling the incorrect data frame and was resulting in the incorrect figures being generated. </a:t>
+            </a:r>
+          </a:p>
+          <a:p>
+            <a:r>
+              <a:rPr lang="en-AU" dirty="0"/>
+              <a:t>We identified a bias in the data as some regions have multiple countries and others only have two e.g. Australia and New Zealand.</a:t>
+            </a:r>
+          </a:p>
+          <a:p>
+            <a:r>
+              <a:rPr lang="en-AU" dirty="0"/>
+              <a:t>If we had more time we would have cleaned the data more. For example, update the Country names so they are all matching. The heat map has missing data due to names not matching our data set. E.g. United Sates and United States of America. </a:t>
+            </a:r>
+          </a:p>
           <a:p>
             <a:endParaRPr lang="en-AU" dirty="0"/>
           </a:p>
@@ -25454,7 +21746,7 @@
 </p:sld>
 </file>
 
-<file path=ppt/slides/slide17.xml><?xml version="1.0" encoding="utf-8"?>
+<file path=ppt/slides/slide19.xml><?xml version="1.0" encoding="utf-8"?>
 <p:sld xmlns:a="http://schemas.openxmlformats.org/drawingml/2006/main" xmlns:r="http://schemas.openxmlformats.org/officeDocument/2006/relationships" xmlns:p="http://schemas.openxmlformats.org/presentationml/2006/main">
   <p:cSld>
     <p:spTree>
@@ -25775,7 +22067,7 @@
           <p:nvPr>
             <p:extLst>
               <p:ext uri="{D42A27DB-BD31-4B8C-83A1-F6EECF244321}">
-                <p14:modId xmlns:p14="http://schemas.microsoft.com/office/powerpoint/2010/main" val="3010801599"/>
+                <p14:modId xmlns:p14="http://schemas.microsoft.com/office/powerpoint/2010/main" val="1363937665"/>
               </p:ext>
             </p:extLst>
           </p:nvPr>
@@ -25949,7 +22241,7 @@
           <p:nvPr>
             <p:extLst>
               <p:ext uri="{D42A27DB-BD31-4B8C-83A1-F6EECF244321}">
-                <p14:modId xmlns:p14="http://schemas.microsoft.com/office/powerpoint/2010/main" val="2416543175"/>
+                <p14:modId xmlns:p14="http://schemas.microsoft.com/office/powerpoint/2010/main" val="4224894161"/>
               </p:ext>
             </p:extLst>
           </p:nvPr>
@@ -26012,18 +22304,159 @@
         </p:nvSpPr>
         <p:spPr>
           <a:xfrm>
-            <a:off x="838200" y="1631034"/>
-            <a:ext cx="10515600" cy="2306059"/>
+            <a:off x="838200" y="720583"/>
+            <a:ext cx="10515600" cy="5416833"/>
           </a:xfrm>
         </p:spPr>
         <p:txBody>
-          <a:bodyPr/>
+          <a:bodyPr>
+            <a:normAutofit/>
+          </a:bodyPr>
           <a:lstStyle/>
           <a:p>
             <a:pPr marL="0" indent="0">
               <a:buNone/>
             </a:pPr>
-            <a:endParaRPr lang="en-AU" dirty="0"/>
+            <a:endParaRPr lang="en-AU" dirty="0">
+              <a:solidFill>
+                <a:srgbClr val="303030"/>
+              </a:solidFill>
+              <a:latin typeface="-apple-system"/>
+            </a:endParaRPr>
+          </a:p>
+          <a:p>
+            <a:pPr marL="0" indent="0">
+              <a:lnSpc>
+                <a:spcPct val="107000"/>
+              </a:lnSpc>
+              <a:spcAft>
+                <a:spcPts val="1200"/>
+              </a:spcAft>
+              <a:buNone/>
+            </a:pPr>
+            <a:r>
+              <a:rPr lang="en-AU" sz="1800" dirty="0">
+                <a:solidFill>
+                  <a:srgbClr val="24292E"/>
+                </a:solidFill>
+                <a:effectLst/>
+                <a:latin typeface="Segoe UI" panose="020B0502040204020203" pitchFamily="34" charset="0"/>
+                <a:ea typeface="Times New Roman" panose="02020603050405020304" pitchFamily="18" charset="0"/>
+                <a:cs typeface="Times New Roman" panose="02020603050405020304" pitchFamily="18" charset="0"/>
+              </a:rPr>
+              <a:t>As a global society, we are waking up to the fact that happiness in our daily lives is extremely important. The positive effects of a balanced mind spread not only throughout a person's life, but also throughout society in a stone-in-the-pond figure of speech.</a:t>
+            </a:r>
+            <a:endParaRPr lang="en-AU" sz="1800" dirty="0">
+              <a:latin typeface="Calibri" panose="020F0502020204030204" pitchFamily="34" charset="0"/>
+              <a:ea typeface="Times New Roman" panose="02020603050405020304" pitchFamily="18" charset="0"/>
+              <a:cs typeface="Times New Roman" panose="02020603050405020304" pitchFamily="18" charset="0"/>
+            </a:endParaRPr>
+          </a:p>
+          <a:p>
+            <a:pPr marL="0" indent="0">
+              <a:lnSpc>
+                <a:spcPct val="107000"/>
+              </a:lnSpc>
+              <a:spcAft>
+                <a:spcPts val="1200"/>
+              </a:spcAft>
+              <a:buNone/>
+            </a:pPr>
+            <a:r>
+              <a:rPr lang="en-AU" sz="1800" dirty="0">
+                <a:solidFill>
+                  <a:srgbClr val="24292E"/>
+                </a:solidFill>
+                <a:effectLst/>
+                <a:latin typeface="Segoe UI" panose="020B0502040204020203" pitchFamily="34" charset="0"/>
+                <a:ea typeface="Times New Roman" panose="02020603050405020304" pitchFamily="18" charset="0"/>
+                <a:cs typeface="Times New Roman" panose="02020603050405020304" pitchFamily="18" charset="0"/>
+              </a:rPr>
+              <a:t>Corporations, governments, and organisations are becoming increasingly aware of the importance of happiness. It could be noted that when minimum satisfaction standards are reached people are better able to contribute to their day to day lives and respective duties, and that it is also in their best interests to contribute to people's well-being. As a result, satisfaction metrics are constantly being used in policy decisions all around the globe.</a:t>
+            </a:r>
+          </a:p>
+          <a:p>
+            <a:pPr marL="0" indent="0">
+              <a:lnSpc>
+                <a:spcPct val="107000"/>
+              </a:lnSpc>
+              <a:spcAft>
+                <a:spcPts val="1200"/>
+              </a:spcAft>
+              <a:buNone/>
+            </a:pPr>
+            <a:r>
+              <a:rPr lang="en-US" sz="1800" dirty="0">
+                <a:solidFill>
+                  <a:srgbClr val="24292E"/>
+                </a:solidFill>
+                <a:latin typeface="Segoe UI" panose="020B0502040204020203" pitchFamily="34" charset="0"/>
+                <a:cs typeface="Times New Roman" panose="02020603050405020304" pitchFamily="18" charset="0"/>
+              </a:rPr>
+              <a:t>The World Happiness Report is a publication of the Sustainable Development Solutions Network, powered by data from the Gallup World Poll and Lloyd’s Register Foundation, who provided access to the World Risk Poll.</a:t>
+            </a:r>
+            <a:endParaRPr lang="en-AU" sz="1800" dirty="0">
+              <a:effectLst/>
+              <a:latin typeface="Calibri" panose="020F0502020204030204" pitchFamily="34" charset="0"/>
+              <a:ea typeface="Calibri" panose="020F0502020204030204" pitchFamily="34" charset="0"/>
+              <a:cs typeface="Times New Roman" panose="02020603050405020304" pitchFamily="18" charset="0"/>
+            </a:endParaRPr>
+          </a:p>
+          <a:p>
+            <a:pPr marL="0" indent="0">
+              <a:lnSpc>
+                <a:spcPct val="107000"/>
+              </a:lnSpc>
+              <a:spcAft>
+                <a:spcPts val="1200"/>
+              </a:spcAft>
+              <a:buNone/>
+            </a:pPr>
+            <a:r>
+              <a:rPr lang="en-AU" sz="1800" dirty="0">
+                <a:solidFill>
+                  <a:srgbClr val="24292E"/>
+                </a:solidFill>
+                <a:effectLst/>
+                <a:latin typeface="Segoe UI" panose="020B0502040204020203" pitchFamily="34" charset="0"/>
+                <a:ea typeface="Times New Roman" panose="02020603050405020304" pitchFamily="18" charset="0"/>
+                <a:cs typeface="Times New Roman" panose="02020603050405020304" pitchFamily="18" charset="0"/>
+              </a:rPr>
+              <a:t>The purpose of this project is to dive in and analyse the happiness score per country around the world </a:t>
+            </a:r>
+            <a:r>
+              <a:rPr lang="en-AU" sz="1800" dirty="0">
+                <a:solidFill>
+                  <a:srgbClr val="24292E"/>
+                </a:solidFill>
+                <a:latin typeface="Segoe UI" panose="020B0502040204020203" pitchFamily="34" charset="0"/>
+                <a:cs typeface="Times New Roman" panose="02020603050405020304" pitchFamily="18" charset="0"/>
+              </a:rPr>
+              <a:t>and the main characteristics of what forms “Happiness”.</a:t>
+            </a:r>
+          </a:p>
+          <a:p>
+            <a:pPr marL="0" indent="0">
+              <a:buNone/>
+            </a:pPr>
+            <a:endParaRPr lang="en-AU" b="0" i="0" dirty="0">
+              <a:solidFill>
+                <a:srgbClr val="303030"/>
+              </a:solidFill>
+              <a:effectLst/>
+              <a:latin typeface="-apple-system"/>
+            </a:endParaRPr>
+          </a:p>
+          <a:p>
+            <a:pPr marL="0" indent="0">
+              <a:buNone/>
+            </a:pPr>
+            <a:endParaRPr lang="en-AU" dirty="0">
+              <a:solidFill>
+                <a:srgbClr val="303030"/>
+              </a:solidFill>
+              <a:latin typeface="-apple-system"/>
+            </a:endParaRPr>
           </a:p>
         </p:txBody>
       </p:sp>
@@ -26046,7 +22479,7 @@
         <p:spPr>
           <a:xfrm>
             <a:off x="838200" y="305471"/>
-            <a:ext cx="10567737" cy="1325563"/>
+            <a:ext cx="10567737" cy="933677"/>
           </a:xfrm>
         </p:spPr>
         <p:txBody>
@@ -26094,42 +22527,6 @@
       </p:grpSpPr>
       <p:sp>
         <p:nvSpPr>
-          <p:cNvPr id="3" name="Content Placeholder 2">
-            <a:extLst>
-              <a:ext uri="{FF2B5EF4-FFF2-40B4-BE49-F238E27FC236}">
-                <a16:creationId xmlns:a16="http://schemas.microsoft.com/office/drawing/2014/main" id="{D4C8A1EF-05D4-4682-AFF4-8A336CCF4EC5}"/>
-              </a:ext>
-            </a:extLst>
-          </p:cNvPr>
-          <p:cNvSpPr>
-            <a:spLocks noGrp="1"/>
-          </p:cNvSpPr>
-          <p:nvPr>
-            <p:ph idx="1"/>
-          </p:nvPr>
-        </p:nvSpPr>
-        <p:spPr>
-          <a:xfrm>
-            <a:off x="864268" y="1436443"/>
-            <a:ext cx="10515600" cy="882782"/>
-          </a:xfrm>
-        </p:spPr>
-        <p:txBody>
-          <a:bodyPr/>
-          <a:lstStyle/>
-          <a:p>
-            <a:pPr marL="0" indent="0">
-              <a:buNone/>
-            </a:pPr>
-            <a:r>
-              <a:rPr lang="en-AU" dirty="0"/>
-              <a:t>Is happiness dependent on Economic (GDP per Capita)?</a:t>
-            </a:r>
-          </a:p>
-        </p:txBody>
-      </p:sp>
-      <p:sp>
-        <p:nvSpPr>
           <p:cNvPr id="2" name="Title 1">
             <a:extLst>
               <a:ext uri="{FF2B5EF4-FFF2-40B4-BE49-F238E27FC236}">
@@ -26146,8 +22543,8 @@
         </p:nvSpPr>
         <p:spPr>
           <a:xfrm>
-            <a:off x="864268" y="299054"/>
-            <a:ext cx="10567737" cy="1325563"/>
+            <a:off x="8689832" y="1830351"/>
+            <a:ext cx="2720846" cy="1325563"/>
           </a:xfrm>
         </p:spPr>
         <p:txBody>
@@ -26158,7 +22555,7 @@
               <a:rPr lang="en-AU" dirty="0">
                 <a:latin typeface="+mn-lt"/>
               </a:rPr>
-              <a:t>Hypothesis:</a:t>
+              <a:t>Questions</a:t>
             </a:r>
           </a:p>
         </p:txBody>
@@ -26177,8 +22574,8 @@
         </p:nvGrpSpPr>
         <p:grpSpPr>
           <a:xfrm>
-            <a:off x="3319463" y="2595238"/>
-            <a:ext cx="5553074" cy="3887076"/>
+            <a:off x="3055591" y="1530538"/>
+            <a:ext cx="7610808" cy="5327462"/>
             <a:chOff x="6237876" y="2470862"/>
             <a:chExt cx="5553074" cy="3887076"/>
           </a:xfrm>
@@ -26265,7 +22662,7 @@
             <a:p>
               <a:pPr algn="ctr"/>
               <a:r>
-                <a:rPr lang="en-AU" sz="1200" i="1" dirty="0"/>
+                <a:rPr lang="en-AU" sz="1400" i="1" dirty="0"/>
                 <a:t>Where are the ten Happiest Countries in the world?</a:t>
               </a:r>
             </a:p>
@@ -26317,7 +22714,7 @@
             <a:p>
               <a:pPr algn="ctr"/>
               <a:r>
-                <a:rPr lang="en-US" sz="1200" i="1" dirty="0"/>
+                <a:rPr lang="en-US" sz="1400" i="1" dirty="0"/>
                 <a:t>Why are they the Happiest Countries?</a:t>
               </a:r>
             </a:p>
@@ -26369,7 +22766,7 @@
             <a:p>
               <a:pPr algn="ctr"/>
               <a:r>
-                <a:rPr lang="en-US" sz="1200" i="1" dirty="0"/>
+                <a:rPr lang="en-US" sz="1400" i="1" dirty="0"/>
                 <a:t>Where does Australia rank in the world?</a:t>
               </a:r>
             </a:p>
@@ -26378,10 +22775,10 @@
       </p:grpSp>
       <p:sp>
         <p:nvSpPr>
-          <p:cNvPr id="14" name="Title 1">
+          <p:cNvPr id="15" name="Title 1">
             <a:extLst>
               <a:ext uri="{FF2B5EF4-FFF2-40B4-BE49-F238E27FC236}">
-                <a16:creationId xmlns:a16="http://schemas.microsoft.com/office/drawing/2014/main" id="{10C8B8FC-349A-4F05-B828-FCD8722A1418}"/>
+                <a16:creationId xmlns:a16="http://schemas.microsoft.com/office/drawing/2014/main" id="{17080229-5B03-45EF-9BB7-75B038E0ACC3}"/>
               </a:ext>
             </a:extLst>
           </p:cNvPr>
@@ -26392,8 +22789,8 @@
         </p:nvSpPr>
         <p:spPr>
           <a:xfrm>
-            <a:off x="864268" y="2296479"/>
-            <a:ext cx="3280611" cy="1325563"/>
+            <a:off x="304287" y="75867"/>
+            <a:ext cx="3108764" cy="1325563"/>
           </a:xfrm>
           <a:prstGeom prst="rect">
             <a:avLst/>
@@ -26427,7 +22824,210 @@
               <a:rPr lang="en-AU" dirty="0">
                 <a:latin typeface="+mn-lt"/>
               </a:rPr>
-              <a:t>Questions:</a:t>
+              <a:t>Hypothesis:</a:t>
+            </a:r>
+          </a:p>
+        </p:txBody>
+      </p:sp>
+      <p:sp>
+        <p:nvSpPr>
+          <p:cNvPr id="16" name="Content Placeholder 2">
+            <a:extLst>
+              <a:ext uri="{FF2B5EF4-FFF2-40B4-BE49-F238E27FC236}">
+                <a16:creationId xmlns:a16="http://schemas.microsoft.com/office/drawing/2014/main" id="{DD05A3CB-AC57-48CB-8CF7-F0E3BAFD79EB}"/>
+              </a:ext>
+            </a:extLst>
+          </p:cNvPr>
+          <p:cNvSpPr txBox="1">
+            <a:spLocks/>
+          </p:cNvSpPr>
+          <p:nvPr/>
+        </p:nvSpPr>
+        <p:spPr>
+          <a:xfrm>
+            <a:off x="329609" y="1018808"/>
+            <a:ext cx="3916839" cy="1951200"/>
+          </a:xfrm>
+          <a:prstGeom prst="rect">
+            <a:avLst/>
+          </a:prstGeom>
+        </p:spPr>
+        <p:txBody>
+          <a:bodyPr vert="horz" lIns="91440" tIns="45720" rIns="91440" bIns="45720" rtlCol="0">
+            <a:normAutofit/>
+          </a:bodyPr>
+          <a:lstStyle>
+            <a:lvl1pPr marL="228600" indent="-228600" algn="l" defTabSz="914400" rtl="0" eaLnBrk="1" latinLnBrk="0" hangingPunct="1">
+              <a:lnSpc>
+                <a:spcPct val="90000"/>
+              </a:lnSpc>
+              <a:spcBef>
+                <a:spcPts val="1000"/>
+              </a:spcBef>
+              <a:buFont typeface="Arial" panose="020B0604020202020204" pitchFamily="34" charset="0"/>
+              <a:buChar char="•"/>
+              <a:defRPr sz="2800" kern="1200">
+                <a:solidFill>
+                  <a:schemeClr val="tx1"/>
+                </a:solidFill>
+                <a:latin typeface="+mn-lt"/>
+                <a:ea typeface="+mn-ea"/>
+                <a:cs typeface="+mn-cs"/>
+              </a:defRPr>
+            </a:lvl1pPr>
+            <a:lvl2pPr marL="685800" indent="-228600" algn="l" defTabSz="914400" rtl="0" eaLnBrk="1" latinLnBrk="0" hangingPunct="1">
+              <a:lnSpc>
+                <a:spcPct val="90000"/>
+              </a:lnSpc>
+              <a:spcBef>
+                <a:spcPts val="500"/>
+              </a:spcBef>
+              <a:buFont typeface="Arial" panose="020B0604020202020204" pitchFamily="34" charset="0"/>
+              <a:buChar char="•"/>
+              <a:defRPr sz="2400" kern="1200">
+                <a:solidFill>
+                  <a:schemeClr val="tx1"/>
+                </a:solidFill>
+                <a:latin typeface="+mn-lt"/>
+                <a:ea typeface="+mn-ea"/>
+                <a:cs typeface="+mn-cs"/>
+              </a:defRPr>
+            </a:lvl2pPr>
+            <a:lvl3pPr marL="1143000" indent="-228600" algn="l" defTabSz="914400" rtl="0" eaLnBrk="1" latinLnBrk="0" hangingPunct="1">
+              <a:lnSpc>
+                <a:spcPct val="90000"/>
+              </a:lnSpc>
+              <a:spcBef>
+                <a:spcPts val="500"/>
+              </a:spcBef>
+              <a:buFont typeface="Arial" panose="020B0604020202020204" pitchFamily="34" charset="0"/>
+              <a:buChar char="•"/>
+              <a:defRPr sz="2000" kern="1200">
+                <a:solidFill>
+                  <a:schemeClr val="tx1"/>
+                </a:solidFill>
+                <a:latin typeface="+mn-lt"/>
+                <a:ea typeface="+mn-ea"/>
+                <a:cs typeface="+mn-cs"/>
+              </a:defRPr>
+            </a:lvl3pPr>
+            <a:lvl4pPr marL="1600200" indent="-228600" algn="l" defTabSz="914400" rtl="0" eaLnBrk="1" latinLnBrk="0" hangingPunct="1">
+              <a:lnSpc>
+                <a:spcPct val="90000"/>
+              </a:lnSpc>
+              <a:spcBef>
+                <a:spcPts val="500"/>
+              </a:spcBef>
+              <a:buFont typeface="Arial" panose="020B0604020202020204" pitchFamily="34" charset="0"/>
+              <a:buChar char="•"/>
+              <a:defRPr sz="1800" kern="1200">
+                <a:solidFill>
+                  <a:schemeClr val="tx1"/>
+                </a:solidFill>
+                <a:latin typeface="+mn-lt"/>
+                <a:ea typeface="+mn-ea"/>
+                <a:cs typeface="+mn-cs"/>
+              </a:defRPr>
+            </a:lvl4pPr>
+            <a:lvl5pPr marL="2057400" indent="-228600" algn="l" defTabSz="914400" rtl="0" eaLnBrk="1" latinLnBrk="0" hangingPunct="1">
+              <a:lnSpc>
+                <a:spcPct val="90000"/>
+              </a:lnSpc>
+              <a:spcBef>
+                <a:spcPts val="500"/>
+              </a:spcBef>
+              <a:buFont typeface="Arial" panose="020B0604020202020204" pitchFamily="34" charset="0"/>
+              <a:buChar char="•"/>
+              <a:defRPr sz="1800" kern="1200">
+                <a:solidFill>
+                  <a:schemeClr val="tx1"/>
+                </a:solidFill>
+                <a:latin typeface="+mn-lt"/>
+                <a:ea typeface="+mn-ea"/>
+                <a:cs typeface="+mn-cs"/>
+              </a:defRPr>
+            </a:lvl5pPr>
+            <a:lvl6pPr marL="2514600" indent="-228600" algn="l" defTabSz="914400" rtl="0" eaLnBrk="1" latinLnBrk="0" hangingPunct="1">
+              <a:lnSpc>
+                <a:spcPct val="90000"/>
+              </a:lnSpc>
+              <a:spcBef>
+                <a:spcPts val="500"/>
+              </a:spcBef>
+              <a:buFont typeface="Arial" panose="020B0604020202020204" pitchFamily="34" charset="0"/>
+              <a:buChar char="•"/>
+              <a:defRPr sz="1800" kern="1200">
+                <a:solidFill>
+                  <a:schemeClr val="tx1"/>
+                </a:solidFill>
+                <a:latin typeface="+mn-lt"/>
+                <a:ea typeface="+mn-ea"/>
+                <a:cs typeface="+mn-cs"/>
+              </a:defRPr>
+            </a:lvl6pPr>
+            <a:lvl7pPr marL="2971800" indent="-228600" algn="l" defTabSz="914400" rtl="0" eaLnBrk="1" latinLnBrk="0" hangingPunct="1">
+              <a:lnSpc>
+                <a:spcPct val="90000"/>
+              </a:lnSpc>
+              <a:spcBef>
+                <a:spcPts val="500"/>
+              </a:spcBef>
+              <a:buFont typeface="Arial" panose="020B0604020202020204" pitchFamily="34" charset="0"/>
+              <a:buChar char="•"/>
+              <a:defRPr sz="1800" kern="1200">
+                <a:solidFill>
+                  <a:schemeClr val="tx1"/>
+                </a:solidFill>
+                <a:latin typeface="+mn-lt"/>
+                <a:ea typeface="+mn-ea"/>
+                <a:cs typeface="+mn-cs"/>
+              </a:defRPr>
+            </a:lvl7pPr>
+            <a:lvl8pPr marL="3429000" indent="-228600" algn="l" defTabSz="914400" rtl="0" eaLnBrk="1" latinLnBrk="0" hangingPunct="1">
+              <a:lnSpc>
+                <a:spcPct val="90000"/>
+              </a:lnSpc>
+              <a:spcBef>
+                <a:spcPts val="500"/>
+              </a:spcBef>
+              <a:buFont typeface="Arial" panose="020B0604020202020204" pitchFamily="34" charset="0"/>
+              <a:buChar char="•"/>
+              <a:defRPr sz="1800" kern="1200">
+                <a:solidFill>
+                  <a:schemeClr val="tx1"/>
+                </a:solidFill>
+                <a:latin typeface="+mn-lt"/>
+                <a:ea typeface="+mn-ea"/>
+                <a:cs typeface="+mn-cs"/>
+              </a:defRPr>
+            </a:lvl8pPr>
+            <a:lvl9pPr marL="3886200" indent="-228600" algn="l" defTabSz="914400" rtl="0" eaLnBrk="1" latinLnBrk="0" hangingPunct="1">
+              <a:lnSpc>
+                <a:spcPct val="90000"/>
+              </a:lnSpc>
+              <a:spcBef>
+                <a:spcPts val="500"/>
+              </a:spcBef>
+              <a:buFont typeface="Arial" panose="020B0604020202020204" pitchFamily="34" charset="0"/>
+              <a:buChar char="•"/>
+              <a:defRPr sz="1800" kern="1200">
+                <a:solidFill>
+                  <a:schemeClr val="tx1"/>
+                </a:solidFill>
+                <a:latin typeface="+mn-lt"/>
+                <a:ea typeface="+mn-ea"/>
+                <a:cs typeface="+mn-cs"/>
+              </a:defRPr>
+            </a:lvl9pPr>
+          </a:lstStyle>
+          <a:p>
+            <a:pPr marL="0" indent="0">
+              <a:buFont typeface="Arial" panose="020B0604020202020204" pitchFamily="34" charset="0"/>
+              <a:buNone/>
+            </a:pPr>
+            <a:r>
+              <a:rPr lang="en-AU" dirty="0"/>
+              <a:t>H0:Happiness has no relationship with Economy (GDP per capita)</a:t>
             </a:r>
           </a:p>
         </p:txBody>
@@ -26435,7 +23035,7 @@
     </p:spTree>
     <p:extLst>
       <p:ext uri="{BB962C8B-B14F-4D97-AF65-F5344CB8AC3E}">
-        <p14:creationId xmlns:p14="http://schemas.microsoft.com/office/powerpoint/2010/main" val="3452857715"/>
+        <p14:creationId xmlns:p14="http://schemas.microsoft.com/office/powerpoint/2010/main" val="1790005450"/>
       </p:ext>
     </p:extLst>
   </p:cSld>
@@ -26464,41 +23064,6 @@
       </p:grpSpPr>
       <p:sp>
         <p:nvSpPr>
-          <p:cNvPr id="2" name="Title 1">
-            <a:extLst>
-              <a:ext uri="{FF2B5EF4-FFF2-40B4-BE49-F238E27FC236}">
-                <a16:creationId xmlns:a16="http://schemas.microsoft.com/office/drawing/2014/main" id="{45AE6FB9-B139-45DF-A0A3-CE9AB28DF5FB}"/>
-              </a:ext>
-            </a:extLst>
-          </p:cNvPr>
-          <p:cNvSpPr>
-            <a:spLocks noGrp="1"/>
-          </p:cNvSpPr>
-          <p:nvPr>
-            <p:ph type="title" idx="4294967295"/>
-          </p:nvPr>
-        </p:nvSpPr>
-        <p:spPr>
-          <a:xfrm>
-            <a:off x="838200" y="174665"/>
-            <a:ext cx="10515600" cy="1325563"/>
-          </a:xfrm>
-        </p:spPr>
-        <p:txBody>
-          <a:bodyPr/>
-          <a:lstStyle/>
-          <a:p>
-            <a:r>
-              <a:rPr lang="en-AU" dirty="0">
-                <a:latin typeface="+mn-lt"/>
-              </a:rPr>
-              <a:t>Questions &amp; Data</a:t>
-            </a:r>
-          </a:p>
-        </p:txBody>
-      </p:sp>
-      <p:sp>
-        <p:nvSpPr>
           <p:cNvPr id="6" name="Content Placeholder 5">
             <a:extLst>
               <a:ext uri="{FF2B5EF4-FFF2-40B4-BE49-F238E27FC236}">
@@ -26513,12 +23078,340 @@
             <p:ph idx="1"/>
           </p:nvPr>
         </p:nvSpPr>
-        <p:spPr/>
+        <p:spPr>
+          <a:xfrm>
+            <a:off x="453656" y="5870907"/>
+            <a:ext cx="10515600" cy="846438"/>
+          </a:xfrm>
+        </p:spPr>
         <p:txBody>
-          <a:bodyPr/>
+          <a:bodyPr>
+            <a:normAutofit fontScale="92500" lnSpcReduction="20000"/>
+          </a:bodyPr>
           <a:lstStyle/>
           <a:p>
-            <a:endParaRPr lang="en-AU"/>
+            <a:pPr marL="0" indent="0">
+              <a:buNone/>
+            </a:pPr>
+            <a:r>
+              <a:rPr lang="en-AU" dirty="0"/>
+              <a:t>https://www.kaggle.com/mathurinache/world-happiness-report</a:t>
+            </a:r>
+          </a:p>
+          <a:p>
+            <a:pPr marL="0" indent="0">
+              <a:buNone/>
+            </a:pPr>
+            <a:r>
+              <a:rPr lang="en-AU" dirty="0"/>
+              <a:t> </a:t>
+            </a:r>
+          </a:p>
+          <a:p>
+            <a:pPr marL="0" indent="0">
+              <a:buNone/>
+            </a:pPr>
+            <a:endParaRPr lang="en-AU" dirty="0"/>
+          </a:p>
+        </p:txBody>
+      </p:sp>
+      <p:pic>
+        <p:nvPicPr>
+          <p:cNvPr id="4" name="Picture 3">
+            <a:extLst>
+              <a:ext uri="{FF2B5EF4-FFF2-40B4-BE49-F238E27FC236}">
+                <a16:creationId xmlns:a16="http://schemas.microsoft.com/office/drawing/2014/main" id="{4B893387-AFF0-47C1-A7BA-579214EF1758}"/>
+              </a:ext>
+            </a:extLst>
+          </p:cNvPr>
+          <p:cNvPicPr>
+            <a:picLocks noChangeAspect="1"/>
+          </p:cNvPicPr>
+          <p:nvPr/>
+        </p:nvPicPr>
+        <p:blipFill>
+          <a:blip r:embed="rId3"/>
+          <a:stretch>
+            <a:fillRect/>
+          </a:stretch>
+        </p:blipFill>
+        <p:spPr>
+          <a:xfrm>
+            <a:off x="453656" y="3327455"/>
+            <a:ext cx="4162425" cy="2171700"/>
+          </a:xfrm>
+          <a:prstGeom prst="rect">
+            <a:avLst/>
+          </a:prstGeom>
+          <a:ln>
+            <a:noFill/>
+          </a:ln>
+          <a:effectLst>
+            <a:outerShdw blurRad="292100" dist="139700" dir="2700000" algn="tl" rotWithShape="0">
+              <a:srgbClr val="333333">
+                <a:alpha val="65000"/>
+              </a:srgbClr>
+            </a:outerShdw>
+          </a:effectLst>
+        </p:spPr>
+      </p:pic>
+      <p:pic>
+        <p:nvPicPr>
+          <p:cNvPr id="8" name="Picture 7">
+            <a:extLst>
+              <a:ext uri="{FF2B5EF4-FFF2-40B4-BE49-F238E27FC236}">
+                <a16:creationId xmlns:a16="http://schemas.microsoft.com/office/drawing/2014/main" id="{5AB06BD1-AF56-44E1-8B0F-6BA35AFBBA74}"/>
+              </a:ext>
+            </a:extLst>
+          </p:cNvPr>
+          <p:cNvPicPr>
+            <a:picLocks noChangeAspect="1"/>
+          </p:cNvPicPr>
+          <p:nvPr/>
+        </p:nvPicPr>
+        <p:blipFill>
+          <a:blip r:embed="rId4"/>
+          <a:stretch>
+            <a:fillRect/>
+          </a:stretch>
+        </p:blipFill>
+        <p:spPr>
+          <a:xfrm>
+            <a:off x="453656" y="1081807"/>
+            <a:ext cx="6138530" cy="1746306"/>
+          </a:xfrm>
+          <a:prstGeom prst="rect">
+            <a:avLst/>
+          </a:prstGeom>
+          <a:ln>
+            <a:noFill/>
+          </a:ln>
+          <a:effectLst>
+            <a:outerShdw blurRad="292100" dist="139700" dir="2700000" algn="tl" rotWithShape="0">
+              <a:srgbClr val="333333">
+                <a:alpha val="65000"/>
+              </a:srgbClr>
+            </a:outerShdw>
+          </a:effectLst>
+        </p:spPr>
+      </p:pic>
+      <p:sp>
+        <p:nvSpPr>
+          <p:cNvPr id="14" name="Content Placeholder 5">
+            <a:extLst>
+              <a:ext uri="{FF2B5EF4-FFF2-40B4-BE49-F238E27FC236}">
+                <a16:creationId xmlns:a16="http://schemas.microsoft.com/office/drawing/2014/main" id="{A1A56A29-5F87-458A-9958-47834710FB76}"/>
+              </a:ext>
+            </a:extLst>
+          </p:cNvPr>
+          <p:cNvSpPr txBox="1">
+            <a:spLocks/>
+          </p:cNvSpPr>
+          <p:nvPr/>
+        </p:nvSpPr>
+        <p:spPr>
+          <a:xfrm>
+            <a:off x="453656" y="408917"/>
+            <a:ext cx="10515600" cy="846438"/>
+          </a:xfrm>
+          <a:prstGeom prst="rect">
+            <a:avLst/>
+          </a:prstGeom>
+        </p:spPr>
+        <p:txBody>
+          <a:bodyPr vert="horz" lIns="91440" tIns="45720" rIns="91440" bIns="45720" rtlCol="0">
+            <a:normAutofit fontScale="92500" lnSpcReduction="20000"/>
+          </a:bodyPr>
+          <a:lstStyle>
+            <a:lvl1pPr marL="228600" indent="-228600" algn="l" defTabSz="914400" rtl="0" eaLnBrk="1" latinLnBrk="0" hangingPunct="1">
+              <a:lnSpc>
+                <a:spcPct val="90000"/>
+              </a:lnSpc>
+              <a:spcBef>
+                <a:spcPts val="1000"/>
+              </a:spcBef>
+              <a:buFont typeface="Arial" panose="020B0604020202020204" pitchFamily="34" charset="0"/>
+              <a:buChar char="•"/>
+              <a:defRPr sz="2800" kern="1200">
+                <a:solidFill>
+                  <a:schemeClr val="tx1"/>
+                </a:solidFill>
+                <a:latin typeface="+mn-lt"/>
+                <a:ea typeface="+mn-ea"/>
+                <a:cs typeface="+mn-cs"/>
+              </a:defRPr>
+            </a:lvl1pPr>
+            <a:lvl2pPr marL="685800" indent="-228600" algn="l" defTabSz="914400" rtl="0" eaLnBrk="1" latinLnBrk="0" hangingPunct="1">
+              <a:lnSpc>
+                <a:spcPct val="90000"/>
+              </a:lnSpc>
+              <a:spcBef>
+                <a:spcPts val="500"/>
+              </a:spcBef>
+              <a:buFont typeface="Arial" panose="020B0604020202020204" pitchFamily="34" charset="0"/>
+              <a:buChar char="•"/>
+              <a:defRPr sz="2400" kern="1200">
+                <a:solidFill>
+                  <a:schemeClr val="tx1"/>
+                </a:solidFill>
+                <a:latin typeface="+mn-lt"/>
+                <a:ea typeface="+mn-ea"/>
+                <a:cs typeface="+mn-cs"/>
+              </a:defRPr>
+            </a:lvl2pPr>
+            <a:lvl3pPr marL="1143000" indent="-228600" algn="l" defTabSz="914400" rtl="0" eaLnBrk="1" latinLnBrk="0" hangingPunct="1">
+              <a:lnSpc>
+                <a:spcPct val="90000"/>
+              </a:lnSpc>
+              <a:spcBef>
+                <a:spcPts val="500"/>
+              </a:spcBef>
+              <a:buFont typeface="Arial" panose="020B0604020202020204" pitchFamily="34" charset="0"/>
+              <a:buChar char="•"/>
+              <a:defRPr sz="2000" kern="1200">
+                <a:solidFill>
+                  <a:schemeClr val="tx1"/>
+                </a:solidFill>
+                <a:latin typeface="+mn-lt"/>
+                <a:ea typeface="+mn-ea"/>
+                <a:cs typeface="+mn-cs"/>
+              </a:defRPr>
+            </a:lvl3pPr>
+            <a:lvl4pPr marL="1600200" indent="-228600" algn="l" defTabSz="914400" rtl="0" eaLnBrk="1" latinLnBrk="0" hangingPunct="1">
+              <a:lnSpc>
+                <a:spcPct val="90000"/>
+              </a:lnSpc>
+              <a:spcBef>
+                <a:spcPts val="500"/>
+              </a:spcBef>
+              <a:buFont typeface="Arial" panose="020B0604020202020204" pitchFamily="34" charset="0"/>
+              <a:buChar char="•"/>
+              <a:defRPr sz="1800" kern="1200">
+                <a:solidFill>
+                  <a:schemeClr val="tx1"/>
+                </a:solidFill>
+                <a:latin typeface="+mn-lt"/>
+                <a:ea typeface="+mn-ea"/>
+                <a:cs typeface="+mn-cs"/>
+              </a:defRPr>
+            </a:lvl4pPr>
+            <a:lvl5pPr marL="2057400" indent="-228600" algn="l" defTabSz="914400" rtl="0" eaLnBrk="1" latinLnBrk="0" hangingPunct="1">
+              <a:lnSpc>
+                <a:spcPct val="90000"/>
+              </a:lnSpc>
+              <a:spcBef>
+                <a:spcPts val="500"/>
+              </a:spcBef>
+              <a:buFont typeface="Arial" panose="020B0604020202020204" pitchFamily="34" charset="0"/>
+              <a:buChar char="•"/>
+              <a:defRPr sz="1800" kern="1200">
+                <a:solidFill>
+                  <a:schemeClr val="tx1"/>
+                </a:solidFill>
+                <a:latin typeface="+mn-lt"/>
+                <a:ea typeface="+mn-ea"/>
+                <a:cs typeface="+mn-cs"/>
+              </a:defRPr>
+            </a:lvl5pPr>
+            <a:lvl6pPr marL="2514600" indent="-228600" algn="l" defTabSz="914400" rtl="0" eaLnBrk="1" latinLnBrk="0" hangingPunct="1">
+              <a:lnSpc>
+                <a:spcPct val="90000"/>
+              </a:lnSpc>
+              <a:spcBef>
+                <a:spcPts val="500"/>
+              </a:spcBef>
+              <a:buFont typeface="Arial" panose="020B0604020202020204" pitchFamily="34" charset="0"/>
+              <a:buChar char="•"/>
+              <a:defRPr sz="1800" kern="1200">
+                <a:solidFill>
+                  <a:schemeClr val="tx1"/>
+                </a:solidFill>
+                <a:latin typeface="+mn-lt"/>
+                <a:ea typeface="+mn-ea"/>
+                <a:cs typeface="+mn-cs"/>
+              </a:defRPr>
+            </a:lvl6pPr>
+            <a:lvl7pPr marL="2971800" indent="-228600" algn="l" defTabSz="914400" rtl="0" eaLnBrk="1" latinLnBrk="0" hangingPunct="1">
+              <a:lnSpc>
+                <a:spcPct val="90000"/>
+              </a:lnSpc>
+              <a:spcBef>
+                <a:spcPts val="500"/>
+              </a:spcBef>
+              <a:buFont typeface="Arial" panose="020B0604020202020204" pitchFamily="34" charset="0"/>
+              <a:buChar char="•"/>
+              <a:defRPr sz="1800" kern="1200">
+                <a:solidFill>
+                  <a:schemeClr val="tx1"/>
+                </a:solidFill>
+                <a:latin typeface="+mn-lt"/>
+                <a:ea typeface="+mn-ea"/>
+                <a:cs typeface="+mn-cs"/>
+              </a:defRPr>
+            </a:lvl7pPr>
+            <a:lvl8pPr marL="3429000" indent="-228600" algn="l" defTabSz="914400" rtl="0" eaLnBrk="1" latinLnBrk="0" hangingPunct="1">
+              <a:lnSpc>
+                <a:spcPct val="90000"/>
+              </a:lnSpc>
+              <a:spcBef>
+                <a:spcPts val="500"/>
+              </a:spcBef>
+              <a:buFont typeface="Arial" panose="020B0604020202020204" pitchFamily="34" charset="0"/>
+              <a:buChar char="•"/>
+              <a:defRPr sz="1800" kern="1200">
+                <a:solidFill>
+                  <a:schemeClr val="tx1"/>
+                </a:solidFill>
+                <a:latin typeface="+mn-lt"/>
+                <a:ea typeface="+mn-ea"/>
+                <a:cs typeface="+mn-cs"/>
+              </a:defRPr>
+            </a:lvl8pPr>
+            <a:lvl9pPr marL="3886200" indent="-228600" algn="l" defTabSz="914400" rtl="0" eaLnBrk="1" latinLnBrk="0" hangingPunct="1">
+              <a:lnSpc>
+                <a:spcPct val="90000"/>
+              </a:lnSpc>
+              <a:spcBef>
+                <a:spcPts val="500"/>
+              </a:spcBef>
+              <a:buFont typeface="Arial" panose="020B0604020202020204" pitchFamily="34" charset="0"/>
+              <a:buChar char="•"/>
+              <a:defRPr sz="1800" kern="1200">
+                <a:solidFill>
+                  <a:schemeClr val="tx1"/>
+                </a:solidFill>
+                <a:latin typeface="+mn-lt"/>
+                <a:ea typeface="+mn-ea"/>
+                <a:cs typeface="+mn-cs"/>
+              </a:defRPr>
+            </a:lvl9pPr>
+          </a:lstStyle>
+          <a:p>
+            <a:pPr marL="0" indent="0">
+              <a:buFont typeface="Arial" panose="020B0604020202020204" pitchFamily="34" charset="0"/>
+              <a:buNone/>
+            </a:pPr>
+            <a:r>
+              <a:rPr lang="en-AU" dirty="0"/>
+              <a:t>Data Source</a:t>
+            </a:r>
+          </a:p>
+          <a:p>
+            <a:pPr marL="0" indent="0">
+              <a:buFont typeface="Arial" panose="020B0604020202020204" pitchFamily="34" charset="0"/>
+              <a:buNone/>
+            </a:pPr>
+            <a:r>
+              <a:rPr lang="en-AU" dirty="0"/>
+              <a:t> </a:t>
+            </a:r>
+          </a:p>
+          <a:p>
+            <a:pPr marL="0" indent="0">
+              <a:buFont typeface="Arial" panose="020B0604020202020204" pitchFamily="34" charset="0"/>
+              <a:buNone/>
+            </a:pPr>
+            <a:endParaRPr lang="en-AU" dirty="0"/>
           </a:p>
         </p:txBody>
       </p:sp>
@@ -26568,11 +23461,69 @@
             <p:ph idx="1"/>
           </p:nvPr>
         </p:nvSpPr>
-        <p:spPr/>
+        <p:spPr>
+          <a:xfrm>
+            <a:off x="838200" y="1102611"/>
+            <a:ext cx="10515600" cy="4351338"/>
+          </a:xfrm>
+        </p:spPr>
         <p:txBody>
           <a:bodyPr/>
           <a:lstStyle/>
           <a:p>
+            <a:r>
+              <a:rPr lang="en-US" dirty="0"/>
+              <a:t>Combined data from 2015 to 2019 using </a:t>
+            </a:r>
+            <a:r>
+              <a:rPr lang="en-US" dirty="0" err="1"/>
+              <a:t>Jupyter</a:t>
+            </a:r>
+            <a:r>
+              <a:rPr lang="en-US" dirty="0"/>
+              <a:t> notebook.</a:t>
+            </a:r>
+          </a:p>
+          <a:p>
+            <a:r>
+              <a:rPr lang="en-US" dirty="0"/>
+              <a:t>After the merge we identified that that some years of data did not have regions. We used V look up in the csv file to add in the missing region values.</a:t>
+            </a:r>
+          </a:p>
+          <a:p>
+            <a:r>
+              <a:rPr lang="en-US" dirty="0"/>
+              <a:t>Dropped countries with missing data </a:t>
+            </a:r>
+          </a:p>
+          <a:p>
+            <a:r>
+              <a:rPr lang="en-US" dirty="0"/>
+              <a:t>Renamed the headers</a:t>
+            </a:r>
+          </a:p>
+          <a:p>
+            <a:r>
+              <a:rPr lang="en-US" dirty="0"/>
+              <a:t>Created data frames for each variable to calculate the mean</a:t>
+            </a:r>
+          </a:p>
+          <a:p>
+            <a:r>
+              <a:rPr lang="en-US" dirty="0"/>
+              <a:t>Outputted csv file </a:t>
+            </a:r>
+          </a:p>
+          <a:p>
+            <a:endParaRPr lang="en-US" dirty="0"/>
+          </a:p>
+          <a:p>
+            <a:endParaRPr lang="en-US" dirty="0"/>
+          </a:p>
+          <a:p>
+            <a:pPr marL="0" indent="0">
+              <a:buNone/>
+            </a:pPr>
             <a:endParaRPr lang="en-AU" dirty="0"/>
           </a:p>
         </p:txBody>
@@ -26642,31 +23593,36 @@
           <a:chExt cx="0" cy="0"/>
         </a:xfrm>
       </p:grpSpPr>
-      <p:sp>
-        <p:nvSpPr>
-          <p:cNvPr id="3" name="Content Placeholder 2">
+      <p:pic>
+        <p:nvPicPr>
+          <p:cNvPr id="7" name="Picture 6">
             <a:extLst>
               <a:ext uri="{FF2B5EF4-FFF2-40B4-BE49-F238E27FC236}">
-                <a16:creationId xmlns:a16="http://schemas.microsoft.com/office/drawing/2014/main" id="{D4C8A1EF-05D4-4682-AFF4-8A336CCF4EC5}"/>
+                <a16:creationId xmlns:a16="http://schemas.microsoft.com/office/drawing/2014/main" id="{5BE34AF7-E1EF-4635-BA5A-EAF82ABAFD53}"/>
               </a:ext>
             </a:extLst>
           </p:cNvPr>
-          <p:cNvSpPr>
-            <a:spLocks noGrp="1"/>
-          </p:cNvSpPr>
-          <p:nvPr>
-            <p:ph idx="1"/>
-          </p:nvPr>
-        </p:nvSpPr>
-        <p:spPr/>
-        <p:txBody>
-          <a:bodyPr/>
-          <a:lstStyle/>
-          <a:p>
-            <a:endParaRPr lang="en-AU" dirty="0"/>
-          </a:p>
-        </p:txBody>
-      </p:sp>
+          <p:cNvPicPr>
+            <a:picLocks noChangeAspect="1"/>
+          </p:cNvPicPr>
+          <p:nvPr/>
+        </p:nvPicPr>
+        <p:blipFill>
+          <a:blip r:embed="rId3"/>
+          <a:stretch>
+            <a:fillRect/>
+          </a:stretch>
+        </p:blipFill>
+        <p:spPr>
+          <a:xfrm>
+            <a:off x="1109771" y="746940"/>
+            <a:ext cx="9703539" cy="5959543"/>
+          </a:xfrm>
+          <a:prstGeom prst="rect">
+            <a:avLst/>
+          </a:prstGeom>
+        </p:spPr>
+      </p:pic>
       <p:sp>
         <p:nvSpPr>
           <p:cNvPr id="2" name="Title 1">
@@ -26685,8 +23641,8 @@
         </p:nvSpPr>
         <p:spPr>
           <a:xfrm>
-            <a:off x="838200" y="126539"/>
-            <a:ext cx="10515600" cy="1325563"/>
+            <a:off x="245573" y="2661"/>
+            <a:ext cx="10567737" cy="1325563"/>
           </a:xfrm>
         </p:spPr>
         <p:txBody>
@@ -26697,7 +23653,7 @@
               <a:rPr lang="en-AU" dirty="0">
                 <a:latin typeface="+mn-lt"/>
               </a:rPr>
-              <a:t>Data Analysis</a:t>
+              <a:t>World Map:</a:t>
             </a:r>
           </a:p>
         </p:txBody>
@@ -26705,7 +23661,7 @@
     </p:spTree>
     <p:extLst>
       <p:ext uri="{BB962C8B-B14F-4D97-AF65-F5344CB8AC3E}">
-        <p14:creationId xmlns:p14="http://schemas.microsoft.com/office/powerpoint/2010/main" val="1997929278"/>
+        <p14:creationId xmlns:p14="http://schemas.microsoft.com/office/powerpoint/2010/main" val="3141630884"/>
       </p:ext>
     </p:extLst>
   </p:cSld>
